--- a/2018/C语言课程设计/vs2013简介及C语言简单回顾.pptx
+++ b/2018/C语言课程设计/vs2013简介及C语言简单回顾.pptx
@@ -5,10 +5,10 @@
     <p:sldMasterId id="2147483659" r:id="rId1"/>
   </p:sldMasterIdLst>
   <p:notesMasterIdLst>
-    <p:notesMasterId r:id="rId12"/>
+    <p:notesMasterId r:id="rId15"/>
   </p:notesMasterIdLst>
   <p:handoutMasterIdLst>
-    <p:handoutMasterId r:id="rId13"/>
+    <p:handoutMasterId r:id="rId16"/>
   </p:handoutMasterIdLst>
   <p:sldIdLst>
     <p:sldId id="335" r:id="rId2"/>
@@ -16,11 +16,14 @@
     <p:sldId id="381" r:id="rId4"/>
     <p:sldId id="382" r:id="rId5"/>
     <p:sldId id="380" r:id="rId6"/>
-    <p:sldId id="383" r:id="rId7"/>
-    <p:sldId id="357" r:id="rId8"/>
-    <p:sldId id="376" r:id="rId9"/>
-    <p:sldId id="377" r:id="rId10"/>
-    <p:sldId id="374" r:id="rId11"/>
+    <p:sldId id="357" r:id="rId7"/>
+    <p:sldId id="376" r:id="rId8"/>
+    <p:sldId id="377" r:id="rId9"/>
+    <p:sldId id="374" r:id="rId10"/>
+    <p:sldId id="383" r:id="rId11"/>
+    <p:sldId id="384" r:id="rId12"/>
+    <p:sldId id="385" r:id="rId13"/>
+    <p:sldId id="386" r:id="rId14"/>
   </p:sldIdLst>
   <p:sldSz cx="9144000" cy="6858000" type="screen4x3"/>
   <p:notesSz cx="6858000" cy="9144000"/>
@@ -891,36 +894,6 @@
               <a:tabLst/>
               <a:defRPr/>
             </a:pPr>
-            <a:r>
-              <a:rPr lang="zh-CN" altLang="en-US" b="1" dirty="0" smtClean="0">
-                <a:latin typeface="宋体" pitchFamily="2" charset="-122"/>
-              </a:rPr>
-              <a:t>有限状态机（</a:t>
-            </a:r>
-            <a:r>
-              <a:rPr lang="en-US" altLang="zh-CN" b="1" dirty="0" smtClean="0">
-                <a:latin typeface="宋体" pitchFamily="2" charset="-122"/>
-              </a:rPr>
-              <a:t>Finite State Machine</a:t>
-            </a:r>
-            <a:r>
-              <a:rPr lang="zh-CN" altLang="en-US" b="1" dirty="0" smtClean="0">
-                <a:latin typeface="宋体" pitchFamily="2" charset="-122"/>
-              </a:rPr>
-              <a:t>，简称</a:t>
-            </a:r>
-            <a:r>
-              <a:rPr lang="en-US" altLang="zh-CN" b="1" dirty="0" smtClean="0">
-                <a:latin typeface="宋体" pitchFamily="2" charset="-122"/>
-              </a:rPr>
-              <a:t>FSM</a:t>
-            </a:r>
-            <a:r>
-              <a:rPr lang="zh-CN" altLang="en-US" b="1" dirty="0" smtClean="0">
-                <a:latin typeface="宋体" pitchFamily="2" charset="-122"/>
-              </a:rPr>
-              <a:t>）</a:t>
-            </a:r>
             <a:endParaRPr lang="zh-CN" altLang="en-US" dirty="0" smtClean="0"/>
           </a:p>
         </p:txBody>
@@ -1141,7 +1114,7 @@
               <a:pPr>
                 <a:defRPr/>
               </a:pPr>
-              <a:t>7</a:t>
+              <a:t>6</a:t>
             </a:fld>
             <a:endParaRPr lang="en-US" altLang="zh-CN"/>
           </a:p>
@@ -1439,7 +1412,7 @@
           <a:p>
             <a:fld id="{9B897E2D-957B-4D9D-A0C2-5B7D912FC07C}" type="datetime10">
               <a:rPr lang="zh-CN" altLang="en-US" smtClean="0"/>
-              <a:t>11:04</a:t>
+              <a:t>17:10</a:t>
             </a:fld>
             <a:endParaRPr lang="zh-CN" altLang="en-US"/>
           </a:p>
@@ -1652,7 +1625,7 @@
           <a:p>
             <a:fld id="{FEB5EFE7-A783-4554-B77F-DF14040FF23C}" type="datetime10">
               <a:rPr lang="zh-CN" altLang="en-US" smtClean="0"/>
-              <a:t>11:04</a:t>
+              <a:t>17:10</a:t>
             </a:fld>
             <a:endParaRPr lang="zh-CN" altLang="en-US"/>
           </a:p>
@@ -1962,7 +1935,7 @@
           <a:p>
             <a:fld id="{FAE39FCF-E57F-4C7B-8DA8-2F4FAAA6797D}" type="datetime10">
               <a:rPr lang="zh-CN" altLang="en-US" smtClean="0"/>
-              <a:t>11:04</a:t>
+              <a:t>17:10</a:t>
             </a:fld>
             <a:endParaRPr lang="zh-CN" altLang="en-US"/>
           </a:p>
@@ -2137,7 +2110,7 @@
           <a:p>
             <a:fld id="{027287E7-C195-4956-AB5F-C5E4FB6E648D}" type="datetime10">
               <a:rPr lang="zh-CN" altLang="en-US" smtClean="0"/>
-              <a:t>11:04</a:t>
+              <a:t>17:10</a:t>
             </a:fld>
             <a:endParaRPr lang="zh-CN" altLang="en-US"/>
           </a:p>
@@ -2261,7 +2234,7 @@
           <a:p>
             <a:fld id="{2BC22A67-3ECF-487E-A853-13104F322C26}" type="datetime10">
               <a:rPr lang="zh-CN" altLang="en-US" smtClean="0"/>
-              <a:t>11:04</a:t>
+              <a:t>17:10</a:t>
             </a:fld>
             <a:endParaRPr lang="zh-CN" altLang="en-US"/>
           </a:p>
@@ -2722,7 +2695,7 @@
           <a:p>
             <a:fld id="{CDF13AE3-D21E-49E3-A634-69B00BCC8341}" type="datetime10">
               <a:rPr lang="zh-CN" altLang="en-US" smtClean="0"/>
-              <a:t>11:04</a:t>
+              <a:t>17:10</a:t>
             </a:fld>
             <a:endParaRPr lang="zh-CN" altLang="en-US"/>
           </a:p>
@@ -3385,6 +3358,3671 @@
 </file>
 
 <file path=ppt/slides/slide10.xml><?xml version="1.0" encoding="utf-8"?>
+<p:sld xmlns:a="http://schemas.openxmlformats.org/drawingml/2006/main" xmlns:r="http://schemas.openxmlformats.org/officeDocument/2006/relationships" xmlns:p="http://schemas.openxmlformats.org/presentationml/2006/main">
+  <p:cSld>
+    <p:spTree>
+      <p:nvGrpSpPr>
+        <p:cNvPr id="1" name=""/>
+        <p:cNvGrpSpPr/>
+        <p:nvPr/>
+      </p:nvGrpSpPr>
+      <p:grpSpPr>
+        <a:xfrm>
+          <a:off x="0" y="0"/>
+          <a:ext cx="0" cy="0"/>
+          <a:chOff x="0" y="0"/>
+          <a:chExt cx="0" cy="0"/>
+        </a:xfrm>
+      </p:grpSpPr>
+      <p:sp>
+        <p:nvSpPr>
+          <p:cNvPr id="2" name="标题 1"/>
+          <p:cNvSpPr>
+            <a:spLocks noGrp="1"/>
+          </p:cNvSpPr>
+          <p:nvPr>
+            <p:ph type="title"/>
+          </p:nvPr>
+        </p:nvSpPr>
+        <p:spPr/>
+        <p:txBody>
+          <a:bodyPr/>
+          <a:lstStyle/>
+          <a:p>
+            <a:r>
+              <a:rPr lang="zh-CN" altLang="en-US" dirty="0" smtClean="0"/>
+              <a:t>控制台应用程序框架</a:t>
+            </a:r>
+            <a:endParaRPr lang="zh-CN" altLang="en-US" dirty="0"/>
+          </a:p>
+        </p:txBody>
+      </p:sp>
+      <p:sp>
+        <p:nvSpPr>
+          <p:cNvPr id="3" name="页脚占位符 2"/>
+          <p:cNvSpPr>
+            <a:spLocks noGrp="1"/>
+          </p:cNvSpPr>
+          <p:nvPr>
+            <p:ph type="ftr" sz="quarter" idx="10"/>
+          </p:nvPr>
+        </p:nvSpPr>
+        <p:spPr/>
+        <p:txBody>
+          <a:bodyPr/>
+          <a:lstStyle/>
+          <a:p>
+            <a:pPr algn="l"/>
+            <a:r>
+              <a:rPr lang="en-US" altLang="zh-CN" smtClean="0"/>
+              <a:t>C</a:t>
+            </a:r>
+            <a:r>
+              <a:rPr lang="zh-CN" altLang="en-US" smtClean="0"/>
+              <a:t>语言课程设计</a:t>
+            </a:r>
+            <a:endParaRPr lang="zh-CN" altLang="en-US" dirty="0"/>
+          </a:p>
+        </p:txBody>
+      </p:sp>
+      <p:sp>
+        <p:nvSpPr>
+          <p:cNvPr id="4" name="灯片编号占位符 3"/>
+          <p:cNvSpPr>
+            <a:spLocks noGrp="1"/>
+          </p:cNvSpPr>
+          <p:nvPr>
+            <p:ph type="sldNum" sz="quarter" idx="11"/>
+          </p:nvPr>
+        </p:nvSpPr>
+        <p:spPr/>
+        <p:txBody>
+          <a:bodyPr/>
+          <a:lstStyle/>
+          <a:p>
+            <a:fld id="{C76E37F9-B586-484A-A7DE-14715ACABBC7}" type="slidenum">
+              <a:rPr lang="zh-CN" altLang="en-US" smtClean="0"/>
+              <a:t>10</a:t>
+            </a:fld>
+            <a:endParaRPr lang="zh-CN" altLang="en-US"/>
+          </a:p>
+        </p:txBody>
+      </p:sp>
+      <p:sp>
+        <p:nvSpPr>
+          <p:cNvPr id="5" name="日期占位符 4"/>
+          <p:cNvSpPr>
+            <a:spLocks noGrp="1"/>
+          </p:cNvSpPr>
+          <p:nvPr>
+            <p:ph type="dt" sz="half" idx="12"/>
+          </p:nvPr>
+        </p:nvSpPr>
+        <p:spPr/>
+        <p:txBody>
+          <a:bodyPr/>
+          <a:lstStyle/>
+          <a:p>
+            <a:fld id="{027287E7-C195-4956-AB5F-C5E4FB6E648D}" type="datetime10">
+              <a:rPr lang="zh-CN" altLang="en-US" smtClean="0"/>
+              <a:t>17:14</a:t>
+            </a:fld>
+            <a:endParaRPr lang="zh-CN" altLang="en-US"/>
+          </a:p>
+        </p:txBody>
+      </p:sp>
+      <p:sp>
+        <p:nvSpPr>
+          <p:cNvPr id="6" name="TextBox 5"/>
+          <p:cNvSpPr txBox="1"/>
+          <p:nvPr/>
+        </p:nvSpPr>
+        <p:spPr>
+          <a:xfrm>
+            <a:off x="107504" y="1844824"/>
+            <a:ext cx="7200800" cy="3785652"/>
+          </a:xfrm>
+          <a:prstGeom prst="rect">
+            <a:avLst/>
+          </a:prstGeom>
+          <a:noFill/>
+        </p:spPr>
+        <p:txBody>
+          <a:bodyPr wrap="square" rtlCol="0">
+            <a:spAutoFit/>
+          </a:bodyPr>
+          <a:lstStyle/>
+          <a:p>
+            <a:r>
+              <a:rPr lang="en-US" altLang="zh-CN" sz="2400" dirty="0"/>
+              <a:t>// </a:t>
+            </a:r>
+            <a:r>
+              <a:rPr lang="zh-CN" altLang="en-US" sz="2400" dirty="0"/>
+              <a:t>每个</a:t>
+            </a:r>
+            <a:r>
+              <a:rPr lang="en-US" altLang="zh-CN" sz="2400" dirty="0" err="1"/>
+              <a:t>cpp</a:t>
+            </a:r>
+            <a:r>
+              <a:rPr lang="zh-CN" altLang="en-US" sz="2400" dirty="0"/>
+              <a:t>文件</a:t>
+            </a:r>
+            <a:r>
+              <a:rPr lang="zh-CN" altLang="en-US" sz="2400" dirty="0" smtClean="0"/>
+              <a:t>必须包含该头文件</a:t>
+            </a:r>
+            <a:endParaRPr lang="en-US" altLang="zh-CN" sz="2400" dirty="0" smtClean="0"/>
+          </a:p>
+          <a:p>
+            <a:r>
+              <a:rPr lang="en-US" altLang="zh-CN" sz="2400" dirty="0" smtClean="0"/>
+              <a:t>#</a:t>
+            </a:r>
+            <a:r>
+              <a:rPr lang="en-US" altLang="zh-CN" sz="2400" dirty="0"/>
+              <a:t>include </a:t>
+            </a:r>
+            <a:r>
+              <a:rPr lang="en-US" altLang="zh-CN" sz="2400" dirty="0" smtClean="0"/>
+              <a:t>“</a:t>
+            </a:r>
+            <a:r>
+              <a:rPr lang="en-US" altLang="zh-CN" sz="2400" dirty="0" err="1" smtClean="0"/>
+              <a:t>stdafx.h</a:t>
+            </a:r>
+            <a:r>
+              <a:rPr lang="en-US" altLang="zh-CN" sz="2400" dirty="0" smtClean="0"/>
+              <a:t>“</a:t>
+            </a:r>
+          </a:p>
+          <a:p>
+            <a:endParaRPr lang="en-US" altLang="zh-CN" sz="2400" dirty="0" smtClean="0"/>
+          </a:p>
+          <a:p>
+            <a:r>
+              <a:rPr lang="en-US" altLang="zh-CN" sz="2400" dirty="0" smtClean="0"/>
+              <a:t>// </a:t>
+            </a:r>
+            <a:r>
+              <a:rPr lang="zh-CN" altLang="en-US" sz="2400" dirty="0" smtClean="0"/>
+              <a:t>主函数</a:t>
+            </a:r>
+            <a:endParaRPr lang="en-US" altLang="zh-CN" sz="2400" dirty="0"/>
+          </a:p>
+          <a:p>
+            <a:r>
+              <a:rPr lang="en-US" altLang="zh-CN" sz="2400" dirty="0" err="1" smtClean="0"/>
+              <a:t>int</a:t>
+            </a:r>
+            <a:r>
+              <a:rPr lang="en-US" altLang="zh-CN" sz="2400" dirty="0" smtClean="0"/>
+              <a:t> </a:t>
+            </a:r>
+            <a:r>
+              <a:rPr lang="en-US" altLang="zh-CN" sz="2400" dirty="0"/>
+              <a:t>_</a:t>
+            </a:r>
+            <a:r>
+              <a:rPr lang="en-US" altLang="zh-CN" sz="2400" dirty="0" err="1"/>
+              <a:t>tmain</a:t>
+            </a:r>
+            <a:r>
+              <a:rPr lang="en-US" altLang="zh-CN" sz="2400" dirty="0"/>
+              <a:t>(</a:t>
+            </a:r>
+            <a:r>
+              <a:rPr lang="en-US" altLang="zh-CN" sz="2400" dirty="0" err="1"/>
+              <a:t>int</a:t>
+            </a:r>
+            <a:r>
+              <a:rPr lang="en-US" altLang="zh-CN" sz="2400" dirty="0"/>
+              <a:t> </a:t>
+            </a:r>
+            <a:r>
+              <a:rPr lang="en-US" altLang="zh-CN" sz="2400" dirty="0" err="1"/>
+              <a:t>argc</a:t>
+            </a:r>
+            <a:r>
+              <a:rPr lang="en-US" altLang="zh-CN" sz="2400" dirty="0"/>
+              <a:t>, _TCHAR* </a:t>
+            </a:r>
+            <a:r>
+              <a:rPr lang="en-US" altLang="zh-CN" sz="2400" dirty="0" err="1"/>
+              <a:t>argv</a:t>
+            </a:r>
+            <a:r>
+              <a:rPr lang="en-US" altLang="zh-CN" sz="2400" dirty="0"/>
+              <a:t>[])</a:t>
+            </a:r>
+          </a:p>
+          <a:p>
+            <a:r>
+              <a:rPr lang="en-US" altLang="zh-CN" sz="2400" dirty="0"/>
+              <a:t>{</a:t>
+            </a:r>
+          </a:p>
+          <a:p>
+            <a:r>
+              <a:rPr lang="en-US" altLang="zh-CN" sz="2400" dirty="0" smtClean="0"/>
+              <a:t>       </a:t>
+            </a:r>
+            <a:r>
+              <a:rPr lang="en-US" altLang="zh-CN" sz="2400" dirty="0" err="1" smtClean="0"/>
+              <a:t>printf</a:t>
+            </a:r>
+            <a:r>
+              <a:rPr lang="en-US" altLang="zh-CN" sz="2400" dirty="0"/>
+              <a:t>("Hello world</a:t>
+            </a:r>
+            <a:r>
+              <a:rPr lang="zh-CN" altLang="en-US" sz="2400" dirty="0"/>
+              <a:t>！</a:t>
+            </a:r>
+            <a:r>
+              <a:rPr lang="en-US" altLang="zh-CN" sz="2400" dirty="0"/>
+              <a:t>");</a:t>
+            </a:r>
+          </a:p>
+          <a:p>
+            <a:r>
+              <a:rPr lang="en-US" altLang="zh-CN" sz="2400" dirty="0" smtClean="0"/>
+              <a:t>       </a:t>
+            </a:r>
+            <a:r>
+              <a:rPr lang="en-US" altLang="zh-CN" sz="2400" dirty="0" err="1" smtClean="0"/>
+              <a:t>getchar</a:t>
+            </a:r>
+            <a:r>
+              <a:rPr lang="en-US" altLang="zh-CN" sz="2400" dirty="0"/>
+              <a:t>();</a:t>
+            </a:r>
+          </a:p>
+          <a:p>
+            <a:r>
+              <a:rPr lang="en-US" altLang="zh-CN" sz="2400" dirty="0" smtClean="0"/>
+              <a:t>       return </a:t>
+            </a:r>
+            <a:r>
+              <a:rPr lang="en-US" altLang="zh-CN" sz="2400" dirty="0"/>
+              <a:t>0;</a:t>
+            </a:r>
+          </a:p>
+          <a:p>
+            <a:r>
+              <a:rPr lang="en-US" altLang="zh-CN" sz="2400" dirty="0"/>
+              <a:t>}</a:t>
+            </a:r>
+            <a:endParaRPr lang="zh-CN" altLang="en-US" sz="2400" dirty="0"/>
+          </a:p>
+        </p:txBody>
+      </p:sp>
+      <p:pic>
+        <p:nvPicPr>
+          <p:cNvPr id="2050" name="Picture 2"/>
+          <p:cNvPicPr>
+            <a:picLocks noChangeAspect="1" noChangeArrowheads="1"/>
+          </p:cNvPicPr>
+          <p:nvPr/>
+        </p:nvPicPr>
+        <p:blipFill>
+          <a:blip r:embed="rId2">
+            <a:extLst>
+              <a:ext uri="{28A0092B-C50C-407E-A947-70E740481C1C}">
+                <a14:useLocalDpi xmlns:a14="http://schemas.microsoft.com/office/drawing/2010/main" val="0"/>
+              </a:ext>
+            </a:extLst>
+          </a:blip>
+          <a:srcRect/>
+          <a:stretch>
+            <a:fillRect/>
+          </a:stretch>
+        </p:blipFill>
+        <p:spPr bwMode="auto">
+          <a:xfrm>
+            <a:off x="5596284" y="1700808"/>
+            <a:ext cx="3424039" cy="4580654"/>
+          </a:xfrm>
+          <a:prstGeom prst="rect">
+            <a:avLst/>
+          </a:prstGeom>
+          <a:noFill/>
+          <a:ln>
+            <a:noFill/>
+          </a:ln>
+          <a:effectLst/>
+          <a:extLst>
+            <a:ext uri="{909E8E84-426E-40DD-AFC4-6F175D3DCCD1}">
+              <a14:hiddenFill xmlns:a14="http://schemas.microsoft.com/office/drawing/2010/main">
+                <a:solidFill>
+                  <a:schemeClr val="accent1"/>
+                </a:solidFill>
+              </a14:hiddenFill>
+            </a:ext>
+            <a:ext uri="{91240B29-F687-4F45-9708-019B960494DF}">
+              <a14:hiddenLine xmlns:a14="http://schemas.microsoft.com/office/drawing/2010/main" w="9525">
+                <a:solidFill>
+                  <a:schemeClr val="tx1"/>
+                </a:solidFill>
+                <a:miter lim="800000"/>
+                <a:headEnd/>
+                <a:tailEnd/>
+              </a14:hiddenLine>
+            </a:ext>
+            <a:ext uri="{AF507438-7753-43E0-B8FC-AC1667EBCBE1}">
+              <a14:hiddenEffects xmlns:a14="http://schemas.microsoft.com/office/drawing/2010/main">
+                <a:effectLst>
+                  <a:outerShdw dist="35921" dir="2700000" algn="ctr" rotWithShape="0">
+                    <a:schemeClr val="bg2"/>
+                  </a:outerShdw>
+                </a:effectLst>
+              </a14:hiddenEffects>
+            </a:ext>
+          </a:extLst>
+        </p:spPr>
+      </p:pic>
+    </p:spTree>
+    <p:extLst>
+      <p:ext uri="{BB962C8B-B14F-4D97-AF65-F5344CB8AC3E}">
+        <p14:creationId xmlns:p14="http://schemas.microsoft.com/office/powerpoint/2010/main" val="1227864384"/>
+      </p:ext>
+    </p:extLst>
+  </p:cSld>
+  <p:clrMapOvr>
+    <a:masterClrMapping/>
+  </p:clrMapOvr>
+  <p:transition>
+    <p:random/>
+  </p:transition>
+</p:sld>
+</file>
+
+<file path=ppt/slides/slide11.xml><?xml version="1.0" encoding="utf-8"?>
+<p:sld xmlns:a="http://schemas.openxmlformats.org/drawingml/2006/main" xmlns:r="http://schemas.openxmlformats.org/officeDocument/2006/relationships" xmlns:p="http://schemas.openxmlformats.org/presentationml/2006/main">
+  <p:cSld>
+    <p:spTree>
+      <p:nvGrpSpPr>
+        <p:cNvPr id="1" name=""/>
+        <p:cNvGrpSpPr/>
+        <p:nvPr/>
+      </p:nvGrpSpPr>
+      <p:grpSpPr>
+        <a:xfrm>
+          <a:off x="0" y="0"/>
+          <a:ext cx="0" cy="0"/>
+          <a:chOff x="0" y="0"/>
+          <a:chExt cx="0" cy="0"/>
+        </a:xfrm>
+      </p:grpSpPr>
+      <p:sp>
+        <p:nvSpPr>
+          <p:cNvPr id="2" name="标题 1"/>
+          <p:cNvSpPr>
+            <a:spLocks noGrp="1"/>
+          </p:cNvSpPr>
+          <p:nvPr>
+            <p:ph type="title"/>
+          </p:nvPr>
+        </p:nvSpPr>
+        <p:spPr/>
+        <p:txBody>
+          <a:bodyPr/>
+          <a:lstStyle/>
+          <a:p>
+            <a:r>
+              <a:rPr lang="en-US" altLang="zh-CN" dirty="0" smtClean="0"/>
+              <a:t>C</a:t>
+            </a:r>
+            <a:r>
+              <a:rPr lang="zh-CN" altLang="en-US" dirty="0" smtClean="0"/>
+              <a:t>语言简单回顾</a:t>
+            </a:r>
+            <a:endParaRPr lang="zh-CN" altLang="en-US" dirty="0"/>
+          </a:p>
+        </p:txBody>
+      </p:sp>
+      <p:sp>
+        <p:nvSpPr>
+          <p:cNvPr id="3" name="页脚占位符 2"/>
+          <p:cNvSpPr>
+            <a:spLocks noGrp="1"/>
+          </p:cNvSpPr>
+          <p:nvPr>
+            <p:ph type="ftr" sz="quarter" idx="10"/>
+          </p:nvPr>
+        </p:nvSpPr>
+        <p:spPr/>
+        <p:txBody>
+          <a:bodyPr/>
+          <a:lstStyle/>
+          <a:p>
+            <a:pPr algn="l"/>
+            <a:r>
+              <a:rPr lang="en-US" altLang="zh-CN" smtClean="0"/>
+              <a:t>C</a:t>
+            </a:r>
+            <a:r>
+              <a:rPr lang="zh-CN" altLang="en-US" smtClean="0"/>
+              <a:t>语言课程设计</a:t>
+            </a:r>
+            <a:endParaRPr lang="zh-CN" altLang="en-US" dirty="0"/>
+          </a:p>
+        </p:txBody>
+      </p:sp>
+      <p:sp>
+        <p:nvSpPr>
+          <p:cNvPr id="4" name="灯片编号占位符 3"/>
+          <p:cNvSpPr>
+            <a:spLocks noGrp="1"/>
+          </p:cNvSpPr>
+          <p:nvPr>
+            <p:ph type="sldNum" sz="quarter" idx="11"/>
+          </p:nvPr>
+        </p:nvSpPr>
+        <p:spPr/>
+        <p:txBody>
+          <a:bodyPr/>
+          <a:lstStyle/>
+          <a:p>
+            <a:fld id="{C76E37F9-B586-484A-A7DE-14715ACABBC7}" type="slidenum">
+              <a:rPr lang="zh-CN" altLang="en-US" smtClean="0"/>
+              <a:t>11</a:t>
+            </a:fld>
+            <a:endParaRPr lang="zh-CN" altLang="en-US"/>
+          </a:p>
+        </p:txBody>
+      </p:sp>
+      <p:sp>
+        <p:nvSpPr>
+          <p:cNvPr id="5" name="日期占位符 4"/>
+          <p:cNvSpPr>
+            <a:spLocks noGrp="1"/>
+          </p:cNvSpPr>
+          <p:nvPr>
+            <p:ph type="dt" sz="half" idx="12"/>
+          </p:nvPr>
+        </p:nvSpPr>
+        <p:spPr/>
+        <p:txBody>
+          <a:bodyPr/>
+          <a:lstStyle/>
+          <a:p>
+            <a:fld id="{027287E7-C195-4956-AB5F-C5E4FB6E648D}" type="datetime10">
+              <a:rPr lang="zh-CN" altLang="en-US" smtClean="0"/>
+              <a:t>17:33</a:t>
+            </a:fld>
+            <a:endParaRPr lang="zh-CN" altLang="en-US"/>
+          </a:p>
+        </p:txBody>
+      </p:sp>
+      <p:sp>
+        <p:nvSpPr>
+          <p:cNvPr id="6" name="TextBox 5"/>
+          <p:cNvSpPr txBox="1"/>
+          <p:nvPr/>
+        </p:nvSpPr>
+        <p:spPr>
+          <a:xfrm>
+            <a:off x="539552" y="1700808"/>
+            <a:ext cx="7344816" cy="4154984"/>
+          </a:xfrm>
+          <a:prstGeom prst="rect">
+            <a:avLst/>
+          </a:prstGeom>
+          <a:noFill/>
+        </p:spPr>
+        <p:txBody>
+          <a:bodyPr wrap="square" rtlCol="0">
+            <a:spAutoFit/>
+          </a:bodyPr>
+          <a:lstStyle/>
+          <a:p>
+            <a:pPr marL="342900" indent="-342900">
+              <a:buFont typeface="Arial" pitchFamily="34" charset="0"/>
+              <a:buChar char="•"/>
+            </a:pPr>
+            <a:r>
+              <a:rPr lang="zh-CN" altLang="en-US" sz="2400" dirty="0" smtClean="0"/>
+              <a:t>程序演示</a:t>
+            </a:r>
+            <a:r>
+              <a:rPr lang="en-US" altLang="zh-CN" sz="2400" dirty="0" smtClean="0"/>
+              <a:t>VS2013</a:t>
+            </a:r>
+            <a:r>
+              <a:rPr lang="zh-CN" altLang="en-US" sz="2400" dirty="0" smtClean="0"/>
+              <a:t>开发环境的使用方法</a:t>
+            </a:r>
+            <a:endParaRPr lang="en-US" altLang="zh-CN" sz="2400" dirty="0" smtClean="0"/>
+          </a:p>
+          <a:p>
+            <a:pPr marL="342900" indent="-342900">
+              <a:buFont typeface="Arial" pitchFamily="34" charset="0"/>
+              <a:buChar char="•"/>
+            </a:pPr>
+            <a:r>
+              <a:rPr lang="en-US" altLang="zh-CN" sz="2400" dirty="0" smtClean="0"/>
+              <a:t>C</a:t>
+            </a:r>
+            <a:r>
+              <a:rPr lang="zh-CN" altLang="en-US" sz="2400" dirty="0" smtClean="0"/>
+              <a:t>语言由主函数和若干个子函数组成</a:t>
+            </a:r>
+            <a:endParaRPr lang="en-US" altLang="zh-CN" sz="2400" dirty="0" smtClean="0"/>
+          </a:p>
+          <a:p>
+            <a:pPr marL="342900" indent="-342900">
+              <a:buFont typeface="Arial" pitchFamily="34" charset="0"/>
+              <a:buChar char="•"/>
+            </a:pPr>
+            <a:r>
+              <a:rPr lang="zh-CN" altLang="en-US" sz="2400" dirty="0" smtClean="0"/>
+              <a:t>函数原型说明：</a:t>
+            </a:r>
+            <a:r>
+              <a:rPr lang="en-US" altLang="zh-CN" sz="2400" dirty="0" err="1" smtClean="0"/>
+              <a:t>int</a:t>
+            </a:r>
+            <a:r>
+              <a:rPr lang="en-US" altLang="zh-CN" sz="2400" dirty="0" smtClean="0"/>
+              <a:t> fun(</a:t>
+            </a:r>
+            <a:r>
+              <a:rPr lang="en-US" altLang="zh-CN" sz="2400" dirty="0" err="1" smtClean="0"/>
+              <a:t>int</a:t>
+            </a:r>
+            <a:r>
+              <a:rPr lang="en-US" altLang="zh-CN" sz="2400" dirty="0" smtClean="0"/>
+              <a:t> </a:t>
+            </a:r>
+            <a:r>
+              <a:rPr lang="en-US" altLang="zh-CN" sz="2400" dirty="0" err="1" smtClean="0"/>
+              <a:t>a,float</a:t>
+            </a:r>
+            <a:r>
+              <a:rPr lang="en-US" altLang="zh-CN" sz="2400" dirty="0" smtClean="0"/>
+              <a:t> b);</a:t>
+            </a:r>
+          </a:p>
+          <a:p>
+            <a:pPr marL="342900" indent="-342900">
+              <a:buFont typeface="Arial" pitchFamily="34" charset="0"/>
+              <a:buChar char="•"/>
+            </a:pPr>
+            <a:r>
+              <a:rPr lang="zh-CN" altLang="en-US" sz="2400" dirty="0" smtClean="0"/>
+              <a:t>函数定义</a:t>
+            </a:r>
+            <a:r>
+              <a:rPr lang="en-US" altLang="zh-CN" sz="2400" dirty="0" smtClean="0"/>
+              <a:t>:</a:t>
+            </a:r>
+          </a:p>
+          <a:p>
+            <a:pPr lvl="1"/>
+            <a:r>
+              <a:rPr lang="en-US" altLang="zh-CN" sz="2400" dirty="0" err="1" smtClean="0"/>
+              <a:t>int</a:t>
+            </a:r>
+            <a:r>
+              <a:rPr lang="en-US" altLang="zh-CN" sz="2400" dirty="0" smtClean="0"/>
+              <a:t> fun(</a:t>
+            </a:r>
+            <a:r>
+              <a:rPr lang="en-US" altLang="zh-CN" sz="2400" dirty="0" err="1" smtClean="0"/>
+              <a:t>int</a:t>
+            </a:r>
+            <a:r>
+              <a:rPr lang="en-US" altLang="zh-CN" sz="2400" dirty="0" smtClean="0"/>
+              <a:t> a, float b)</a:t>
+            </a:r>
+          </a:p>
+          <a:p>
+            <a:pPr lvl="1"/>
+            <a:r>
+              <a:rPr lang="en-US" altLang="zh-CN" sz="2400" dirty="0" smtClean="0"/>
+              <a:t>{</a:t>
+            </a:r>
+          </a:p>
+          <a:p>
+            <a:pPr lvl="1"/>
+            <a:r>
+              <a:rPr lang="en-US" altLang="zh-CN" sz="2400" dirty="0"/>
+              <a:t> </a:t>
+            </a:r>
+            <a:r>
+              <a:rPr lang="en-US" altLang="zh-CN" sz="2400" dirty="0" smtClean="0"/>
+              <a:t>  return (</a:t>
+            </a:r>
+            <a:r>
+              <a:rPr lang="en-US" altLang="zh-CN" sz="2400" dirty="0" err="1" smtClean="0"/>
+              <a:t>int</a:t>
+            </a:r>
+            <a:r>
+              <a:rPr lang="en-US" altLang="zh-CN" sz="2400" dirty="0" smtClean="0"/>
+              <a:t>)(</a:t>
+            </a:r>
+            <a:r>
+              <a:rPr lang="en-US" altLang="zh-CN" sz="2400" dirty="0" err="1" smtClean="0"/>
+              <a:t>a+sqrt</a:t>
+            </a:r>
+            <a:r>
+              <a:rPr lang="en-US" altLang="zh-CN" sz="2400" dirty="0" smtClean="0"/>
+              <a:t>(b));</a:t>
+            </a:r>
+          </a:p>
+          <a:p>
+            <a:pPr lvl="1"/>
+            <a:r>
+              <a:rPr lang="en-US" altLang="zh-CN" sz="2400" dirty="0"/>
+              <a:t>}</a:t>
+            </a:r>
+            <a:endParaRPr lang="en-US" altLang="zh-CN" sz="2400" dirty="0" smtClean="0"/>
+          </a:p>
+          <a:p>
+            <a:pPr marL="342900" indent="-342900">
+              <a:buFont typeface="Arial" pitchFamily="34" charset="0"/>
+              <a:buChar char="•"/>
+            </a:pPr>
+            <a:r>
+              <a:rPr lang="zh-CN" altLang="en-US" sz="2400" dirty="0" smtClean="0"/>
+              <a:t>函数调用：</a:t>
+            </a:r>
+            <a:endParaRPr lang="en-US" altLang="zh-CN" sz="2400" dirty="0" smtClean="0"/>
+          </a:p>
+          <a:p>
+            <a:pPr lvl="1"/>
+            <a:r>
+              <a:rPr lang="en-US" altLang="zh-CN" sz="2400" dirty="0" err="1" smtClean="0"/>
+              <a:t>int</a:t>
+            </a:r>
+            <a:r>
+              <a:rPr lang="en-US" altLang="zh-CN" sz="2400" dirty="0" smtClean="0"/>
+              <a:t> </a:t>
+            </a:r>
+            <a:r>
+              <a:rPr lang="en-US" altLang="zh-CN" sz="2400" dirty="0" err="1" smtClean="0"/>
+              <a:t>a,b</a:t>
+            </a:r>
+            <a:r>
+              <a:rPr lang="en-US" altLang="zh-CN" sz="2400" dirty="0" smtClean="0"/>
+              <a:t>;</a:t>
+            </a:r>
+          </a:p>
+          <a:p>
+            <a:pPr lvl="1"/>
+            <a:r>
+              <a:rPr lang="en-US" altLang="zh-CN" sz="2400" dirty="0" err="1" smtClean="0"/>
+              <a:t>printf</a:t>
+            </a:r>
+            <a:r>
+              <a:rPr lang="en-US" altLang="zh-CN" sz="2400" dirty="0" smtClean="0"/>
+              <a:t>(“%d\</a:t>
+            </a:r>
+            <a:r>
+              <a:rPr lang="en-US" altLang="zh-CN" sz="2400" dirty="0" err="1" smtClean="0"/>
+              <a:t>n”,fun</a:t>
+            </a:r>
+            <a:r>
+              <a:rPr lang="en-US" altLang="zh-CN" sz="2400" dirty="0" smtClean="0"/>
+              <a:t>(</a:t>
+            </a:r>
+            <a:r>
+              <a:rPr lang="en-US" altLang="zh-CN" sz="2400" dirty="0" err="1" smtClean="0"/>
+              <a:t>a,b</a:t>
+            </a:r>
+            <a:r>
+              <a:rPr lang="en-US" altLang="zh-CN" sz="2400" dirty="0" smtClean="0"/>
+              <a:t>));</a:t>
+            </a:r>
+            <a:endParaRPr lang="zh-CN" altLang="en-US" sz="2400" dirty="0"/>
+          </a:p>
+        </p:txBody>
+      </p:sp>
+    </p:spTree>
+    <p:extLst>
+      <p:ext uri="{BB962C8B-B14F-4D97-AF65-F5344CB8AC3E}">
+        <p14:creationId xmlns:p14="http://schemas.microsoft.com/office/powerpoint/2010/main" val="687526989"/>
+      </p:ext>
+    </p:extLst>
+  </p:cSld>
+  <p:clrMapOvr>
+    <a:masterClrMapping/>
+  </p:clrMapOvr>
+  <p:transition>
+    <p:random/>
+  </p:transition>
+</p:sld>
+</file>
+
+<file path=ppt/slides/slide12.xml><?xml version="1.0" encoding="utf-8"?>
+<p:sld xmlns:a="http://schemas.openxmlformats.org/drawingml/2006/main" xmlns:r="http://schemas.openxmlformats.org/officeDocument/2006/relationships" xmlns:p="http://schemas.openxmlformats.org/presentationml/2006/main">
+  <p:cSld>
+    <p:spTree>
+      <p:nvGrpSpPr>
+        <p:cNvPr id="1" name=""/>
+        <p:cNvGrpSpPr/>
+        <p:nvPr/>
+      </p:nvGrpSpPr>
+      <p:grpSpPr>
+        <a:xfrm>
+          <a:off x="0" y="0"/>
+          <a:ext cx="0" cy="0"/>
+          <a:chOff x="0" y="0"/>
+          <a:chExt cx="0" cy="0"/>
+        </a:xfrm>
+      </p:grpSpPr>
+      <p:sp>
+        <p:nvSpPr>
+          <p:cNvPr id="2" name="标题 1"/>
+          <p:cNvSpPr>
+            <a:spLocks noGrp="1"/>
+          </p:cNvSpPr>
+          <p:nvPr>
+            <p:ph type="title"/>
+          </p:nvPr>
+        </p:nvSpPr>
+        <p:spPr/>
+        <p:txBody>
+          <a:bodyPr/>
+          <a:lstStyle/>
+          <a:p>
+            <a:r>
+              <a:rPr lang="en-US" altLang="zh-CN" dirty="0" smtClean="0"/>
+              <a:t>C</a:t>
+            </a:r>
+            <a:r>
+              <a:rPr lang="zh-CN" altLang="en-US" dirty="0" smtClean="0"/>
+              <a:t>语言简单回顾</a:t>
+            </a:r>
+            <a:endParaRPr lang="zh-CN" altLang="en-US" dirty="0"/>
+          </a:p>
+        </p:txBody>
+      </p:sp>
+      <p:sp>
+        <p:nvSpPr>
+          <p:cNvPr id="3" name="页脚占位符 2"/>
+          <p:cNvSpPr>
+            <a:spLocks noGrp="1"/>
+          </p:cNvSpPr>
+          <p:nvPr>
+            <p:ph type="ftr" sz="quarter" idx="10"/>
+          </p:nvPr>
+        </p:nvSpPr>
+        <p:spPr/>
+        <p:txBody>
+          <a:bodyPr/>
+          <a:lstStyle/>
+          <a:p>
+            <a:pPr algn="l"/>
+            <a:r>
+              <a:rPr lang="en-US" altLang="zh-CN" smtClean="0"/>
+              <a:t>C</a:t>
+            </a:r>
+            <a:r>
+              <a:rPr lang="zh-CN" altLang="en-US" smtClean="0"/>
+              <a:t>语言课程设计</a:t>
+            </a:r>
+            <a:endParaRPr lang="zh-CN" altLang="en-US" dirty="0"/>
+          </a:p>
+        </p:txBody>
+      </p:sp>
+      <p:sp>
+        <p:nvSpPr>
+          <p:cNvPr id="4" name="灯片编号占位符 3"/>
+          <p:cNvSpPr>
+            <a:spLocks noGrp="1"/>
+          </p:cNvSpPr>
+          <p:nvPr>
+            <p:ph type="sldNum" sz="quarter" idx="11"/>
+          </p:nvPr>
+        </p:nvSpPr>
+        <p:spPr/>
+        <p:txBody>
+          <a:bodyPr/>
+          <a:lstStyle/>
+          <a:p>
+            <a:fld id="{C76E37F9-B586-484A-A7DE-14715ACABBC7}" type="slidenum">
+              <a:rPr lang="zh-CN" altLang="en-US" smtClean="0"/>
+              <a:t>12</a:t>
+            </a:fld>
+            <a:endParaRPr lang="zh-CN" altLang="en-US"/>
+          </a:p>
+        </p:txBody>
+      </p:sp>
+      <p:sp>
+        <p:nvSpPr>
+          <p:cNvPr id="5" name="日期占位符 4"/>
+          <p:cNvSpPr>
+            <a:spLocks noGrp="1"/>
+          </p:cNvSpPr>
+          <p:nvPr>
+            <p:ph type="dt" sz="half" idx="12"/>
+          </p:nvPr>
+        </p:nvSpPr>
+        <p:spPr/>
+        <p:txBody>
+          <a:bodyPr/>
+          <a:lstStyle/>
+          <a:p>
+            <a:fld id="{027287E7-C195-4956-AB5F-C5E4FB6E648D}" type="datetime10">
+              <a:rPr lang="zh-CN" altLang="en-US" smtClean="0"/>
+              <a:t>17:53</a:t>
+            </a:fld>
+            <a:endParaRPr lang="zh-CN" altLang="en-US"/>
+          </a:p>
+        </p:txBody>
+      </p:sp>
+      <p:sp>
+        <p:nvSpPr>
+          <p:cNvPr id="6" name="TextBox 5"/>
+          <p:cNvSpPr txBox="1"/>
+          <p:nvPr/>
+        </p:nvSpPr>
+        <p:spPr>
+          <a:xfrm>
+            <a:off x="899592" y="1988840"/>
+            <a:ext cx="6984776" cy="3785652"/>
+          </a:xfrm>
+          <a:prstGeom prst="rect">
+            <a:avLst/>
+          </a:prstGeom>
+          <a:noFill/>
+        </p:spPr>
+        <p:txBody>
+          <a:bodyPr wrap="square" rtlCol="0">
+            <a:spAutoFit/>
+          </a:bodyPr>
+          <a:lstStyle/>
+          <a:p>
+            <a:r>
+              <a:rPr lang="zh-CN" altLang="en-US" sz="2400" dirty="0" smtClean="0"/>
+              <a:t>函数参数的引用传递</a:t>
+            </a:r>
+            <a:r>
+              <a:rPr lang="en-US" altLang="zh-CN" sz="2400" dirty="0" smtClean="0"/>
+              <a:t>,</a:t>
+            </a:r>
+            <a:r>
+              <a:rPr lang="zh-CN" altLang="en-US" sz="2400" dirty="0"/>
+              <a:t>在函数内改变</a:t>
+            </a:r>
+            <a:r>
+              <a:rPr lang="en-US" altLang="zh-CN" sz="2400" dirty="0"/>
+              <a:t>state</a:t>
+            </a:r>
+            <a:r>
+              <a:rPr lang="zh-CN" altLang="en-US" sz="2400" dirty="0"/>
+              <a:t>指针的内容，可以改变实参的值</a:t>
+            </a:r>
+            <a:r>
+              <a:rPr lang="zh-CN" altLang="en-US" sz="2400" dirty="0" smtClean="0"/>
+              <a:t>。</a:t>
+            </a:r>
+            <a:endParaRPr lang="en-US" altLang="zh-CN" sz="2400" dirty="0"/>
+          </a:p>
+          <a:p>
+            <a:r>
+              <a:rPr lang="en-US" altLang="zh-CN" sz="2400" dirty="0" smtClean="0"/>
+              <a:t>void fun(</a:t>
+            </a:r>
+            <a:r>
+              <a:rPr lang="en-US" altLang="zh-CN" sz="2400" dirty="0" err="1" smtClean="0"/>
+              <a:t>int</a:t>
+            </a:r>
+            <a:r>
+              <a:rPr lang="en-US" altLang="zh-CN" sz="2400" dirty="0" smtClean="0"/>
+              <a:t> </a:t>
+            </a:r>
+            <a:r>
+              <a:rPr lang="zh-CN" altLang="en-US" sz="2400" dirty="0" smtClean="0"/>
+              <a:t>*</a:t>
+            </a:r>
+            <a:r>
+              <a:rPr lang="en-US" altLang="zh-CN" sz="2400" dirty="0" smtClean="0"/>
+              <a:t>state)</a:t>
+            </a:r>
+          </a:p>
+          <a:p>
+            <a:r>
+              <a:rPr lang="en-US" altLang="zh-CN" sz="2400" dirty="0" smtClean="0"/>
+              <a:t>{</a:t>
+            </a:r>
+          </a:p>
+          <a:p>
+            <a:r>
+              <a:rPr lang="en-US" altLang="zh-CN" sz="2400" dirty="0"/>
+              <a:t> </a:t>
+            </a:r>
+            <a:r>
+              <a:rPr lang="en-US" altLang="zh-CN" sz="2400" dirty="0" smtClean="0"/>
+              <a:t>  *state = 10;</a:t>
+            </a:r>
+          </a:p>
+          <a:p>
+            <a:r>
+              <a:rPr lang="en-US" altLang="zh-CN" sz="2400" dirty="0"/>
+              <a:t>}</a:t>
+            </a:r>
+            <a:endParaRPr lang="en-US" altLang="zh-CN" sz="2400" dirty="0" smtClean="0"/>
+          </a:p>
+          <a:p>
+            <a:r>
+              <a:rPr lang="zh-CN" altLang="en-US" sz="2400" dirty="0" smtClean="0"/>
+              <a:t>调用：</a:t>
+            </a:r>
+            <a:endParaRPr lang="en-US" altLang="zh-CN" sz="2400" dirty="0" smtClean="0"/>
+          </a:p>
+          <a:p>
+            <a:r>
+              <a:rPr lang="en-US" altLang="zh-CN" sz="2400" dirty="0" err="1" smtClean="0"/>
+              <a:t>int</a:t>
+            </a:r>
+            <a:r>
+              <a:rPr lang="en-US" altLang="zh-CN" sz="2400" dirty="0" smtClean="0"/>
+              <a:t> state = 20;</a:t>
+            </a:r>
+          </a:p>
+          <a:p>
+            <a:r>
+              <a:rPr lang="en-US" altLang="zh-CN" sz="2400" dirty="0" smtClean="0"/>
+              <a:t>fun(&amp;state);</a:t>
+            </a:r>
+          </a:p>
+          <a:p>
+            <a:r>
+              <a:rPr lang="en-US" altLang="zh-CN" sz="2400" dirty="0" err="1" smtClean="0"/>
+              <a:t>printf</a:t>
+            </a:r>
+            <a:r>
+              <a:rPr lang="en-US" altLang="zh-CN" sz="2400" dirty="0" smtClean="0"/>
+              <a:t>(“%d\</a:t>
+            </a:r>
+            <a:r>
+              <a:rPr lang="en-US" altLang="zh-CN" sz="2400" dirty="0" err="1" smtClean="0"/>
+              <a:t>n”,state</a:t>
+            </a:r>
+            <a:r>
+              <a:rPr lang="en-US" altLang="zh-CN" sz="2400" dirty="0" smtClean="0"/>
+              <a:t>);  // 10 </a:t>
+            </a:r>
+            <a:endParaRPr lang="zh-CN" altLang="en-US" sz="2400" dirty="0"/>
+          </a:p>
+        </p:txBody>
+      </p:sp>
+    </p:spTree>
+    <p:extLst>
+      <p:ext uri="{BB962C8B-B14F-4D97-AF65-F5344CB8AC3E}">
+        <p14:creationId xmlns:p14="http://schemas.microsoft.com/office/powerpoint/2010/main" val="1293211190"/>
+      </p:ext>
+    </p:extLst>
+  </p:cSld>
+  <p:clrMapOvr>
+    <a:masterClrMapping/>
+  </p:clrMapOvr>
+  <p:transition>
+    <p:random/>
+  </p:transition>
+  <p:timing>
+    <p:tnLst>
+      <p:par>
+        <p:cTn id="1" dur="indefinite" restart="never" nodeType="tmRoot"/>
+      </p:par>
+    </p:tnLst>
+  </p:timing>
+</p:sld>
+</file>
+
+<file path=ppt/slides/slide13.xml><?xml version="1.0" encoding="utf-8"?>
+<p:sld xmlns:a="http://schemas.openxmlformats.org/drawingml/2006/main" xmlns:r="http://schemas.openxmlformats.org/officeDocument/2006/relationships" xmlns:p="http://schemas.openxmlformats.org/presentationml/2006/main">
+  <p:cSld>
+    <p:spTree>
+      <p:nvGrpSpPr>
+        <p:cNvPr id="1" name=""/>
+        <p:cNvGrpSpPr/>
+        <p:nvPr/>
+      </p:nvGrpSpPr>
+      <p:grpSpPr>
+        <a:xfrm>
+          <a:off x="0" y="0"/>
+          <a:ext cx="0" cy="0"/>
+          <a:chOff x="0" y="0"/>
+          <a:chExt cx="0" cy="0"/>
+        </a:xfrm>
+      </p:grpSpPr>
+      <p:sp>
+        <p:nvSpPr>
+          <p:cNvPr id="2" name="标题 1"/>
+          <p:cNvSpPr>
+            <a:spLocks noGrp="1"/>
+          </p:cNvSpPr>
+          <p:nvPr>
+            <p:ph type="title"/>
+          </p:nvPr>
+        </p:nvSpPr>
+        <p:spPr/>
+        <p:txBody>
+          <a:bodyPr/>
+          <a:lstStyle/>
+          <a:p>
+            <a:r>
+              <a:rPr lang="en-US" altLang="zh-CN" dirty="0" smtClean="0"/>
+              <a:t>C</a:t>
+            </a:r>
+            <a:r>
+              <a:rPr lang="zh-CN" altLang="en-US" dirty="0" smtClean="0"/>
+              <a:t>语言简单回顾</a:t>
+            </a:r>
+            <a:endParaRPr lang="zh-CN" altLang="en-US" dirty="0"/>
+          </a:p>
+        </p:txBody>
+      </p:sp>
+      <p:sp>
+        <p:nvSpPr>
+          <p:cNvPr id="3" name="页脚占位符 2"/>
+          <p:cNvSpPr>
+            <a:spLocks noGrp="1"/>
+          </p:cNvSpPr>
+          <p:nvPr>
+            <p:ph type="ftr" sz="quarter" idx="10"/>
+          </p:nvPr>
+        </p:nvSpPr>
+        <p:spPr/>
+        <p:txBody>
+          <a:bodyPr/>
+          <a:lstStyle/>
+          <a:p>
+            <a:pPr algn="l"/>
+            <a:r>
+              <a:rPr lang="en-US" altLang="zh-CN" smtClean="0"/>
+              <a:t>C</a:t>
+            </a:r>
+            <a:r>
+              <a:rPr lang="zh-CN" altLang="en-US" smtClean="0"/>
+              <a:t>语言课程设计</a:t>
+            </a:r>
+            <a:endParaRPr lang="zh-CN" altLang="en-US" dirty="0"/>
+          </a:p>
+        </p:txBody>
+      </p:sp>
+      <p:sp>
+        <p:nvSpPr>
+          <p:cNvPr id="4" name="灯片编号占位符 3"/>
+          <p:cNvSpPr>
+            <a:spLocks noGrp="1"/>
+          </p:cNvSpPr>
+          <p:nvPr>
+            <p:ph type="sldNum" sz="quarter" idx="11"/>
+          </p:nvPr>
+        </p:nvSpPr>
+        <p:spPr/>
+        <p:txBody>
+          <a:bodyPr/>
+          <a:lstStyle/>
+          <a:p>
+            <a:fld id="{C76E37F9-B586-484A-A7DE-14715ACABBC7}" type="slidenum">
+              <a:rPr lang="zh-CN" altLang="en-US" smtClean="0"/>
+              <a:t>13</a:t>
+            </a:fld>
+            <a:endParaRPr lang="zh-CN" altLang="en-US"/>
+          </a:p>
+        </p:txBody>
+      </p:sp>
+      <p:sp>
+        <p:nvSpPr>
+          <p:cNvPr id="5" name="日期占位符 4"/>
+          <p:cNvSpPr>
+            <a:spLocks noGrp="1"/>
+          </p:cNvSpPr>
+          <p:nvPr>
+            <p:ph type="dt" sz="half" idx="12"/>
+          </p:nvPr>
+        </p:nvSpPr>
+        <p:spPr/>
+        <p:txBody>
+          <a:bodyPr/>
+          <a:lstStyle/>
+          <a:p>
+            <a:fld id="{027287E7-C195-4956-AB5F-C5E4FB6E648D}" type="datetime10">
+              <a:rPr lang="zh-CN" altLang="en-US" smtClean="0"/>
+              <a:t>18:07</a:t>
+            </a:fld>
+            <a:endParaRPr lang="zh-CN" altLang="en-US"/>
+          </a:p>
+        </p:txBody>
+      </p:sp>
+      <p:sp>
+        <p:nvSpPr>
+          <p:cNvPr id="6" name="TextBox 5"/>
+          <p:cNvSpPr txBox="1"/>
+          <p:nvPr/>
+        </p:nvSpPr>
+        <p:spPr>
+          <a:xfrm>
+            <a:off x="251520" y="1700808"/>
+            <a:ext cx="8568952" cy="1200329"/>
+          </a:xfrm>
+          <a:prstGeom prst="rect">
+            <a:avLst/>
+          </a:prstGeom>
+          <a:noFill/>
+        </p:spPr>
+        <p:txBody>
+          <a:bodyPr wrap="square" rtlCol="0">
+            <a:spAutoFit/>
+          </a:bodyPr>
+          <a:lstStyle/>
+          <a:p>
+            <a:r>
+              <a:rPr lang="en-US" altLang="zh-CN" sz="2400" dirty="0" smtClean="0"/>
+              <a:t>.h</a:t>
+            </a:r>
+            <a:r>
+              <a:rPr lang="zh-CN" altLang="en-US" sz="2400" dirty="0" smtClean="0"/>
+              <a:t>文件与</a:t>
+            </a:r>
+            <a:r>
+              <a:rPr lang="en-US" altLang="zh-CN" sz="2400" dirty="0" smtClean="0"/>
+              <a:t>.</a:t>
+            </a:r>
+            <a:r>
+              <a:rPr lang="en-US" altLang="zh-CN" sz="2400" dirty="0" err="1" smtClean="0"/>
+              <a:t>cpp</a:t>
+            </a:r>
+            <a:r>
+              <a:rPr lang="zh-CN" altLang="en-US" sz="2400" dirty="0" smtClean="0"/>
+              <a:t>文件分离，程序组织规范化</a:t>
+            </a:r>
+            <a:endParaRPr lang="en-US" altLang="zh-CN" sz="2400" dirty="0" smtClean="0"/>
+          </a:p>
+          <a:p>
+            <a:r>
+              <a:rPr lang="en-US" altLang="zh-CN" sz="2400" dirty="0" smtClean="0"/>
+              <a:t>#</a:t>
+            </a:r>
+            <a:r>
+              <a:rPr lang="en-US" altLang="zh-CN" sz="2400" dirty="0"/>
+              <a:t>include “</a:t>
+            </a:r>
+            <a:r>
+              <a:rPr lang="en-US" altLang="zh-CN" sz="2400" dirty="0" err="1"/>
+              <a:t>stdafx.h</a:t>
+            </a:r>
+            <a:r>
+              <a:rPr lang="en-US" altLang="zh-CN" sz="2400" dirty="0" smtClean="0"/>
+              <a:t>” // </a:t>
+            </a:r>
+            <a:r>
+              <a:rPr lang="zh-CN" altLang="en-US" sz="2400" dirty="0" smtClean="0"/>
+              <a:t>开发环境要求</a:t>
+            </a:r>
+            <a:endParaRPr lang="en-US" altLang="zh-CN" sz="2400" dirty="0" smtClean="0"/>
+          </a:p>
+          <a:p>
+            <a:r>
+              <a:rPr lang="en-US" altLang="zh-CN" sz="2400" dirty="0" smtClean="0"/>
+              <a:t>#include “</a:t>
+            </a:r>
+            <a:r>
+              <a:rPr lang="en-US" altLang="zh-CN" sz="2400" dirty="0" err="1" smtClean="0"/>
+              <a:t>my.h</a:t>
+            </a:r>
+            <a:r>
+              <a:rPr lang="en-US" altLang="zh-CN" sz="2400" dirty="0" smtClean="0"/>
+              <a:t>” // </a:t>
+            </a:r>
+            <a:r>
+              <a:rPr lang="zh-CN" altLang="en-US" sz="2400" dirty="0" smtClean="0"/>
+              <a:t>头文件，常数定义，函数原型说明</a:t>
+            </a:r>
+            <a:endParaRPr lang="en-US" altLang="zh-CN" sz="2400" dirty="0" smtClean="0"/>
+          </a:p>
+        </p:txBody>
+      </p:sp>
+      <p:sp>
+        <p:nvSpPr>
+          <p:cNvPr id="7" name="TextBox 6"/>
+          <p:cNvSpPr txBox="1"/>
+          <p:nvPr/>
+        </p:nvSpPr>
+        <p:spPr>
+          <a:xfrm>
+            <a:off x="3707904" y="2924944"/>
+            <a:ext cx="3168352" cy="1938992"/>
+          </a:xfrm>
+          <a:prstGeom prst="rect">
+            <a:avLst/>
+          </a:prstGeom>
+          <a:noFill/>
+          <a:ln>
+            <a:solidFill>
+              <a:schemeClr val="tx1"/>
+            </a:solidFill>
+          </a:ln>
+        </p:spPr>
+        <p:txBody>
+          <a:bodyPr wrap="square" rtlCol="0">
+            <a:spAutoFit/>
+          </a:bodyPr>
+          <a:lstStyle/>
+          <a:p>
+            <a:r>
+              <a:rPr lang="en-US" altLang="zh-CN" sz="2000" dirty="0" smtClean="0"/>
+              <a:t>my.cpp</a:t>
+            </a:r>
+            <a:r>
+              <a:rPr lang="zh-CN" altLang="en-US" sz="2000" dirty="0" smtClean="0"/>
+              <a:t>文件</a:t>
+            </a:r>
+            <a:r>
+              <a:rPr lang="en-US" altLang="zh-CN" sz="2000" dirty="0" smtClean="0"/>
+              <a:t>, </a:t>
+            </a:r>
+            <a:r>
+              <a:rPr lang="zh-CN" altLang="en-US" sz="2000" dirty="0" smtClean="0"/>
+              <a:t>函数定义</a:t>
+            </a:r>
+            <a:endParaRPr lang="en-US" altLang="zh-CN" sz="2000" dirty="0" smtClean="0"/>
+          </a:p>
+          <a:p>
+            <a:r>
+              <a:rPr lang="en-US" altLang="zh-CN" sz="2000" dirty="0" smtClean="0"/>
+              <a:t>#include </a:t>
+            </a:r>
+            <a:r>
+              <a:rPr lang="zh-CN" altLang="en-US" sz="2000" dirty="0" smtClean="0"/>
+              <a:t>“</a:t>
+            </a:r>
+            <a:r>
+              <a:rPr lang="en-US" altLang="zh-CN" sz="2000" dirty="0" err="1" smtClean="0"/>
+              <a:t>stdafx.h</a:t>
+            </a:r>
+            <a:r>
+              <a:rPr lang="zh-CN" altLang="en-US" sz="2000" dirty="0" smtClean="0"/>
+              <a:t>”</a:t>
+            </a:r>
+            <a:endParaRPr lang="en-US" altLang="zh-CN" sz="2000" dirty="0" smtClean="0"/>
+          </a:p>
+          <a:p>
+            <a:r>
+              <a:rPr lang="en-US" altLang="zh-CN" sz="2000" dirty="0" smtClean="0"/>
+              <a:t>void </a:t>
+            </a:r>
+            <a:r>
+              <a:rPr lang="en-US" altLang="zh-CN" sz="2000" dirty="0"/>
+              <a:t>fun(</a:t>
+            </a:r>
+            <a:r>
+              <a:rPr lang="en-US" altLang="zh-CN" sz="2000" dirty="0" err="1"/>
+              <a:t>int</a:t>
+            </a:r>
+            <a:r>
+              <a:rPr lang="en-US" altLang="zh-CN" sz="2000" dirty="0"/>
+              <a:t> </a:t>
+            </a:r>
+            <a:r>
+              <a:rPr lang="zh-CN" altLang="en-US" sz="2000" dirty="0"/>
+              <a:t>*</a:t>
+            </a:r>
+            <a:r>
+              <a:rPr lang="en-US" altLang="zh-CN" sz="2000" dirty="0"/>
+              <a:t>state)</a:t>
+            </a:r>
+          </a:p>
+          <a:p>
+            <a:r>
+              <a:rPr lang="en-US" altLang="zh-CN" sz="2000" dirty="0"/>
+              <a:t>{</a:t>
+            </a:r>
+          </a:p>
+          <a:p>
+            <a:r>
+              <a:rPr lang="en-US" altLang="zh-CN" sz="2000" dirty="0"/>
+              <a:t>   *state = 10;</a:t>
+            </a:r>
+          </a:p>
+          <a:p>
+            <a:r>
+              <a:rPr lang="en-US" altLang="zh-CN" sz="2000" dirty="0" smtClean="0"/>
+              <a:t>}</a:t>
+            </a:r>
+            <a:endParaRPr lang="en-US" altLang="zh-CN" sz="2000" dirty="0"/>
+          </a:p>
+        </p:txBody>
+      </p:sp>
+      <p:sp>
+        <p:nvSpPr>
+          <p:cNvPr id="8" name="TextBox 7"/>
+          <p:cNvSpPr txBox="1"/>
+          <p:nvPr/>
+        </p:nvSpPr>
+        <p:spPr>
+          <a:xfrm>
+            <a:off x="179512" y="2924944"/>
+            <a:ext cx="3168352" cy="2246769"/>
+          </a:xfrm>
+          <a:prstGeom prst="rect">
+            <a:avLst/>
+          </a:prstGeom>
+          <a:noFill/>
+          <a:ln>
+            <a:solidFill>
+              <a:schemeClr val="tx1"/>
+            </a:solidFill>
+          </a:ln>
+        </p:spPr>
+        <p:txBody>
+          <a:bodyPr wrap="square" rtlCol="0">
+            <a:spAutoFit/>
+          </a:bodyPr>
+          <a:lstStyle/>
+          <a:p>
+            <a:r>
+              <a:rPr lang="en-US" altLang="zh-CN" sz="2000" dirty="0" err="1" smtClean="0"/>
+              <a:t>my.h</a:t>
+            </a:r>
+            <a:r>
+              <a:rPr lang="zh-CN" altLang="en-US" sz="2000" dirty="0" smtClean="0"/>
+              <a:t>文件</a:t>
+            </a:r>
+            <a:endParaRPr lang="en-US" altLang="zh-CN" sz="2000" dirty="0" smtClean="0"/>
+          </a:p>
+          <a:p>
+            <a:r>
+              <a:rPr lang="en-US" altLang="zh-CN" sz="2000" dirty="0" smtClean="0"/>
+              <a:t>// </a:t>
+            </a:r>
+            <a:r>
+              <a:rPr lang="zh-CN" altLang="en-US" sz="2000" dirty="0" smtClean="0"/>
+              <a:t>常数定义</a:t>
+            </a:r>
+            <a:endParaRPr lang="en-US" altLang="zh-CN" sz="2000" dirty="0" smtClean="0"/>
+          </a:p>
+          <a:p>
+            <a:r>
+              <a:rPr lang="en-US" altLang="zh-CN" sz="2000" dirty="0"/>
+              <a:t>#define </a:t>
+            </a:r>
+            <a:r>
+              <a:rPr lang="en-US" altLang="zh-CN" sz="2000" dirty="0" err="1"/>
+              <a:t>DoorClosed</a:t>
+            </a:r>
+            <a:r>
+              <a:rPr lang="en-US" altLang="zh-CN" sz="2000" dirty="0"/>
+              <a:t> '1'</a:t>
+            </a:r>
+          </a:p>
+          <a:p>
+            <a:r>
+              <a:rPr lang="en-US" altLang="zh-CN" sz="2000" dirty="0"/>
+              <a:t>#define </a:t>
+            </a:r>
+            <a:r>
+              <a:rPr lang="en-US" altLang="zh-CN" sz="2000" dirty="0" err="1"/>
+              <a:t>DoorOpening</a:t>
+            </a:r>
+            <a:r>
+              <a:rPr lang="en-US" altLang="zh-CN" sz="2000" dirty="0"/>
+              <a:t> </a:t>
+            </a:r>
+            <a:r>
+              <a:rPr lang="en-US" altLang="zh-CN" sz="2000" dirty="0" smtClean="0"/>
+              <a:t>'2‘</a:t>
+            </a:r>
+          </a:p>
+          <a:p>
+            <a:r>
+              <a:rPr lang="en-US" altLang="zh-CN" sz="2000" dirty="0" smtClean="0"/>
+              <a:t>// </a:t>
+            </a:r>
+            <a:r>
+              <a:rPr lang="zh-CN" altLang="en-US" sz="2000" dirty="0" smtClean="0"/>
+              <a:t>函数原型说明及功能描述</a:t>
+            </a:r>
+            <a:endParaRPr lang="en-US" altLang="zh-CN" sz="2000" dirty="0" smtClean="0"/>
+          </a:p>
+          <a:p>
+            <a:r>
+              <a:rPr lang="en-US" altLang="zh-CN" sz="2000" dirty="0" smtClean="0"/>
+              <a:t>void fun(</a:t>
+            </a:r>
+            <a:r>
+              <a:rPr lang="en-US" altLang="zh-CN" sz="2000" dirty="0" err="1" smtClean="0"/>
+              <a:t>int</a:t>
+            </a:r>
+            <a:r>
+              <a:rPr lang="en-US" altLang="zh-CN" sz="2000" dirty="0" smtClean="0"/>
+              <a:t> *state);</a:t>
+            </a:r>
+            <a:endParaRPr lang="en-US" altLang="zh-CN" sz="2000" dirty="0"/>
+          </a:p>
+        </p:txBody>
+      </p:sp>
+      <p:sp>
+        <p:nvSpPr>
+          <p:cNvPr id="9" name="TextBox 8"/>
+          <p:cNvSpPr txBox="1"/>
+          <p:nvPr/>
+        </p:nvSpPr>
+        <p:spPr>
+          <a:xfrm>
+            <a:off x="3635896" y="5103674"/>
+            <a:ext cx="4032448" cy="1631216"/>
+          </a:xfrm>
+          <a:prstGeom prst="rect">
+            <a:avLst/>
+          </a:prstGeom>
+          <a:noFill/>
+          <a:ln>
+            <a:solidFill>
+              <a:schemeClr val="tx1"/>
+            </a:solidFill>
+          </a:ln>
+        </p:spPr>
+        <p:txBody>
+          <a:bodyPr wrap="square" rtlCol="0">
+            <a:spAutoFit/>
+          </a:bodyPr>
+          <a:lstStyle/>
+          <a:p>
+            <a:r>
+              <a:rPr lang="zh-CN" altLang="en-US" sz="2000" dirty="0" smtClean="0"/>
+              <a:t>其它</a:t>
+            </a:r>
+            <a:r>
+              <a:rPr lang="en-US" altLang="zh-CN" sz="2000" dirty="0" smtClean="0"/>
+              <a:t>.</a:t>
+            </a:r>
+            <a:r>
+              <a:rPr lang="en-US" altLang="zh-CN" sz="2000" dirty="0" err="1" smtClean="0"/>
+              <a:t>cpp</a:t>
+            </a:r>
+            <a:r>
+              <a:rPr lang="zh-CN" altLang="en-US" sz="2000" dirty="0" smtClean="0"/>
+              <a:t>文件</a:t>
+            </a:r>
+            <a:endParaRPr lang="en-US" altLang="zh-CN" sz="2000" dirty="0" smtClean="0"/>
+          </a:p>
+          <a:p>
+            <a:r>
+              <a:rPr lang="en-US" altLang="zh-CN" sz="2000" dirty="0" smtClean="0"/>
+              <a:t>#include </a:t>
+            </a:r>
+            <a:r>
+              <a:rPr lang="zh-CN" altLang="en-US" sz="2000" dirty="0" smtClean="0"/>
+              <a:t>“</a:t>
+            </a:r>
+            <a:r>
+              <a:rPr lang="en-US" altLang="zh-CN" sz="2000" dirty="0" err="1" smtClean="0"/>
+              <a:t>stdafx.h</a:t>
+            </a:r>
+            <a:r>
+              <a:rPr lang="zh-CN" altLang="en-US" sz="2000" dirty="0" smtClean="0"/>
+              <a:t>”</a:t>
+            </a:r>
+            <a:endParaRPr lang="en-US" altLang="zh-CN" sz="2000" dirty="0" smtClean="0"/>
+          </a:p>
+          <a:p>
+            <a:r>
+              <a:rPr lang="en-US" altLang="zh-CN" sz="2000" dirty="0" smtClean="0"/>
+              <a:t>#include “</a:t>
+            </a:r>
+            <a:r>
+              <a:rPr lang="en-US" altLang="zh-CN" sz="2000" dirty="0" err="1" smtClean="0"/>
+              <a:t>my.h</a:t>
+            </a:r>
+            <a:r>
+              <a:rPr lang="en-US" altLang="zh-CN" sz="2000" dirty="0" smtClean="0"/>
+              <a:t>”</a:t>
+            </a:r>
+          </a:p>
+          <a:p>
+            <a:r>
+              <a:rPr lang="en-US" altLang="zh-CN" sz="2000" dirty="0" err="1" smtClean="0"/>
+              <a:t>int</a:t>
+            </a:r>
+            <a:r>
+              <a:rPr lang="en-US" altLang="zh-CN" sz="2000" dirty="0" smtClean="0"/>
+              <a:t> main() {  </a:t>
+            </a:r>
+            <a:r>
+              <a:rPr lang="en-US" altLang="zh-CN" sz="2000" dirty="0" err="1" smtClean="0"/>
+              <a:t>int</a:t>
+            </a:r>
+            <a:r>
+              <a:rPr lang="en-US" altLang="zh-CN" sz="2000" dirty="0" smtClean="0"/>
+              <a:t> state;   fun(&amp;state);  }</a:t>
+            </a:r>
+            <a:endParaRPr lang="en-US" altLang="zh-CN" sz="2000" dirty="0"/>
+          </a:p>
+        </p:txBody>
+      </p:sp>
+    </p:spTree>
+    <p:extLst>
+      <p:ext uri="{BB962C8B-B14F-4D97-AF65-F5344CB8AC3E}">
+        <p14:creationId xmlns:p14="http://schemas.microsoft.com/office/powerpoint/2010/main" val="930504468"/>
+      </p:ext>
+    </p:extLst>
+  </p:cSld>
+  <p:clrMapOvr>
+    <a:masterClrMapping/>
+  </p:clrMapOvr>
+  <p:transition>
+    <p:random/>
+  </p:transition>
+  <p:timing>
+    <p:tnLst>
+      <p:par>
+        <p:cTn id="1" dur="indefinite" restart="never" nodeType="tmRoot"/>
+      </p:par>
+    </p:tnLst>
+  </p:timing>
+</p:sld>
+</file>
+
+<file path=ppt/slides/slide2.xml><?xml version="1.0" encoding="utf-8"?>
+<p:sld xmlns:a="http://schemas.openxmlformats.org/drawingml/2006/main" xmlns:r="http://schemas.openxmlformats.org/officeDocument/2006/relationships" xmlns:p="http://schemas.openxmlformats.org/presentationml/2006/main">
+  <p:cSld>
+    <p:spTree>
+      <p:nvGrpSpPr>
+        <p:cNvPr id="1" name=""/>
+        <p:cNvGrpSpPr/>
+        <p:nvPr/>
+      </p:nvGrpSpPr>
+      <p:grpSpPr>
+        <a:xfrm>
+          <a:off x="0" y="0"/>
+          <a:ext cx="0" cy="0"/>
+          <a:chOff x="0" y="0"/>
+          <a:chExt cx="0" cy="0"/>
+        </a:xfrm>
+      </p:grpSpPr>
+      <p:sp>
+        <p:nvSpPr>
+          <p:cNvPr id="2" name="标题 1"/>
+          <p:cNvSpPr>
+            <a:spLocks noGrp="1"/>
+          </p:cNvSpPr>
+          <p:nvPr>
+            <p:ph type="title"/>
+          </p:nvPr>
+        </p:nvSpPr>
+        <p:spPr>
+          <a:xfrm>
+            <a:off x="512365" y="-315416"/>
+            <a:ext cx="8612188" cy="998538"/>
+          </a:xfrm>
+        </p:spPr>
+        <p:txBody>
+          <a:bodyPr/>
+          <a:lstStyle/>
+          <a:p>
+            <a:r>
+              <a:rPr lang="en-US" altLang="zh-CN" sz="2800" dirty="0" smtClean="0">
+                <a:solidFill>
+                  <a:schemeClr val="bg1"/>
+                </a:solidFill>
+              </a:rPr>
+              <a:t>Visual Studio 2013 (Community)</a:t>
+            </a:r>
+            <a:endParaRPr lang="zh-CN" altLang="en-US" sz="2800" dirty="0">
+              <a:solidFill>
+                <a:schemeClr val="bg1"/>
+              </a:solidFill>
+            </a:endParaRPr>
+          </a:p>
+        </p:txBody>
+      </p:sp>
+      <p:pic>
+        <p:nvPicPr>
+          <p:cNvPr id="9218" name="Picture 2"/>
+          <p:cNvPicPr>
+            <a:picLocks noChangeAspect="1" noChangeArrowheads="1"/>
+          </p:cNvPicPr>
+          <p:nvPr/>
+        </p:nvPicPr>
+        <p:blipFill>
+          <a:blip r:embed="rId2">
+            <a:extLst>
+              <a:ext uri="{28A0092B-C50C-407E-A947-70E740481C1C}">
+                <a14:useLocalDpi xmlns:a14="http://schemas.microsoft.com/office/drawing/2010/main" val="0"/>
+              </a:ext>
+            </a:extLst>
+          </a:blip>
+          <a:srcRect/>
+          <a:stretch>
+            <a:fillRect/>
+          </a:stretch>
+        </p:blipFill>
+        <p:spPr bwMode="auto">
+          <a:xfrm>
+            <a:off x="107504" y="517223"/>
+            <a:ext cx="8928992" cy="6008121"/>
+          </a:xfrm>
+          <a:prstGeom prst="rect">
+            <a:avLst/>
+          </a:prstGeom>
+          <a:noFill/>
+          <a:ln>
+            <a:noFill/>
+          </a:ln>
+          <a:effectLst/>
+          <a:extLst>
+            <a:ext uri="{909E8E84-426E-40DD-AFC4-6F175D3DCCD1}">
+              <a14:hiddenFill xmlns:a14="http://schemas.microsoft.com/office/drawing/2010/main">
+                <a:solidFill>
+                  <a:schemeClr val="accent1"/>
+                </a:solidFill>
+              </a14:hiddenFill>
+            </a:ext>
+            <a:ext uri="{91240B29-F687-4F45-9708-019B960494DF}">
+              <a14:hiddenLine xmlns:a14="http://schemas.microsoft.com/office/drawing/2010/main" w="9525">
+                <a:solidFill>
+                  <a:schemeClr val="tx1"/>
+                </a:solidFill>
+                <a:miter lim="800000"/>
+                <a:headEnd/>
+                <a:tailEnd/>
+              </a14:hiddenLine>
+            </a:ext>
+            <a:ext uri="{AF507438-7753-43E0-B8FC-AC1667EBCBE1}">
+              <a14:hiddenEffects xmlns:a14="http://schemas.microsoft.com/office/drawing/2010/main">
+                <a:effectLst>
+                  <a:outerShdw dist="35921" dir="2700000" algn="ctr" rotWithShape="0">
+                    <a:schemeClr val="bg2"/>
+                  </a:outerShdw>
+                </a:effectLst>
+              </a14:hiddenEffects>
+            </a:ext>
+          </a:extLst>
+        </p:spPr>
+      </p:pic>
+      <p:sp>
+        <p:nvSpPr>
+          <p:cNvPr id="3" name="灯片编号占位符 2"/>
+          <p:cNvSpPr>
+            <a:spLocks noGrp="1"/>
+          </p:cNvSpPr>
+          <p:nvPr>
+            <p:ph type="sldNum" sz="quarter" idx="11"/>
+          </p:nvPr>
+        </p:nvSpPr>
+        <p:spPr/>
+        <p:txBody>
+          <a:bodyPr/>
+          <a:lstStyle/>
+          <a:p>
+            <a:fld id="{C76E37F9-B586-484A-A7DE-14715ACABBC7}" type="slidenum">
+              <a:rPr lang="zh-CN" altLang="en-US" smtClean="0"/>
+              <a:t>2</a:t>
+            </a:fld>
+            <a:endParaRPr lang="zh-CN" altLang="en-US"/>
+          </a:p>
+        </p:txBody>
+      </p:sp>
+      <p:sp>
+        <p:nvSpPr>
+          <p:cNvPr id="4" name="页脚占位符 3"/>
+          <p:cNvSpPr>
+            <a:spLocks noGrp="1"/>
+          </p:cNvSpPr>
+          <p:nvPr>
+            <p:ph type="ftr" sz="quarter" idx="10"/>
+          </p:nvPr>
+        </p:nvSpPr>
+        <p:spPr/>
+        <p:txBody>
+          <a:bodyPr/>
+          <a:lstStyle/>
+          <a:p>
+            <a:r>
+              <a:rPr lang="en-US" altLang="zh-CN" smtClean="0"/>
+              <a:t>C</a:t>
+            </a:r>
+            <a:r>
+              <a:rPr lang="zh-CN" altLang="en-US" smtClean="0"/>
+              <a:t>语言课程设计</a:t>
+            </a:r>
+            <a:endParaRPr lang="zh-CN" altLang="en-US"/>
+          </a:p>
+        </p:txBody>
+      </p:sp>
+      <p:sp>
+        <p:nvSpPr>
+          <p:cNvPr id="5" name="日期占位符 4"/>
+          <p:cNvSpPr>
+            <a:spLocks noGrp="1"/>
+          </p:cNvSpPr>
+          <p:nvPr>
+            <p:ph type="dt" sz="half" idx="12"/>
+          </p:nvPr>
+        </p:nvSpPr>
+        <p:spPr/>
+        <p:txBody>
+          <a:bodyPr/>
+          <a:lstStyle/>
+          <a:p>
+            <a:fld id="{27B67446-34F8-4747-A347-013A8B8DA8E4}" type="datetime10">
+              <a:rPr lang="zh-CN" altLang="en-US" smtClean="0"/>
+              <a:t>17:10</a:t>
+            </a:fld>
+            <a:endParaRPr lang="zh-CN" altLang="en-US"/>
+          </a:p>
+        </p:txBody>
+      </p:sp>
+    </p:spTree>
+    <p:extLst>
+      <p:ext uri="{BB962C8B-B14F-4D97-AF65-F5344CB8AC3E}">
+        <p14:creationId xmlns:p14="http://schemas.microsoft.com/office/powerpoint/2010/main" val="81398567"/>
+      </p:ext>
+    </p:extLst>
+  </p:cSld>
+  <p:clrMapOvr>
+    <a:masterClrMapping/>
+  </p:clrMapOvr>
+  <mc:AlternateContent xmlns:mc="http://schemas.openxmlformats.org/markup-compatibility/2006" xmlns:p14="http://schemas.microsoft.com/office/powerpoint/2010/main">
+    <mc:Choice Requires="p14">
+      <p:transition spd="slow" p14:dur="1500">
+        <p:split orient="vert"/>
+      </p:transition>
+    </mc:Choice>
+    <mc:Fallback xmlns="">
+      <p:transition spd="slow">
+        <p:split orient="vert"/>
+      </p:transition>
+    </mc:Fallback>
+  </mc:AlternateContent>
+  <p:timing>
+    <p:tnLst>
+      <p:par>
+        <p:cTn id="1" dur="indefinite" restart="never" nodeType="tmRoot"/>
+      </p:par>
+    </p:tnLst>
+  </p:timing>
+</p:sld>
+</file>
+
+<file path=ppt/slides/slide3.xml><?xml version="1.0" encoding="utf-8"?>
+<p:sld xmlns:a="http://schemas.openxmlformats.org/drawingml/2006/main" xmlns:r="http://schemas.openxmlformats.org/officeDocument/2006/relationships" xmlns:p="http://schemas.openxmlformats.org/presentationml/2006/main">
+  <p:cSld>
+    <p:spTree>
+      <p:nvGrpSpPr>
+        <p:cNvPr id="1" name=""/>
+        <p:cNvGrpSpPr/>
+        <p:nvPr/>
+      </p:nvGrpSpPr>
+      <p:grpSpPr>
+        <a:xfrm>
+          <a:off x="0" y="0"/>
+          <a:ext cx="0" cy="0"/>
+          <a:chOff x="0" y="0"/>
+          <a:chExt cx="0" cy="0"/>
+        </a:xfrm>
+      </p:grpSpPr>
+      <p:sp>
+        <p:nvSpPr>
+          <p:cNvPr id="2" name="标题 1"/>
+          <p:cNvSpPr>
+            <a:spLocks noGrp="1"/>
+          </p:cNvSpPr>
+          <p:nvPr>
+            <p:ph type="title"/>
+          </p:nvPr>
+        </p:nvSpPr>
+        <p:spPr/>
+        <p:txBody>
+          <a:bodyPr/>
+          <a:lstStyle/>
+          <a:p>
+            <a:r>
+              <a:rPr lang="en-US" altLang="zh-CN" dirty="0" smtClean="0"/>
+              <a:t>Visual Studio</a:t>
+            </a:r>
+            <a:r>
+              <a:rPr lang="zh-CN" altLang="en-US" dirty="0" smtClean="0"/>
+              <a:t>典型程序类型</a:t>
+            </a:r>
+            <a:endParaRPr lang="zh-CN" altLang="en-US" dirty="0"/>
+          </a:p>
+        </p:txBody>
+      </p:sp>
+      <p:sp>
+        <p:nvSpPr>
+          <p:cNvPr id="3" name="页脚占位符 2"/>
+          <p:cNvSpPr>
+            <a:spLocks noGrp="1"/>
+          </p:cNvSpPr>
+          <p:nvPr>
+            <p:ph type="ftr" sz="quarter" idx="10"/>
+          </p:nvPr>
+        </p:nvSpPr>
+        <p:spPr/>
+        <p:txBody>
+          <a:bodyPr/>
+          <a:lstStyle/>
+          <a:p>
+            <a:pPr algn="l"/>
+            <a:r>
+              <a:rPr lang="en-US" altLang="zh-CN" smtClean="0"/>
+              <a:t>C</a:t>
+            </a:r>
+            <a:r>
+              <a:rPr lang="zh-CN" altLang="en-US" smtClean="0"/>
+              <a:t>语言课程设计</a:t>
+            </a:r>
+            <a:endParaRPr lang="zh-CN" altLang="en-US" dirty="0"/>
+          </a:p>
+        </p:txBody>
+      </p:sp>
+      <p:sp>
+        <p:nvSpPr>
+          <p:cNvPr id="4" name="灯片编号占位符 3"/>
+          <p:cNvSpPr>
+            <a:spLocks noGrp="1"/>
+          </p:cNvSpPr>
+          <p:nvPr>
+            <p:ph type="sldNum" sz="quarter" idx="11"/>
+          </p:nvPr>
+        </p:nvSpPr>
+        <p:spPr/>
+        <p:txBody>
+          <a:bodyPr/>
+          <a:lstStyle/>
+          <a:p>
+            <a:fld id="{C76E37F9-B586-484A-A7DE-14715ACABBC7}" type="slidenum">
+              <a:rPr lang="zh-CN" altLang="en-US" smtClean="0"/>
+              <a:t>3</a:t>
+            </a:fld>
+            <a:endParaRPr lang="zh-CN" altLang="en-US"/>
+          </a:p>
+        </p:txBody>
+      </p:sp>
+      <p:sp>
+        <p:nvSpPr>
+          <p:cNvPr id="5" name="日期占位符 4"/>
+          <p:cNvSpPr>
+            <a:spLocks noGrp="1"/>
+          </p:cNvSpPr>
+          <p:nvPr>
+            <p:ph type="dt" sz="half" idx="12"/>
+          </p:nvPr>
+        </p:nvSpPr>
+        <p:spPr/>
+        <p:txBody>
+          <a:bodyPr/>
+          <a:lstStyle/>
+          <a:p>
+            <a:fld id="{027287E7-C195-4956-AB5F-C5E4FB6E648D}" type="datetime10">
+              <a:rPr lang="zh-CN" altLang="en-US" smtClean="0"/>
+              <a:t>17:11</a:t>
+            </a:fld>
+            <a:endParaRPr lang="zh-CN" altLang="en-US"/>
+          </a:p>
+        </p:txBody>
+      </p:sp>
+      <p:sp>
+        <p:nvSpPr>
+          <p:cNvPr id="6" name="TextBox 5"/>
+          <p:cNvSpPr txBox="1"/>
+          <p:nvPr/>
+        </p:nvSpPr>
+        <p:spPr>
+          <a:xfrm>
+            <a:off x="1043608" y="1916832"/>
+            <a:ext cx="7416824" cy="2308324"/>
+          </a:xfrm>
+          <a:prstGeom prst="rect">
+            <a:avLst/>
+          </a:prstGeom>
+          <a:noFill/>
+        </p:spPr>
+        <p:txBody>
+          <a:bodyPr wrap="square" rtlCol="0">
+            <a:spAutoFit/>
+          </a:bodyPr>
+          <a:lstStyle/>
+          <a:p>
+            <a:pPr marL="342900" indent="-342900">
+              <a:lnSpc>
+                <a:spcPct val="150000"/>
+              </a:lnSpc>
+              <a:buFont typeface="Wingdings" pitchFamily="2" charset="2"/>
+              <a:buChar char="Ø"/>
+            </a:pPr>
+            <a:r>
+              <a:rPr lang="en-US" altLang="zh-CN" sz="2400" dirty="0" smtClean="0"/>
+              <a:t>Win32 Console Application</a:t>
+            </a:r>
+          </a:p>
+          <a:p>
+            <a:pPr marL="800100" lvl="1" indent="-342900">
+              <a:lnSpc>
+                <a:spcPct val="150000"/>
+              </a:lnSpc>
+              <a:buFont typeface="Arial" pitchFamily="34" charset="0"/>
+              <a:buChar char="•"/>
+            </a:pPr>
+            <a:r>
+              <a:rPr lang="zh-CN" altLang="en-US" sz="2400" dirty="0"/>
+              <a:t>控制台应用程序（非窗口化</a:t>
+            </a:r>
+            <a:r>
+              <a:rPr lang="zh-CN" altLang="en-US" sz="2400" dirty="0" smtClean="0"/>
+              <a:t>应用程序）</a:t>
+            </a:r>
+            <a:endParaRPr lang="en-US" altLang="zh-CN" sz="2400" dirty="0" smtClean="0"/>
+          </a:p>
+          <a:p>
+            <a:pPr marL="342900" indent="-342900">
+              <a:lnSpc>
+                <a:spcPct val="150000"/>
+              </a:lnSpc>
+              <a:buFont typeface="Wingdings" pitchFamily="2" charset="2"/>
+              <a:buChar char="Ø"/>
+            </a:pPr>
+            <a:r>
+              <a:rPr lang="en-US" altLang="zh-CN" sz="2400" dirty="0" smtClean="0"/>
+              <a:t>MFC Application</a:t>
+            </a:r>
+          </a:p>
+          <a:p>
+            <a:pPr marL="800100" lvl="1" indent="-342900">
+              <a:lnSpc>
+                <a:spcPct val="150000"/>
+              </a:lnSpc>
+              <a:buFont typeface="Arial" pitchFamily="34" charset="0"/>
+              <a:buChar char="•"/>
+            </a:pPr>
+            <a:r>
+              <a:rPr lang="zh-CN" altLang="en-US" sz="2400" dirty="0" smtClean="0"/>
+              <a:t>窗口</a:t>
+            </a:r>
+            <a:r>
+              <a:rPr lang="zh-CN" altLang="en-US" sz="2400" dirty="0"/>
+              <a:t>化</a:t>
+            </a:r>
+            <a:r>
+              <a:rPr lang="zh-CN" altLang="en-US" sz="2400" dirty="0" smtClean="0"/>
+              <a:t>应用程序</a:t>
+            </a:r>
+            <a:endParaRPr lang="zh-CN" altLang="en-US" sz="2400" dirty="0"/>
+          </a:p>
+        </p:txBody>
+      </p:sp>
+    </p:spTree>
+    <p:extLst>
+      <p:ext uri="{BB962C8B-B14F-4D97-AF65-F5344CB8AC3E}">
+        <p14:creationId xmlns:p14="http://schemas.microsoft.com/office/powerpoint/2010/main" val="2589489017"/>
+      </p:ext>
+    </p:extLst>
+  </p:cSld>
+  <p:clrMapOvr>
+    <a:masterClrMapping/>
+  </p:clrMapOvr>
+  <p:transition>
+    <p:random/>
+  </p:transition>
+</p:sld>
+</file>
+
+<file path=ppt/slides/slide4.xml><?xml version="1.0" encoding="utf-8"?>
+<p:sld xmlns:a="http://schemas.openxmlformats.org/drawingml/2006/main" xmlns:r="http://schemas.openxmlformats.org/officeDocument/2006/relationships" xmlns:p="http://schemas.openxmlformats.org/presentationml/2006/main">
+  <p:cSld>
+    <p:spTree>
+      <p:nvGrpSpPr>
+        <p:cNvPr id="1" name=""/>
+        <p:cNvGrpSpPr/>
+        <p:nvPr/>
+      </p:nvGrpSpPr>
+      <p:grpSpPr>
+        <a:xfrm>
+          <a:off x="0" y="0"/>
+          <a:ext cx="0" cy="0"/>
+          <a:chOff x="0" y="0"/>
+          <a:chExt cx="0" cy="0"/>
+        </a:xfrm>
+      </p:grpSpPr>
+      <p:sp>
+        <p:nvSpPr>
+          <p:cNvPr id="2" name="标题 1"/>
+          <p:cNvSpPr>
+            <a:spLocks noGrp="1"/>
+          </p:cNvSpPr>
+          <p:nvPr>
+            <p:ph type="title"/>
+          </p:nvPr>
+        </p:nvSpPr>
+        <p:spPr/>
+        <p:txBody>
+          <a:bodyPr/>
+          <a:lstStyle/>
+          <a:p>
+            <a:r>
+              <a:rPr lang="en-US" altLang="zh-CN" dirty="0" smtClean="0"/>
+              <a:t>Visual Studio</a:t>
+            </a:r>
+            <a:r>
+              <a:rPr lang="zh-CN" altLang="en-US" dirty="0" smtClean="0"/>
+              <a:t>程序的组织</a:t>
+            </a:r>
+            <a:endParaRPr lang="zh-CN" altLang="en-US" dirty="0"/>
+          </a:p>
+        </p:txBody>
+      </p:sp>
+      <p:sp>
+        <p:nvSpPr>
+          <p:cNvPr id="3" name="页脚占位符 2"/>
+          <p:cNvSpPr>
+            <a:spLocks noGrp="1"/>
+          </p:cNvSpPr>
+          <p:nvPr>
+            <p:ph type="ftr" sz="quarter" idx="10"/>
+          </p:nvPr>
+        </p:nvSpPr>
+        <p:spPr/>
+        <p:txBody>
+          <a:bodyPr/>
+          <a:lstStyle/>
+          <a:p>
+            <a:pPr algn="l"/>
+            <a:r>
+              <a:rPr lang="en-US" altLang="zh-CN" smtClean="0"/>
+              <a:t>C</a:t>
+            </a:r>
+            <a:r>
+              <a:rPr lang="zh-CN" altLang="en-US" smtClean="0"/>
+              <a:t>语言课程设计</a:t>
+            </a:r>
+            <a:endParaRPr lang="zh-CN" altLang="en-US" dirty="0"/>
+          </a:p>
+        </p:txBody>
+      </p:sp>
+      <p:sp>
+        <p:nvSpPr>
+          <p:cNvPr id="4" name="灯片编号占位符 3"/>
+          <p:cNvSpPr>
+            <a:spLocks noGrp="1"/>
+          </p:cNvSpPr>
+          <p:nvPr>
+            <p:ph type="sldNum" sz="quarter" idx="11"/>
+          </p:nvPr>
+        </p:nvSpPr>
+        <p:spPr/>
+        <p:txBody>
+          <a:bodyPr/>
+          <a:lstStyle/>
+          <a:p>
+            <a:fld id="{C76E37F9-B586-484A-A7DE-14715ACABBC7}" type="slidenum">
+              <a:rPr lang="zh-CN" altLang="en-US" smtClean="0"/>
+              <a:t>4</a:t>
+            </a:fld>
+            <a:endParaRPr lang="zh-CN" altLang="en-US"/>
+          </a:p>
+        </p:txBody>
+      </p:sp>
+      <p:sp>
+        <p:nvSpPr>
+          <p:cNvPr id="5" name="日期占位符 4"/>
+          <p:cNvSpPr>
+            <a:spLocks noGrp="1"/>
+          </p:cNvSpPr>
+          <p:nvPr>
+            <p:ph type="dt" sz="half" idx="12"/>
+          </p:nvPr>
+        </p:nvSpPr>
+        <p:spPr/>
+        <p:txBody>
+          <a:bodyPr/>
+          <a:lstStyle/>
+          <a:p>
+            <a:fld id="{027287E7-C195-4956-AB5F-C5E4FB6E648D}" type="datetime10">
+              <a:rPr lang="zh-CN" altLang="en-US" smtClean="0"/>
+              <a:t>17:10</a:t>
+            </a:fld>
+            <a:endParaRPr lang="zh-CN" altLang="en-US"/>
+          </a:p>
+        </p:txBody>
+      </p:sp>
+      <p:sp>
+        <p:nvSpPr>
+          <p:cNvPr id="6" name="TextBox 5"/>
+          <p:cNvSpPr txBox="1"/>
+          <p:nvPr/>
+        </p:nvSpPr>
+        <p:spPr>
+          <a:xfrm>
+            <a:off x="179512" y="2060848"/>
+            <a:ext cx="7416824" cy="2308324"/>
+          </a:xfrm>
+          <a:prstGeom prst="rect">
+            <a:avLst/>
+          </a:prstGeom>
+          <a:noFill/>
+        </p:spPr>
+        <p:txBody>
+          <a:bodyPr wrap="square" rtlCol="0">
+            <a:spAutoFit/>
+          </a:bodyPr>
+          <a:lstStyle/>
+          <a:p>
+            <a:pPr marL="342900" indent="-342900">
+              <a:lnSpc>
+                <a:spcPct val="150000"/>
+              </a:lnSpc>
+              <a:buFont typeface="Wingdings" pitchFamily="2" charset="2"/>
+              <a:buChar char="Ø"/>
+            </a:pPr>
+            <a:r>
+              <a:rPr lang="en-US" altLang="zh-CN" sz="2400" dirty="0" smtClean="0"/>
+              <a:t>Solution</a:t>
+            </a:r>
+          </a:p>
+          <a:p>
+            <a:pPr marL="800100" lvl="1" indent="-342900">
+              <a:lnSpc>
+                <a:spcPct val="150000"/>
+              </a:lnSpc>
+              <a:buFont typeface="Wingdings" pitchFamily="2" charset="2"/>
+              <a:buChar char="Ø"/>
+            </a:pPr>
+            <a:r>
+              <a:rPr lang="en-US" altLang="zh-CN" sz="2400" dirty="0" smtClean="0"/>
+              <a:t>Project</a:t>
+            </a:r>
+          </a:p>
+          <a:p>
+            <a:pPr marL="1257300" lvl="2" indent="-342900">
+              <a:lnSpc>
+                <a:spcPct val="150000"/>
+              </a:lnSpc>
+              <a:buFont typeface="Arial" pitchFamily="34" charset="0"/>
+              <a:buChar char="•"/>
+            </a:pPr>
+            <a:r>
+              <a:rPr lang="en-US" altLang="zh-CN" sz="2400" dirty="0" smtClean="0"/>
+              <a:t>Win32 Console Application</a:t>
+            </a:r>
+          </a:p>
+          <a:p>
+            <a:pPr marL="1257300" lvl="2" indent="-342900">
+              <a:lnSpc>
+                <a:spcPct val="150000"/>
+              </a:lnSpc>
+              <a:buFont typeface="Arial" pitchFamily="34" charset="0"/>
+              <a:buChar char="•"/>
+            </a:pPr>
+            <a:r>
+              <a:rPr lang="en-US" altLang="zh-CN" sz="2400" dirty="0" smtClean="0"/>
+              <a:t>MFC Application</a:t>
+            </a:r>
+          </a:p>
+        </p:txBody>
+      </p:sp>
+      <p:sp>
+        <p:nvSpPr>
+          <p:cNvPr id="7" name="TextBox 6"/>
+          <p:cNvSpPr txBox="1"/>
+          <p:nvPr/>
+        </p:nvSpPr>
+        <p:spPr>
+          <a:xfrm>
+            <a:off x="539552" y="4869160"/>
+            <a:ext cx="6552728" cy="1200329"/>
+          </a:xfrm>
+          <a:prstGeom prst="rect">
+            <a:avLst/>
+          </a:prstGeom>
+          <a:noFill/>
+        </p:spPr>
+        <p:txBody>
+          <a:bodyPr wrap="square" rtlCol="0">
+            <a:spAutoFit/>
+          </a:bodyPr>
+          <a:lstStyle/>
+          <a:p>
+            <a:pPr>
+              <a:lnSpc>
+                <a:spcPct val="150000"/>
+              </a:lnSpc>
+            </a:pPr>
+            <a:r>
+              <a:rPr lang="zh-CN" altLang="en-US" sz="2400" b="1" dirty="0" smtClean="0"/>
+              <a:t>顶级组织：解决方案</a:t>
+            </a:r>
+            <a:r>
+              <a:rPr lang="en-US" altLang="zh-CN" sz="2400" b="1" dirty="0" smtClean="0"/>
+              <a:t>(Solution)</a:t>
+            </a:r>
+            <a:endParaRPr lang="en-US" altLang="zh-CN" sz="2400" b="1" dirty="0"/>
+          </a:p>
+          <a:p>
+            <a:pPr>
+              <a:lnSpc>
+                <a:spcPct val="150000"/>
+              </a:lnSpc>
+            </a:pPr>
+            <a:r>
+              <a:rPr lang="zh-CN" altLang="en-US" sz="2400" b="1" dirty="0" smtClean="0"/>
+              <a:t>一个解决方案中可以管理多个项目</a:t>
+            </a:r>
+            <a:r>
+              <a:rPr lang="en-US" altLang="zh-CN" sz="2400" b="1" dirty="0" smtClean="0"/>
+              <a:t>(Project)</a:t>
+            </a:r>
+          </a:p>
+        </p:txBody>
+      </p:sp>
+      <p:sp>
+        <p:nvSpPr>
+          <p:cNvPr id="8" name="TextBox 7"/>
+          <p:cNvSpPr txBox="1"/>
+          <p:nvPr/>
+        </p:nvSpPr>
+        <p:spPr>
+          <a:xfrm>
+            <a:off x="5310336" y="2060848"/>
+            <a:ext cx="3563888" cy="3046988"/>
+          </a:xfrm>
+          <a:prstGeom prst="rect">
+            <a:avLst/>
+          </a:prstGeom>
+          <a:solidFill>
+            <a:srgbClr val="FFFF00"/>
+          </a:solidFill>
+        </p:spPr>
+        <p:txBody>
+          <a:bodyPr wrap="square" rtlCol="0">
+            <a:spAutoFit/>
+          </a:bodyPr>
+          <a:lstStyle/>
+          <a:p>
+            <a:r>
+              <a:rPr lang="en-US" altLang="zh-CN" sz="2400" dirty="0" smtClean="0"/>
+              <a:t>File</a:t>
+            </a:r>
+            <a:r>
+              <a:rPr lang="zh-CN" altLang="en-US" sz="2400" dirty="0" smtClean="0"/>
+              <a:t>菜单选择新建项目</a:t>
+            </a:r>
+            <a:endParaRPr lang="en-US" altLang="zh-CN" sz="2400" dirty="0" smtClean="0"/>
+          </a:p>
+          <a:p>
+            <a:r>
+              <a:rPr lang="zh-CN" altLang="en-US" sz="2400" dirty="0" smtClean="0"/>
+              <a:t>选择项目类型</a:t>
+            </a:r>
+            <a:endParaRPr lang="en-US" altLang="zh-CN" sz="2400" dirty="0" smtClean="0"/>
+          </a:p>
+          <a:p>
+            <a:r>
+              <a:rPr lang="en-US" altLang="zh-CN" sz="2400" dirty="0" smtClean="0"/>
+              <a:t>Name</a:t>
+            </a:r>
+            <a:r>
+              <a:rPr lang="zh-CN" altLang="en-US" sz="2400" dirty="0" smtClean="0"/>
+              <a:t>：项目名称</a:t>
+            </a:r>
+            <a:endParaRPr lang="en-US" altLang="zh-CN" sz="2400" dirty="0" smtClean="0"/>
+          </a:p>
+          <a:p>
+            <a:r>
+              <a:rPr lang="en-US" altLang="zh-CN" sz="2400" dirty="0" smtClean="0"/>
+              <a:t>Location: </a:t>
+            </a:r>
+            <a:r>
+              <a:rPr lang="zh-CN" altLang="en-US" sz="2400" dirty="0" smtClean="0"/>
+              <a:t>存储路径</a:t>
+            </a:r>
+            <a:endParaRPr lang="en-US" altLang="zh-CN" sz="2400" dirty="0" smtClean="0"/>
+          </a:p>
+          <a:p>
+            <a:r>
+              <a:rPr lang="en-US" altLang="zh-CN" sz="2400" dirty="0" smtClean="0"/>
+              <a:t>Solution: </a:t>
+            </a:r>
+            <a:r>
+              <a:rPr lang="zh-CN" altLang="en-US" sz="2400" dirty="0" smtClean="0"/>
+              <a:t>选择新建或添加到已有解决方案</a:t>
+            </a:r>
+            <a:endParaRPr lang="en-US" altLang="zh-CN" sz="2400" dirty="0"/>
+          </a:p>
+          <a:p>
+            <a:r>
+              <a:rPr lang="en-US" altLang="zh-CN" sz="2400" dirty="0" smtClean="0"/>
+              <a:t>Solution </a:t>
+            </a:r>
+            <a:r>
+              <a:rPr lang="en-US" altLang="zh-CN" sz="2400" dirty="0"/>
+              <a:t>name: </a:t>
+            </a:r>
+            <a:r>
+              <a:rPr lang="zh-CN" altLang="en-US" sz="2400" dirty="0" smtClean="0"/>
+              <a:t>解决方案名称</a:t>
+            </a:r>
+            <a:endParaRPr lang="zh-CN" altLang="en-US" sz="2400" dirty="0"/>
+          </a:p>
+        </p:txBody>
+      </p:sp>
+    </p:spTree>
+    <p:extLst>
+      <p:ext uri="{BB962C8B-B14F-4D97-AF65-F5344CB8AC3E}">
+        <p14:creationId xmlns:p14="http://schemas.microsoft.com/office/powerpoint/2010/main" val="2643245021"/>
+      </p:ext>
+    </p:extLst>
+  </p:cSld>
+  <p:clrMapOvr>
+    <a:masterClrMapping/>
+  </p:clrMapOvr>
+  <p:transition>
+    <p:random/>
+  </p:transition>
+</p:sld>
+</file>
+
+<file path=ppt/slides/slide5.xml><?xml version="1.0" encoding="utf-8"?>
+<p:sld xmlns:a="http://schemas.openxmlformats.org/drawingml/2006/main" xmlns:r="http://schemas.openxmlformats.org/officeDocument/2006/relationships" xmlns:p="http://schemas.openxmlformats.org/presentationml/2006/main">
+  <p:cSld>
+    <p:spTree>
+      <p:nvGrpSpPr>
+        <p:cNvPr id="1" name=""/>
+        <p:cNvGrpSpPr/>
+        <p:nvPr/>
+      </p:nvGrpSpPr>
+      <p:grpSpPr>
+        <a:xfrm>
+          <a:off x="0" y="0"/>
+          <a:ext cx="0" cy="0"/>
+          <a:chOff x="0" y="0"/>
+          <a:chExt cx="0" cy="0"/>
+        </a:xfrm>
+      </p:grpSpPr>
+      <p:sp>
+        <p:nvSpPr>
+          <p:cNvPr id="2" name="标题 1"/>
+          <p:cNvSpPr>
+            <a:spLocks noGrp="1"/>
+          </p:cNvSpPr>
+          <p:nvPr>
+            <p:ph type="title"/>
+          </p:nvPr>
+        </p:nvSpPr>
+        <p:spPr>
+          <a:xfrm>
+            <a:off x="0" y="620688"/>
+            <a:ext cx="8612188" cy="998538"/>
+          </a:xfrm>
+        </p:spPr>
+        <p:txBody>
+          <a:bodyPr/>
+          <a:lstStyle/>
+          <a:p>
+            <a:r>
+              <a:rPr lang="zh-CN" altLang="en-US" dirty="0" smtClean="0"/>
+              <a:t>控制台应用程序</a:t>
+            </a:r>
+            <a:r>
+              <a:rPr lang="en-US" altLang="zh-CN" dirty="0" smtClean="0"/>
+              <a:t>(Console Application)</a:t>
+            </a:r>
+            <a:endParaRPr lang="zh-CN" altLang="en-US" dirty="0"/>
+          </a:p>
+        </p:txBody>
+      </p:sp>
+      <p:sp>
+        <p:nvSpPr>
+          <p:cNvPr id="3" name="页脚占位符 2"/>
+          <p:cNvSpPr>
+            <a:spLocks noGrp="1"/>
+          </p:cNvSpPr>
+          <p:nvPr>
+            <p:ph type="ftr" sz="quarter" idx="10"/>
+          </p:nvPr>
+        </p:nvSpPr>
+        <p:spPr/>
+        <p:txBody>
+          <a:bodyPr/>
+          <a:lstStyle/>
+          <a:p>
+            <a:pPr algn="l"/>
+            <a:r>
+              <a:rPr lang="en-US" altLang="zh-CN" smtClean="0"/>
+              <a:t>C</a:t>
+            </a:r>
+            <a:r>
+              <a:rPr lang="zh-CN" altLang="en-US" smtClean="0"/>
+              <a:t>语言课程设计</a:t>
+            </a:r>
+            <a:endParaRPr lang="zh-CN" altLang="en-US" dirty="0"/>
+          </a:p>
+        </p:txBody>
+      </p:sp>
+      <p:sp>
+        <p:nvSpPr>
+          <p:cNvPr id="4" name="灯片编号占位符 3"/>
+          <p:cNvSpPr>
+            <a:spLocks noGrp="1"/>
+          </p:cNvSpPr>
+          <p:nvPr>
+            <p:ph type="sldNum" sz="quarter" idx="11"/>
+          </p:nvPr>
+        </p:nvSpPr>
+        <p:spPr/>
+        <p:txBody>
+          <a:bodyPr/>
+          <a:lstStyle/>
+          <a:p>
+            <a:fld id="{C76E37F9-B586-484A-A7DE-14715ACABBC7}" type="slidenum">
+              <a:rPr lang="zh-CN" altLang="en-US" smtClean="0"/>
+              <a:t>5</a:t>
+            </a:fld>
+            <a:endParaRPr lang="zh-CN" altLang="en-US"/>
+          </a:p>
+        </p:txBody>
+      </p:sp>
+      <p:sp>
+        <p:nvSpPr>
+          <p:cNvPr id="5" name="日期占位符 4"/>
+          <p:cNvSpPr>
+            <a:spLocks noGrp="1"/>
+          </p:cNvSpPr>
+          <p:nvPr>
+            <p:ph type="dt" sz="half" idx="12"/>
+          </p:nvPr>
+        </p:nvSpPr>
+        <p:spPr/>
+        <p:txBody>
+          <a:bodyPr/>
+          <a:lstStyle/>
+          <a:p>
+            <a:fld id="{027287E7-C195-4956-AB5F-C5E4FB6E648D}" type="datetime10">
+              <a:rPr lang="zh-CN" altLang="en-US" smtClean="0"/>
+              <a:t>17:10</a:t>
+            </a:fld>
+            <a:endParaRPr lang="zh-CN" altLang="en-US"/>
+          </a:p>
+        </p:txBody>
+      </p:sp>
+      <p:pic>
+        <p:nvPicPr>
+          <p:cNvPr id="1026" name="Picture 2"/>
+          <p:cNvPicPr>
+            <a:picLocks noChangeAspect="1" noChangeArrowheads="1"/>
+          </p:cNvPicPr>
+          <p:nvPr/>
+        </p:nvPicPr>
+        <p:blipFill>
+          <a:blip r:embed="rId2">
+            <a:extLst>
+              <a:ext uri="{28A0092B-C50C-407E-A947-70E740481C1C}">
+                <a14:useLocalDpi xmlns:a14="http://schemas.microsoft.com/office/drawing/2010/main" val="0"/>
+              </a:ext>
+            </a:extLst>
+          </a:blip>
+          <a:srcRect/>
+          <a:stretch>
+            <a:fillRect/>
+          </a:stretch>
+        </p:blipFill>
+        <p:spPr bwMode="auto">
+          <a:xfrm>
+            <a:off x="683568" y="1559832"/>
+            <a:ext cx="7776864" cy="4948136"/>
+          </a:xfrm>
+          <a:prstGeom prst="rect">
+            <a:avLst/>
+          </a:prstGeom>
+          <a:noFill/>
+          <a:ln>
+            <a:noFill/>
+          </a:ln>
+          <a:effectLst/>
+          <a:extLst>
+            <a:ext uri="{909E8E84-426E-40DD-AFC4-6F175D3DCCD1}">
+              <a14:hiddenFill xmlns:a14="http://schemas.microsoft.com/office/drawing/2010/main">
+                <a:solidFill>
+                  <a:schemeClr val="accent1"/>
+                </a:solidFill>
+              </a14:hiddenFill>
+            </a:ext>
+            <a:ext uri="{91240B29-F687-4F45-9708-019B960494DF}">
+              <a14:hiddenLine xmlns:a14="http://schemas.microsoft.com/office/drawing/2010/main" w="9525">
+                <a:solidFill>
+                  <a:schemeClr val="tx1"/>
+                </a:solidFill>
+                <a:miter lim="800000"/>
+                <a:headEnd/>
+                <a:tailEnd/>
+              </a14:hiddenLine>
+            </a:ext>
+            <a:ext uri="{AF507438-7753-43E0-B8FC-AC1667EBCBE1}">
+              <a14:hiddenEffects xmlns:a14="http://schemas.microsoft.com/office/drawing/2010/main">
+                <a:effectLst>
+                  <a:outerShdw dist="35921" dir="2700000" algn="ctr" rotWithShape="0">
+                    <a:schemeClr val="bg2"/>
+                  </a:outerShdw>
+                </a:effectLst>
+              </a14:hiddenEffects>
+            </a:ext>
+          </a:extLst>
+        </p:spPr>
+      </p:pic>
+    </p:spTree>
+    <p:extLst>
+      <p:ext uri="{BB962C8B-B14F-4D97-AF65-F5344CB8AC3E}">
+        <p14:creationId xmlns:p14="http://schemas.microsoft.com/office/powerpoint/2010/main" val="3034228836"/>
+      </p:ext>
+    </p:extLst>
+  </p:cSld>
+  <p:clrMapOvr>
+    <a:masterClrMapping/>
+  </p:clrMapOvr>
+  <p:transition>
+    <p:random/>
+  </p:transition>
+</p:sld>
+</file>
+
+<file path=ppt/slides/slide6.xml><?xml version="1.0" encoding="utf-8"?>
+<p:sld xmlns:a="http://schemas.openxmlformats.org/drawingml/2006/main" xmlns:r="http://schemas.openxmlformats.org/officeDocument/2006/relationships" xmlns:p="http://schemas.openxmlformats.org/presentationml/2006/main">
+  <p:cSld>
+    <p:spTree>
+      <p:nvGrpSpPr>
+        <p:cNvPr id="1" name=""/>
+        <p:cNvGrpSpPr/>
+        <p:nvPr/>
+      </p:nvGrpSpPr>
+      <p:grpSpPr>
+        <a:xfrm>
+          <a:off x="0" y="0"/>
+          <a:ext cx="0" cy="0"/>
+          <a:chOff x="0" y="0"/>
+          <a:chExt cx="0" cy="0"/>
+        </a:xfrm>
+      </p:grpSpPr>
+      <p:sp>
+        <p:nvSpPr>
+          <p:cNvPr id="2" name="标题 1"/>
+          <p:cNvSpPr>
+            <a:spLocks noGrp="1"/>
+          </p:cNvSpPr>
+          <p:nvPr>
+            <p:ph type="title"/>
+          </p:nvPr>
+        </p:nvSpPr>
+        <p:spPr>
+          <a:xfrm>
+            <a:off x="352425" y="-243408"/>
+            <a:ext cx="8612188" cy="998538"/>
+          </a:xfrm>
+        </p:spPr>
+        <p:txBody>
+          <a:bodyPr/>
+          <a:lstStyle/>
+          <a:p>
+            <a:r>
+              <a:rPr lang="en-US" altLang="zh-CN" sz="3600" dirty="0" smtClean="0">
+                <a:solidFill>
+                  <a:schemeClr val="bg1"/>
+                </a:solidFill>
+              </a:rPr>
+              <a:t>Microsoft Visual Studio</a:t>
+            </a:r>
+            <a:endParaRPr lang="zh-CN" altLang="en-US" sz="3600" dirty="0">
+              <a:solidFill>
+                <a:schemeClr val="bg1"/>
+              </a:solidFill>
+            </a:endParaRPr>
+          </a:p>
+        </p:txBody>
+      </p:sp>
+      <p:sp>
+        <p:nvSpPr>
+          <p:cNvPr id="3" name="TextBox 2"/>
+          <p:cNvSpPr txBox="1"/>
+          <p:nvPr/>
+        </p:nvSpPr>
+        <p:spPr>
+          <a:xfrm>
+            <a:off x="157126" y="836712"/>
+            <a:ext cx="4228510" cy="4662815"/>
+          </a:xfrm>
+          <a:prstGeom prst="rect">
+            <a:avLst/>
+          </a:prstGeom>
+          <a:noFill/>
+        </p:spPr>
+        <p:txBody>
+          <a:bodyPr wrap="square" rtlCol="0">
+            <a:spAutoFit/>
+          </a:bodyPr>
+          <a:lstStyle/>
+          <a:p>
+            <a:pPr marL="285750" indent="-285750">
+              <a:lnSpc>
+                <a:spcPct val="150000"/>
+              </a:lnSpc>
+              <a:buFont typeface="Wingdings" panose="05000000000000000000" pitchFamily="2" charset="2"/>
+              <a:buChar char="u"/>
+            </a:pPr>
+            <a:r>
+              <a:rPr lang="zh-CN" altLang="en-US" dirty="0"/>
+              <a:t>解决</a:t>
+            </a:r>
+            <a:r>
+              <a:rPr lang="zh-CN" altLang="en-US" dirty="0" smtClean="0"/>
+              <a:t>方案文件：</a:t>
+            </a:r>
+            <a:endParaRPr lang="en-US" altLang="zh-CN" dirty="0" smtClean="0"/>
+          </a:p>
+          <a:p>
+            <a:pPr lvl="1">
+              <a:lnSpc>
+                <a:spcPct val="150000"/>
+              </a:lnSpc>
+            </a:pPr>
+            <a:r>
+              <a:rPr lang="en-US" altLang="zh-CN" dirty="0" smtClean="0"/>
+              <a:t>Garage_mfc.sln</a:t>
+            </a:r>
+            <a:r>
+              <a:rPr lang="zh-CN" altLang="en-US" dirty="0" smtClean="0"/>
+              <a:t>（双击按文件，打开</a:t>
+            </a:r>
+            <a:r>
+              <a:rPr lang="en-US" altLang="zh-CN" dirty="0" smtClean="0"/>
+              <a:t>VS2013</a:t>
+            </a:r>
+            <a:r>
+              <a:rPr lang="zh-CN" altLang="en-US" dirty="0" smtClean="0"/>
+              <a:t>）</a:t>
+            </a:r>
+            <a:endParaRPr lang="en-US" altLang="zh-CN" dirty="0" smtClean="0"/>
+          </a:p>
+          <a:p>
+            <a:pPr marL="285750" indent="-285750">
+              <a:lnSpc>
+                <a:spcPct val="150000"/>
+              </a:lnSpc>
+              <a:buFont typeface="Wingdings" panose="05000000000000000000" pitchFamily="2" charset="2"/>
+              <a:buChar char="u"/>
+            </a:pPr>
+            <a:r>
+              <a:rPr lang="zh-CN" altLang="en-US" dirty="0"/>
+              <a:t>两</a:t>
+            </a:r>
+            <a:r>
+              <a:rPr lang="zh-CN" altLang="en-US" dirty="0" smtClean="0"/>
+              <a:t>个项目</a:t>
+            </a:r>
+            <a:r>
+              <a:rPr lang="en-US" altLang="zh-CN" dirty="0" smtClean="0"/>
+              <a:t>:</a:t>
+            </a:r>
+          </a:p>
+          <a:p>
+            <a:pPr marL="742950" lvl="1" indent="-285750">
+              <a:lnSpc>
+                <a:spcPct val="150000"/>
+              </a:lnSpc>
+              <a:buFont typeface="Wingdings" panose="05000000000000000000" pitchFamily="2" charset="2"/>
+              <a:buChar char="Ø"/>
+            </a:pPr>
+            <a:r>
+              <a:rPr lang="en-US" altLang="zh-CN" dirty="0" err="1" smtClean="0"/>
+              <a:t>Garage_dialog</a:t>
+            </a:r>
+            <a:r>
+              <a:rPr lang="en-US" altLang="zh-CN" dirty="0" smtClean="0"/>
+              <a:t> </a:t>
+            </a:r>
+            <a:r>
+              <a:rPr lang="zh-CN" altLang="en-US" dirty="0" smtClean="0"/>
+              <a:t>车库门</a:t>
+            </a:r>
+            <a:endParaRPr lang="en-US" altLang="zh-CN" dirty="0" smtClean="0"/>
+          </a:p>
+          <a:p>
+            <a:pPr lvl="2">
+              <a:lnSpc>
+                <a:spcPct val="150000"/>
+              </a:lnSpc>
+            </a:pPr>
+            <a:r>
+              <a:rPr lang="en-US" altLang="zh-CN" dirty="0" err="1" smtClean="0"/>
+              <a:t>GarageLib.h</a:t>
+            </a:r>
+            <a:r>
+              <a:rPr lang="en-US" altLang="zh-CN" dirty="0" smtClean="0"/>
+              <a:t> </a:t>
+            </a:r>
+            <a:r>
+              <a:rPr lang="zh-CN" altLang="en-US" dirty="0" smtClean="0"/>
+              <a:t>库函数说明</a:t>
+            </a:r>
+            <a:r>
+              <a:rPr lang="en-US" altLang="zh-CN" dirty="0" smtClean="0"/>
+              <a:t>garage.cpp </a:t>
+            </a:r>
+            <a:r>
+              <a:rPr lang="zh-CN" altLang="en-US" dirty="0" smtClean="0"/>
+              <a:t>状态机代码</a:t>
+            </a:r>
+            <a:endParaRPr lang="en-US" altLang="zh-CN" dirty="0" smtClean="0"/>
+          </a:p>
+          <a:p>
+            <a:pPr marL="742950" lvl="1" indent="-285750">
+              <a:lnSpc>
+                <a:spcPct val="150000"/>
+              </a:lnSpc>
+              <a:buFont typeface="Wingdings" panose="05000000000000000000" pitchFamily="2" charset="2"/>
+              <a:buChar char="Ø"/>
+            </a:pPr>
+            <a:r>
+              <a:rPr lang="en-US" altLang="zh-CN" dirty="0" err="1" smtClean="0"/>
+              <a:t>Elevator_dialog</a:t>
+            </a:r>
+            <a:r>
+              <a:rPr lang="en-US" altLang="zh-CN" dirty="0" smtClean="0"/>
+              <a:t> </a:t>
+            </a:r>
+            <a:r>
+              <a:rPr lang="zh-CN" altLang="en-US" dirty="0" smtClean="0"/>
+              <a:t>电梯</a:t>
+            </a:r>
+            <a:endParaRPr lang="en-US" altLang="zh-CN" dirty="0" smtClean="0"/>
+          </a:p>
+          <a:p>
+            <a:pPr lvl="2">
+              <a:lnSpc>
+                <a:spcPct val="150000"/>
+              </a:lnSpc>
+            </a:pPr>
+            <a:r>
+              <a:rPr lang="en-US" altLang="zh-CN" dirty="0" err="1" smtClean="0"/>
+              <a:t>ElevatorLib.h</a:t>
+            </a:r>
+            <a:r>
+              <a:rPr lang="zh-CN" altLang="en-US" dirty="0" smtClean="0"/>
+              <a:t>库函数说明</a:t>
+            </a:r>
+            <a:endParaRPr lang="en-US" altLang="zh-CN" dirty="0" smtClean="0"/>
+          </a:p>
+          <a:p>
+            <a:pPr lvl="2">
+              <a:lnSpc>
+                <a:spcPct val="150000"/>
+              </a:lnSpc>
+            </a:pPr>
+            <a:r>
+              <a:rPr lang="en-US" altLang="zh-CN" dirty="0" smtClean="0"/>
+              <a:t>elevator.cpp</a:t>
+            </a:r>
+            <a:r>
+              <a:rPr lang="zh-CN" altLang="en-US" dirty="0" smtClean="0"/>
+              <a:t>状态机代码</a:t>
+            </a:r>
+            <a:endParaRPr lang="en-US" altLang="zh-CN" dirty="0" smtClean="0"/>
+          </a:p>
+          <a:p>
+            <a:pPr marL="285750" indent="-285750">
+              <a:lnSpc>
+                <a:spcPct val="150000"/>
+              </a:lnSpc>
+              <a:buFont typeface="Wingdings" panose="05000000000000000000" pitchFamily="2" charset="2"/>
+              <a:buChar char="u"/>
+            </a:pPr>
+            <a:endParaRPr lang="en-US" altLang="zh-CN" dirty="0"/>
+          </a:p>
+        </p:txBody>
+      </p:sp>
+      <p:pic>
+        <p:nvPicPr>
+          <p:cNvPr id="7170" name="Picture 2"/>
+          <p:cNvPicPr>
+            <a:picLocks noChangeAspect="1" noChangeArrowheads="1"/>
+          </p:cNvPicPr>
+          <p:nvPr/>
+        </p:nvPicPr>
+        <p:blipFill>
+          <a:blip r:embed="rId3">
+            <a:extLst>
+              <a:ext uri="{28A0092B-C50C-407E-A947-70E740481C1C}">
+                <a14:useLocalDpi xmlns:a14="http://schemas.microsoft.com/office/drawing/2010/main" val="0"/>
+              </a:ext>
+            </a:extLst>
+          </a:blip>
+          <a:srcRect/>
+          <a:stretch>
+            <a:fillRect/>
+          </a:stretch>
+        </p:blipFill>
+        <p:spPr bwMode="auto">
+          <a:xfrm>
+            <a:off x="5364088" y="546013"/>
+            <a:ext cx="2736304" cy="5979331"/>
+          </a:xfrm>
+          <a:prstGeom prst="rect">
+            <a:avLst/>
+          </a:prstGeom>
+          <a:noFill/>
+          <a:ln>
+            <a:noFill/>
+          </a:ln>
+          <a:effectLst/>
+          <a:extLst>
+            <a:ext uri="{909E8E84-426E-40DD-AFC4-6F175D3DCCD1}">
+              <a14:hiddenFill xmlns:a14="http://schemas.microsoft.com/office/drawing/2010/main">
+                <a:solidFill>
+                  <a:schemeClr val="accent1"/>
+                </a:solidFill>
+              </a14:hiddenFill>
+            </a:ext>
+            <a:ext uri="{91240B29-F687-4F45-9708-019B960494DF}">
+              <a14:hiddenLine xmlns:a14="http://schemas.microsoft.com/office/drawing/2010/main" w="9525">
+                <a:solidFill>
+                  <a:schemeClr val="tx1"/>
+                </a:solidFill>
+                <a:miter lim="800000"/>
+                <a:headEnd/>
+                <a:tailEnd/>
+              </a14:hiddenLine>
+            </a:ext>
+            <a:ext uri="{AF507438-7753-43E0-B8FC-AC1667EBCBE1}">
+              <a14:hiddenEffects xmlns:a14="http://schemas.microsoft.com/office/drawing/2010/main">
+                <a:effectLst>
+                  <a:outerShdw dist="35921" dir="2700000" algn="ctr" rotWithShape="0">
+                    <a:schemeClr val="bg2"/>
+                  </a:outerShdw>
+                </a:effectLst>
+              </a14:hiddenEffects>
+            </a:ext>
+          </a:extLst>
+        </p:spPr>
+      </p:pic>
+      <p:sp>
+        <p:nvSpPr>
+          <p:cNvPr id="4" name="灯片编号占位符 3"/>
+          <p:cNvSpPr>
+            <a:spLocks noGrp="1"/>
+          </p:cNvSpPr>
+          <p:nvPr>
+            <p:ph type="sldNum" sz="quarter" idx="11"/>
+          </p:nvPr>
+        </p:nvSpPr>
+        <p:spPr/>
+        <p:txBody>
+          <a:bodyPr/>
+          <a:lstStyle/>
+          <a:p>
+            <a:fld id="{C76E37F9-B586-484A-A7DE-14715ACABBC7}" type="slidenum">
+              <a:rPr lang="zh-CN" altLang="en-US" smtClean="0"/>
+              <a:t>6</a:t>
+            </a:fld>
+            <a:endParaRPr lang="zh-CN" altLang="en-US"/>
+          </a:p>
+        </p:txBody>
+      </p:sp>
+      <p:sp>
+        <p:nvSpPr>
+          <p:cNvPr id="5" name="页脚占位符 4"/>
+          <p:cNvSpPr>
+            <a:spLocks noGrp="1"/>
+          </p:cNvSpPr>
+          <p:nvPr>
+            <p:ph type="ftr" sz="quarter" idx="10"/>
+          </p:nvPr>
+        </p:nvSpPr>
+        <p:spPr/>
+        <p:txBody>
+          <a:bodyPr/>
+          <a:lstStyle/>
+          <a:p>
+            <a:r>
+              <a:rPr lang="en-US" altLang="zh-CN" smtClean="0"/>
+              <a:t>C</a:t>
+            </a:r>
+            <a:r>
+              <a:rPr lang="zh-CN" altLang="en-US" smtClean="0"/>
+              <a:t>语言课程设计</a:t>
+            </a:r>
+            <a:endParaRPr lang="zh-CN" altLang="en-US"/>
+          </a:p>
+        </p:txBody>
+      </p:sp>
+      <p:sp>
+        <p:nvSpPr>
+          <p:cNvPr id="6" name="日期占位符 5"/>
+          <p:cNvSpPr>
+            <a:spLocks noGrp="1"/>
+          </p:cNvSpPr>
+          <p:nvPr>
+            <p:ph type="dt" sz="half" idx="12"/>
+          </p:nvPr>
+        </p:nvSpPr>
+        <p:spPr/>
+        <p:txBody>
+          <a:bodyPr/>
+          <a:lstStyle/>
+          <a:p>
+            <a:fld id="{8D1F04B0-10ED-43F8-837A-0961035CB7FD}" type="datetime10">
+              <a:rPr lang="zh-CN" altLang="en-US" smtClean="0"/>
+              <a:t>17:10</a:t>
+            </a:fld>
+            <a:endParaRPr lang="zh-CN" altLang="en-US"/>
+          </a:p>
+        </p:txBody>
+      </p:sp>
+    </p:spTree>
+    <p:extLst>
+      <p:ext uri="{BB962C8B-B14F-4D97-AF65-F5344CB8AC3E}">
+        <p14:creationId xmlns:p14="http://schemas.microsoft.com/office/powerpoint/2010/main" val="231546088"/>
+      </p:ext>
+    </p:extLst>
+  </p:cSld>
+  <p:clrMapOvr>
+    <a:masterClrMapping/>
+  </p:clrMapOvr>
+  <mc:AlternateContent xmlns:mc="http://schemas.openxmlformats.org/markup-compatibility/2006" xmlns:p14="http://schemas.microsoft.com/office/powerpoint/2010/main">
+    <mc:Choice Requires="p14">
+      <p:transition spd="slow" p14:dur="1500">
+        <p:split orient="vert"/>
+      </p:transition>
+    </mc:Choice>
+    <mc:Fallback xmlns="">
+      <p:transition spd="slow">
+        <p:split orient="vert"/>
+      </p:transition>
+    </mc:Fallback>
+  </mc:AlternateContent>
+  <p:timing>
+    <p:tnLst>
+      <p:par>
+        <p:cTn id="1" dur="indefinite" restart="never" nodeType="tmRoot"/>
+      </p:par>
+    </p:tnLst>
+  </p:timing>
+</p:sld>
+</file>
+
+<file path=ppt/slides/slide7.xml><?xml version="1.0" encoding="utf-8"?>
+<p:sld xmlns:a="http://schemas.openxmlformats.org/drawingml/2006/main" xmlns:r="http://schemas.openxmlformats.org/officeDocument/2006/relationships" xmlns:p="http://schemas.openxmlformats.org/presentationml/2006/main">
+  <p:cSld>
+    <p:spTree>
+      <p:nvGrpSpPr>
+        <p:cNvPr id="1" name=""/>
+        <p:cNvGrpSpPr/>
+        <p:nvPr/>
+      </p:nvGrpSpPr>
+      <p:grpSpPr>
+        <a:xfrm>
+          <a:off x="0" y="0"/>
+          <a:ext cx="0" cy="0"/>
+          <a:chOff x="0" y="0"/>
+          <a:chExt cx="0" cy="0"/>
+        </a:xfrm>
+      </p:grpSpPr>
+      <p:sp>
+        <p:nvSpPr>
+          <p:cNvPr id="2" name="标题 1"/>
+          <p:cNvSpPr>
+            <a:spLocks noGrp="1"/>
+          </p:cNvSpPr>
+          <p:nvPr>
+            <p:ph type="title"/>
+          </p:nvPr>
+        </p:nvSpPr>
+        <p:spPr>
+          <a:xfrm>
+            <a:off x="352425" y="-243408"/>
+            <a:ext cx="8612188" cy="998538"/>
+          </a:xfrm>
+        </p:spPr>
+        <p:txBody>
+          <a:bodyPr/>
+          <a:lstStyle/>
+          <a:p>
+            <a:r>
+              <a:rPr lang="en-US" altLang="zh-CN" sz="3600" dirty="0" smtClean="0">
+                <a:solidFill>
+                  <a:schemeClr val="bg1"/>
+                </a:solidFill>
+              </a:rPr>
+              <a:t>Microsoft Visual Studio</a:t>
+            </a:r>
+            <a:endParaRPr lang="zh-CN" altLang="en-US" sz="3600" dirty="0">
+              <a:solidFill>
+                <a:schemeClr val="bg1"/>
+              </a:solidFill>
+            </a:endParaRPr>
+          </a:p>
+        </p:txBody>
+      </p:sp>
+      <p:sp>
+        <p:nvSpPr>
+          <p:cNvPr id="3" name="TextBox 2"/>
+          <p:cNvSpPr txBox="1"/>
+          <p:nvPr/>
+        </p:nvSpPr>
+        <p:spPr>
+          <a:xfrm>
+            <a:off x="214350" y="1844824"/>
+            <a:ext cx="2592288" cy="1338828"/>
+          </a:xfrm>
+          <a:prstGeom prst="rect">
+            <a:avLst/>
+          </a:prstGeom>
+          <a:noFill/>
+        </p:spPr>
+        <p:txBody>
+          <a:bodyPr wrap="square" rtlCol="0">
+            <a:spAutoFit/>
+          </a:bodyPr>
+          <a:lstStyle/>
+          <a:p>
+            <a:pPr marL="285750" indent="-285750">
+              <a:lnSpc>
+                <a:spcPct val="150000"/>
+              </a:lnSpc>
+              <a:buFont typeface="Wingdings" panose="05000000000000000000" pitchFamily="2" charset="2"/>
+              <a:buChar char="u"/>
+            </a:pPr>
+            <a:r>
+              <a:rPr lang="zh-CN" altLang="en-US" dirty="0"/>
+              <a:t>设</a:t>
+            </a:r>
+            <a:r>
+              <a:rPr lang="zh-CN" altLang="en-US" dirty="0" smtClean="0"/>
+              <a:t>为启动项</a:t>
+            </a:r>
+            <a:endParaRPr lang="en-US" altLang="zh-CN" dirty="0"/>
+          </a:p>
+          <a:p>
+            <a:pPr>
+              <a:lnSpc>
+                <a:spcPct val="150000"/>
+              </a:lnSpc>
+            </a:pPr>
+            <a:r>
+              <a:rPr lang="zh-CN" altLang="en-US" dirty="0" smtClean="0"/>
+              <a:t>选择项目，右键，</a:t>
+            </a:r>
+            <a:endParaRPr lang="en-US" altLang="zh-CN" dirty="0" smtClean="0"/>
+          </a:p>
+          <a:p>
+            <a:pPr>
+              <a:lnSpc>
+                <a:spcPct val="150000"/>
+              </a:lnSpc>
+            </a:pPr>
+            <a:r>
+              <a:rPr lang="en-US" altLang="zh-CN" dirty="0" smtClean="0"/>
+              <a:t>Set</a:t>
+            </a:r>
+            <a:r>
+              <a:rPr lang="zh-CN" altLang="en-US" dirty="0"/>
+              <a:t> </a:t>
+            </a:r>
+            <a:r>
+              <a:rPr lang="en-US" altLang="zh-CN" dirty="0" smtClean="0"/>
+              <a:t>as </a:t>
+            </a:r>
+            <a:r>
+              <a:rPr lang="en-US" altLang="zh-CN" dirty="0" err="1" smtClean="0"/>
+              <a:t>StartUp</a:t>
+            </a:r>
+            <a:r>
+              <a:rPr lang="en-US" altLang="zh-CN" dirty="0" smtClean="0"/>
+              <a:t> Project</a:t>
+            </a:r>
+          </a:p>
+        </p:txBody>
+      </p:sp>
+      <p:pic>
+        <p:nvPicPr>
+          <p:cNvPr id="7170" name="Picture 2"/>
+          <p:cNvPicPr>
+            <a:picLocks noChangeAspect="1" noChangeArrowheads="1"/>
+          </p:cNvPicPr>
+          <p:nvPr/>
+        </p:nvPicPr>
+        <p:blipFill>
+          <a:blip r:embed="rId2">
+            <a:extLst>
+              <a:ext uri="{28A0092B-C50C-407E-A947-70E740481C1C}">
+                <a14:useLocalDpi xmlns:a14="http://schemas.microsoft.com/office/drawing/2010/main" val="0"/>
+              </a:ext>
+            </a:extLst>
+          </a:blip>
+          <a:srcRect/>
+          <a:stretch>
+            <a:fillRect/>
+          </a:stretch>
+        </p:blipFill>
+        <p:spPr bwMode="auto">
+          <a:xfrm>
+            <a:off x="6300192" y="476672"/>
+            <a:ext cx="2736304" cy="5979331"/>
+          </a:xfrm>
+          <a:prstGeom prst="rect">
+            <a:avLst/>
+          </a:prstGeom>
+          <a:noFill/>
+          <a:ln>
+            <a:noFill/>
+          </a:ln>
+          <a:effectLst/>
+          <a:extLst>
+            <a:ext uri="{909E8E84-426E-40DD-AFC4-6F175D3DCCD1}">
+              <a14:hiddenFill xmlns:a14="http://schemas.microsoft.com/office/drawing/2010/main">
+                <a:solidFill>
+                  <a:schemeClr val="accent1"/>
+                </a:solidFill>
+              </a14:hiddenFill>
+            </a:ext>
+            <a:ext uri="{91240B29-F687-4F45-9708-019B960494DF}">
+              <a14:hiddenLine xmlns:a14="http://schemas.microsoft.com/office/drawing/2010/main" w="9525">
+                <a:solidFill>
+                  <a:schemeClr val="tx1"/>
+                </a:solidFill>
+                <a:miter lim="800000"/>
+                <a:headEnd/>
+                <a:tailEnd/>
+              </a14:hiddenLine>
+            </a:ext>
+            <a:ext uri="{AF507438-7753-43E0-B8FC-AC1667EBCBE1}">
+              <a14:hiddenEffects xmlns:a14="http://schemas.microsoft.com/office/drawing/2010/main">
+                <a:effectLst>
+                  <a:outerShdw dist="35921" dir="2700000" algn="ctr" rotWithShape="0">
+                    <a:schemeClr val="bg2"/>
+                  </a:outerShdw>
+                </a:effectLst>
+              </a14:hiddenEffects>
+            </a:ext>
+          </a:extLst>
+        </p:spPr>
+      </p:pic>
+      <p:pic>
+        <p:nvPicPr>
+          <p:cNvPr id="7171" name="Picture 3"/>
+          <p:cNvPicPr>
+            <a:picLocks noChangeAspect="1" noChangeArrowheads="1"/>
+          </p:cNvPicPr>
+          <p:nvPr/>
+        </p:nvPicPr>
+        <p:blipFill>
+          <a:blip r:embed="rId3">
+            <a:extLst>
+              <a:ext uri="{28A0092B-C50C-407E-A947-70E740481C1C}">
+                <a14:useLocalDpi xmlns:a14="http://schemas.microsoft.com/office/drawing/2010/main" val="0"/>
+              </a:ext>
+            </a:extLst>
+          </a:blip>
+          <a:srcRect/>
+          <a:stretch>
+            <a:fillRect/>
+          </a:stretch>
+        </p:blipFill>
+        <p:spPr bwMode="auto">
+          <a:xfrm>
+            <a:off x="2987824" y="665187"/>
+            <a:ext cx="3209925" cy="5572125"/>
+          </a:xfrm>
+          <a:prstGeom prst="rect">
+            <a:avLst/>
+          </a:prstGeom>
+          <a:noFill/>
+          <a:ln>
+            <a:noFill/>
+          </a:ln>
+          <a:effectLst/>
+          <a:extLst>
+            <a:ext uri="{909E8E84-426E-40DD-AFC4-6F175D3DCCD1}">
+              <a14:hiddenFill xmlns:a14="http://schemas.microsoft.com/office/drawing/2010/main">
+                <a:solidFill>
+                  <a:schemeClr val="accent1"/>
+                </a:solidFill>
+              </a14:hiddenFill>
+            </a:ext>
+            <a:ext uri="{91240B29-F687-4F45-9708-019B960494DF}">
+              <a14:hiddenLine xmlns:a14="http://schemas.microsoft.com/office/drawing/2010/main" w="9525">
+                <a:solidFill>
+                  <a:schemeClr val="tx1"/>
+                </a:solidFill>
+                <a:miter lim="800000"/>
+                <a:headEnd/>
+                <a:tailEnd/>
+              </a14:hiddenLine>
+            </a:ext>
+            <a:ext uri="{AF507438-7753-43E0-B8FC-AC1667EBCBE1}">
+              <a14:hiddenEffects xmlns:a14="http://schemas.microsoft.com/office/drawing/2010/main">
+                <a:effectLst>
+                  <a:outerShdw dist="35921" dir="2700000" algn="ctr" rotWithShape="0">
+                    <a:schemeClr val="bg2"/>
+                  </a:outerShdw>
+                </a:effectLst>
+              </a14:hiddenEffects>
+            </a:ext>
+          </a:extLst>
+        </p:spPr>
+      </p:pic>
+      <p:sp>
+        <p:nvSpPr>
+          <p:cNvPr id="4" name="灯片编号占位符 3"/>
+          <p:cNvSpPr>
+            <a:spLocks noGrp="1"/>
+          </p:cNvSpPr>
+          <p:nvPr>
+            <p:ph type="sldNum" sz="quarter" idx="11"/>
+          </p:nvPr>
+        </p:nvSpPr>
+        <p:spPr/>
+        <p:txBody>
+          <a:bodyPr/>
+          <a:lstStyle/>
+          <a:p>
+            <a:fld id="{C76E37F9-B586-484A-A7DE-14715ACABBC7}" type="slidenum">
+              <a:rPr lang="zh-CN" altLang="en-US" smtClean="0"/>
+              <a:t>7</a:t>
+            </a:fld>
+            <a:endParaRPr lang="zh-CN" altLang="en-US"/>
+          </a:p>
+        </p:txBody>
+      </p:sp>
+      <p:sp>
+        <p:nvSpPr>
+          <p:cNvPr id="5" name="页脚占位符 4"/>
+          <p:cNvSpPr>
+            <a:spLocks noGrp="1"/>
+          </p:cNvSpPr>
+          <p:nvPr>
+            <p:ph type="ftr" sz="quarter" idx="10"/>
+          </p:nvPr>
+        </p:nvSpPr>
+        <p:spPr/>
+        <p:txBody>
+          <a:bodyPr/>
+          <a:lstStyle/>
+          <a:p>
+            <a:r>
+              <a:rPr lang="en-US" altLang="zh-CN" smtClean="0"/>
+              <a:t>C</a:t>
+            </a:r>
+            <a:r>
+              <a:rPr lang="zh-CN" altLang="en-US" smtClean="0"/>
+              <a:t>语言课程设计</a:t>
+            </a:r>
+            <a:endParaRPr lang="zh-CN" altLang="en-US"/>
+          </a:p>
+        </p:txBody>
+      </p:sp>
+      <p:sp>
+        <p:nvSpPr>
+          <p:cNvPr id="6" name="日期占位符 5"/>
+          <p:cNvSpPr>
+            <a:spLocks noGrp="1"/>
+          </p:cNvSpPr>
+          <p:nvPr>
+            <p:ph type="dt" sz="half" idx="12"/>
+          </p:nvPr>
+        </p:nvSpPr>
+        <p:spPr/>
+        <p:txBody>
+          <a:bodyPr/>
+          <a:lstStyle/>
+          <a:p>
+            <a:fld id="{B87535FB-A371-4F35-9B28-911E89E9053A}" type="datetime10">
+              <a:rPr lang="zh-CN" altLang="en-US" smtClean="0"/>
+              <a:t>17:10</a:t>
+            </a:fld>
+            <a:endParaRPr lang="zh-CN" altLang="en-US"/>
+          </a:p>
+        </p:txBody>
+      </p:sp>
+      <p:sp>
+        <p:nvSpPr>
+          <p:cNvPr id="7" name="TextBox 6"/>
+          <p:cNvSpPr txBox="1"/>
+          <p:nvPr/>
+        </p:nvSpPr>
+        <p:spPr>
+          <a:xfrm>
+            <a:off x="214350" y="665187"/>
+            <a:ext cx="2232248" cy="646331"/>
+          </a:xfrm>
+          <a:prstGeom prst="rect">
+            <a:avLst/>
+          </a:prstGeom>
+          <a:solidFill>
+            <a:srgbClr val="FFC000"/>
+          </a:solidFill>
+          <a:ln>
+            <a:solidFill>
+              <a:schemeClr val="accent1"/>
+            </a:solidFill>
+          </a:ln>
+        </p:spPr>
+        <p:txBody>
+          <a:bodyPr wrap="square" rtlCol="0">
+            <a:spAutoFit/>
+          </a:bodyPr>
+          <a:lstStyle/>
+          <a:p>
+            <a:r>
+              <a:rPr lang="zh-CN" altLang="en-US" dirty="0" smtClean="0"/>
+              <a:t>在两个项目中，进行切换的方法。</a:t>
+            </a:r>
+            <a:endParaRPr lang="zh-CN" altLang="en-US" dirty="0"/>
+          </a:p>
+        </p:txBody>
+      </p:sp>
+    </p:spTree>
+    <p:extLst>
+      <p:ext uri="{BB962C8B-B14F-4D97-AF65-F5344CB8AC3E}">
+        <p14:creationId xmlns:p14="http://schemas.microsoft.com/office/powerpoint/2010/main" val="1076909894"/>
+      </p:ext>
+    </p:extLst>
+  </p:cSld>
+  <p:clrMapOvr>
+    <a:masterClrMapping/>
+  </p:clrMapOvr>
+  <mc:AlternateContent xmlns:mc="http://schemas.openxmlformats.org/markup-compatibility/2006" xmlns:p14="http://schemas.microsoft.com/office/powerpoint/2010/main">
+    <mc:Choice Requires="p14">
+      <p:transition spd="slow" p14:dur="1500">
+        <p:split orient="vert"/>
+      </p:transition>
+    </mc:Choice>
+    <mc:Fallback xmlns="">
+      <p:transition spd="slow">
+        <p:split orient="vert"/>
+      </p:transition>
+    </mc:Fallback>
+  </mc:AlternateContent>
+  <p:timing>
+    <p:tnLst>
+      <p:par>
+        <p:cTn id="1" dur="indefinite" restart="never" nodeType="tmRoot"/>
+      </p:par>
+    </p:tnLst>
+  </p:timing>
+</p:sld>
+</file>
+
+<file path=ppt/slides/slide8.xml><?xml version="1.0" encoding="utf-8"?>
+<p:sld xmlns:a="http://schemas.openxmlformats.org/drawingml/2006/main" xmlns:r="http://schemas.openxmlformats.org/officeDocument/2006/relationships" xmlns:p="http://schemas.openxmlformats.org/presentationml/2006/main">
+  <p:cSld>
+    <p:spTree>
+      <p:nvGrpSpPr>
+        <p:cNvPr id="1" name=""/>
+        <p:cNvGrpSpPr/>
+        <p:nvPr/>
+      </p:nvGrpSpPr>
+      <p:grpSpPr>
+        <a:xfrm>
+          <a:off x="0" y="0"/>
+          <a:ext cx="0" cy="0"/>
+          <a:chOff x="0" y="0"/>
+          <a:chExt cx="0" cy="0"/>
+        </a:xfrm>
+      </p:grpSpPr>
+      <p:sp>
+        <p:nvSpPr>
+          <p:cNvPr id="2" name="标题 1"/>
+          <p:cNvSpPr>
+            <a:spLocks noGrp="1"/>
+          </p:cNvSpPr>
+          <p:nvPr>
+            <p:ph type="title"/>
+          </p:nvPr>
+        </p:nvSpPr>
+        <p:spPr>
+          <a:xfrm>
+            <a:off x="352425" y="-243408"/>
+            <a:ext cx="8612188" cy="998538"/>
+          </a:xfrm>
+        </p:spPr>
+        <p:txBody>
+          <a:bodyPr/>
+          <a:lstStyle/>
+          <a:p>
+            <a:r>
+              <a:rPr lang="en-US" altLang="zh-CN" sz="3600" dirty="0" smtClean="0">
+                <a:solidFill>
+                  <a:schemeClr val="bg1"/>
+                </a:solidFill>
+              </a:rPr>
+              <a:t>Microsoft Visual Studio</a:t>
+            </a:r>
+            <a:endParaRPr lang="zh-CN" altLang="en-US" sz="3600" dirty="0">
+              <a:solidFill>
+                <a:schemeClr val="bg1"/>
+              </a:solidFill>
+            </a:endParaRPr>
+          </a:p>
+        </p:txBody>
+      </p:sp>
+      <p:sp>
+        <p:nvSpPr>
+          <p:cNvPr id="3" name="TextBox 2"/>
+          <p:cNvSpPr txBox="1"/>
+          <p:nvPr/>
+        </p:nvSpPr>
+        <p:spPr>
+          <a:xfrm>
+            <a:off x="179512" y="675899"/>
+            <a:ext cx="1944216" cy="923330"/>
+          </a:xfrm>
+          <a:prstGeom prst="rect">
+            <a:avLst/>
+          </a:prstGeom>
+          <a:noFill/>
+        </p:spPr>
+        <p:txBody>
+          <a:bodyPr wrap="square" rtlCol="0">
+            <a:spAutoFit/>
+          </a:bodyPr>
+          <a:lstStyle/>
+          <a:p>
+            <a:pPr marL="285750" indent="-285750">
+              <a:lnSpc>
+                <a:spcPct val="150000"/>
+              </a:lnSpc>
+              <a:buFont typeface="Wingdings" panose="05000000000000000000" pitchFamily="2" charset="2"/>
+              <a:buChar char="u"/>
+            </a:pPr>
+            <a:r>
+              <a:rPr lang="zh-CN" altLang="en-US" dirty="0"/>
+              <a:t>运行</a:t>
+            </a:r>
+            <a:r>
+              <a:rPr lang="zh-CN" altLang="en-US" dirty="0" smtClean="0"/>
+              <a:t>调试</a:t>
+            </a:r>
+            <a:endParaRPr lang="en-US" altLang="zh-CN" dirty="0"/>
+          </a:p>
+          <a:p>
+            <a:pPr>
+              <a:lnSpc>
+                <a:spcPct val="150000"/>
+              </a:lnSpc>
+            </a:pPr>
+            <a:r>
+              <a:rPr lang="en-US" altLang="zh-CN" dirty="0" smtClean="0"/>
+              <a:t>Start Debugging</a:t>
+            </a:r>
+          </a:p>
+        </p:txBody>
+      </p:sp>
+      <p:pic>
+        <p:nvPicPr>
+          <p:cNvPr id="8194" name="Picture 2"/>
+          <p:cNvPicPr>
+            <a:picLocks noChangeAspect="1" noChangeArrowheads="1"/>
+          </p:cNvPicPr>
+          <p:nvPr/>
+        </p:nvPicPr>
+        <p:blipFill>
+          <a:blip r:embed="rId2">
+            <a:extLst>
+              <a:ext uri="{28A0092B-C50C-407E-A947-70E740481C1C}">
+                <a14:useLocalDpi xmlns:a14="http://schemas.microsoft.com/office/drawing/2010/main" val="0"/>
+              </a:ext>
+            </a:extLst>
+          </a:blip>
+          <a:srcRect/>
+          <a:stretch>
+            <a:fillRect/>
+          </a:stretch>
+        </p:blipFill>
+        <p:spPr bwMode="auto">
+          <a:xfrm>
+            <a:off x="2627784" y="837059"/>
+            <a:ext cx="6379898" cy="5280273"/>
+          </a:xfrm>
+          <a:prstGeom prst="rect">
+            <a:avLst/>
+          </a:prstGeom>
+          <a:noFill/>
+          <a:ln>
+            <a:noFill/>
+          </a:ln>
+          <a:effectLst/>
+          <a:extLst>
+            <a:ext uri="{909E8E84-426E-40DD-AFC4-6F175D3DCCD1}">
+              <a14:hiddenFill xmlns:a14="http://schemas.microsoft.com/office/drawing/2010/main">
+                <a:solidFill>
+                  <a:schemeClr val="accent1"/>
+                </a:solidFill>
+              </a14:hiddenFill>
+            </a:ext>
+            <a:ext uri="{91240B29-F687-4F45-9708-019B960494DF}">
+              <a14:hiddenLine xmlns:a14="http://schemas.microsoft.com/office/drawing/2010/main" w="9525">
+                <a:solidFill>
+                  <a:schemeClr val="tx1"/>
+                </a:solidFill>
+                <a:miter lim="800000"/>
+                <a:headEnd/>
+                <a:tailEnd/>
+              </a14:hiddenLine>
+            </a:ext>
+            <a:ext uri="{AF507438-7753-43E0-B8FC-AC1667EBCBE1}">
+              <a14:hiddenEffects xmlns:a14="http://schemas.microsoft.com/office/drawing/2010/main">
+                <a:effectLst>
+                  <a:outerShdw dist="35921" dir="2700000" algn="ctr" rotWithShape="0">
+                    <a:schemeClr val="bg2"/>
+                  </a:outerShdw>
+                </a:effectLst>
+              </a14:hiddenEffects>
+            </a:ext>
+          </a:extLst>
+        </p:spPr>
+      </p:pic>
+      <p:sp>
+        <p:nvSpPr>
+          <p:cNvPr id="4" name="灯片编号占位符 3"/>
+          <p:cNvSpPr>
+            <a:spLocks noGrp="1"/>
+          </p:cNvSpPr>
+          <p:nvPr>
+            <p:ph type="sldNum" sz="quarter" idx="11"/>
+          </p:nvPr>
+        </p:nvSpPr>
+        <p:spPr/>
+        <p:txBody>
+          <a:bodyPr/>
+          <a:lstStyle/>
+          <a:p>
+            <a:fld id="{C76E37F9-B586-484A-A7DE-14715ACABBC7}" type="slidenum">
+              <a:rPr lang="zh-CN" altLang="en-US" smtClean="0"/>
+              <a:t>8</a:t>
+            </a:fld>
+            <a:endParaRPr lang="zh-CN" altLang="en-US"/>
+          </a:p>
+        </p:txBody>
+      </p:sp>
+      <p:sp>
+        <p:nvSpPr>
+          <p:cNvPr id="5" name="页脚占位符 4"/>
+          <p:cNvSpPr>
+            <a:spLocks noGrp="1"/>
+          </p:cNvSpPr>
+          <p:nvPr>
+            <p:ph type="ftr" sz="quarter" idx="10"/>
+          </p:nvPr>
+        </p:nvSpPr>
+        <p:spPr/>
+        <p:txBody>
+          <a:bodyPr/>
+          <a:lstStyle/>
+          <a:p>
+            <a:r>
+              <a:rPr lang="en-US" altLang="zh-CN" smtClean="0"/>
+              <a:t>C</a:t>
+            </a:r>
+            <a:r>
+              <a:rPr lang="zh-CN" altLang="en-US" smtClean="0"/>
+              <a:t>语言课程设计</a:t>
+            </a:r>
+            <a:endParaRPr lang="zh-CN" altLang="en-US"/>
+          </a:p>
+        </p:txBody>
+      </p:sp>
+      <p:sp>
+        <p:nvSpPr>
+          <p:cNvPr id="6" name="日期占位符 5"/>
+          <p:cNvSpPr>
+            <a:spLocks noGrp="1"/>
+          </p:cNvSpPr>
+          <p:nvPr>
+            <p:ph type="dt" sz="half" idx="12"/>
+          </p:nvPr>
+        </p:nvSpPr>
+        <p:spPr/>
+        <p:txBody>
+          <a:bodyPr/>
+          <a:lstStyle/>
+          <a:p>
+            <a:fld id="{806108C5-AE88-47AA-BB8B-5FD69F4B1CCD}" type="datetime10">
+              <a:rPr lang="zh-CN" altLang="en-US" smtClean="0"/>
+              <a:t>17:10</a:t>
+            </a:fld>
+            <a:endParaRPr lang="zh-CN" altLang="en-US"/>
+          </a:p>
+        </p:txBody>
+      </p:sp>
+    </p:spTree>
+    <p:extLst>
+      <p:ext uri="{BB962C8B-B14F-4D97-AF65-F5344CB8AC3E}">
+        <p14:creationId xmlns:p14="http://schemas.microsoft.com/office/powerpoint/2010/main" val="2399724989"/>
+      </p:ext>
+    </p:extLst>
+  </p:cSld>
+  <p:clrMapOvr>
+    <a:masterClrMapping/>
+  </p:clrMapOvr>
+  <mc:AlternateContent xmlns:mc="http://schemas.openxmlformats.org/markup-compatibility/2006" xmlns:p14="http://schemas.microsoft.com/office/powerpoint/2010/main">
+    <mc:Choice Requires="p14">
+      <p:transition spd="slow" p14:dur="1500">
+        <p:split orient="vert"/>
+      </p:transition>
+    </mc:Choice>
+    <mc:Fallback xmlns="">
+      <p:transition spd="slow">
+        <p:split orient="vert"/>
+      </p:transition>
+    </mc:Fallback>
+  </mc:AlternateContent>
+  <p:timing>
+    <p:tnLst>
+      <p:par>
+        <p:cTn id="1" dur="indefinite" restart="never" nodeType="tmRoot"/>
+      </p:par>
+    </p:tnLst>
+  </p:timing>
+</p:sld>
+</file>
+
+<file path=ppt/slides/slide9.xml><?xml version="1.0" encoding="utf-8"?>
 <p:sld xmlns:a="http://schemas.openxmlformats.org/drawingml/2006/main" xmlns:r="http://schemas.openxmlformats.org/officeDocument/2006/relationships" xmlns:p="http://schemas.openxmlformats.org/presentationml/2006/main">
   <p:cSld>
     <p:spTree>
@@ -4453,7 +8091,7 @@
           <a:p>
             <a:fld id="{C76E37F9-B586-484A-A7DE-14715ACABBC7}" type="slidenum">
               <a:rPr lang="zh-CN" altLang="en-US" smtClean="0"/>
-              <a:t>10</a:t>
+              <a:t>9</a:t>
             </a:fld>
             <a:endParaRPr lang="zh-CN" altLang="en-US"/>
           </a:p>
@@ -4503,7 +8141,7 @@
           <a:p>
             <a:fld id="{E56CF979-7C5D-4B42-A02B-605B7DC1861E}" type="datetime10">
               <a:rPr lang="zh-CN" altLang="en-US" smtClean="0"/>
-              <a:t>11:04</a:t>
+              <a:t>17:10</a:t>
             </a:fld>
             <a:endParaRPr lang="zh-CN" altLang="en-US"/>
           </a:p>
@@ -4513,2431 +8151,6 @@
     <p:extLst>
       <p:ext uri="{BB962C8B-B14F-4D97-AF65-F5344CB8AC3E}">
         <p14:creationId xmlns:p14="http://schemas.microsoft.com/office/powerpoint/2010/main" val="3408193842"/>
-      </p:ext>
-    </p:extLst>
-  </p:cSld>
-  <p:clrMapOvr>
-    <a:masterClrMapping/>
-  </p:clrMapOvr>
-  <mc:AlternateContent xmlns:mc="http://schemas.openxmlformats.org/markup-compatibility/2006" xmlns:p14="http://schemas.microsoft.com/office/powerpoint/2010/main">
-    <mc:Choice Requires="p14">
-      <p:transition spd="slow" p14:dur="1500">
-        <p:split orient="vert"/>
-      </p:transition>
-    </mc:Choice>
-    <mc:Fallback xmlns="">
-      <p:transition spd="slow">
-        <p:split orient="vert"/>
-      </p:transition>
-    </mc:Fallback>
-  </mc:AlternateContent>
-  <p:timing>
-    <p:tnLst>
-      <p:par>
-        <p:cTn id="1" dur="indefinite" restart="never" nodeType="tmRoot"/>
-      </p:par>
-    </p:tnLst>
-  </p:timing>
-</p:sld>
-</file>
-
-<file path=ppt/slides/slide2.xml><?xml version="1.0" encoding="utf-8"?>
-<p:sld xmlns:a="http://schemas.openxmlformats.org/drawingml/2006/main" xmlns:r="http://schemas.openxmlformats.org/officeDocument/2006/relationships" xmlns:p="http://schemas.openxmlformats.org/presentationml/2006/main">
-  <p:cSld>
-    <p:spTree>
-      <p:nvGrpSpPr>
-        <p:cNvPr id="1" name=""/>
-        <p:cNvGrpSpPr/>
-        <p:nvPr/>
-      </p:nvGrpSpPr>
-      <p:grpSpPr>
-        <a:xfrm>
-          <a:off x="0" y="0"/>
-          <a:ext cx="0" cy="0"/>
-          <a:chOff x="0" y="0"/>
-          <a:chExt cx="0" cy="0"/>
-        </a:xfrm>
-      </p:grpSpPr>
-      <p:sp>
-        <p:nvSpPr>
-          <p:cNvPr id="2" name="标题 1"/>
-          <p:cNvSpPr>
-            <a:spLocks noGrp="1"/>
-          </p:cNvSpPr>
-          <p:nvPr>
-            <p:ph type="title"/>
-          </p:nvPr>
-        </p:nvSpPr>
-        <p:spPr>
-          <a:xfrm>
-            <a:off x="512365" y="-315416"/>
-            <a:ext cx="8612188" cy="998538"/>
-          </a:xfrm>
-        </p:spPr>
-        <p:txBody>
-          <a:bodyPr/>
-          <a:lstStyle/>
-          <a:p>
-            <a:r>
-              <a:rPr lang="en-US" altLang="zh-CN" sz="2800" dirty="0" smtClean="0">
-                <a:solidFill>
-                  <a:schemeClr val="bg1"/>
-                </a:solidFill>
-              </a:rPr>
-              <a:t>Visual Studio 2013 (Community)</a:t>
-            </a:r>
-            <a:endParaRPr lang="zh-CN" altLang="en-US" sz="2800" dirty="0">
-              <a:solidFill>
-                <a:schemeClr val="bg1"/>
-              </a:solidFill>
-            </a:endParaRPr>
-          </a:p>
-        </p:txBody>
-      </p:sp>
-      <p:pic>
-        <p:nvPicPr>
-          <p:cNvPr id="9218" name="Picture 2"/>
-          <p:cNvPicPr>
-            <a:picLocks noChangeAspect="1" noChangeArrowheads="1"/>
-          </p:cNvPicPr>
-          <p:nvPr/>
-        </p:nvPicPr>
-        <p:blipFill>
-          <a:blip r:embed="rId2">
-            <a:extLst>
-              <a:ext uri="{28A0092B-C50C-407E-A947-70E740481C1C}">
-                <a14:useLocalDpi xmlns:a14="http://schemas.microsoft.com/office/drawing/2010/main" val="0"/>
-              </a:ext>
-            </a:extLst>
-          </a:blip>
-          <a:srcRect/>
-          <a:stretch>
-            <a:fillRect/>
-          </a:stretch>
-        </p:blipFill>
-        <p:spPr bwMode="auto">
-          <a:xfrm>
-            <a:off x="107504" y="517223"/>
-            <a:ext cx="8928992" cy="6008121"/>
-          </a:xfrm>
-          <a:prstGeom prst="rect">
-            <a:avLst/>
-          </a:prstGeom>
-          <a:noFill/>
-          <a:ln>
-            <a:noFill/>
-          </a:ln>
-          <a:effectLst/>
-          <a:extLst>
-            <a:ext uri="{909E8E84-426E-40DD-AFC4-6F175D3DCCD1}">
-              <a14:hiddenFill xmlns:a14="http://schemas.microsoft.com/office/drawing/2010/main">
-                <a:solidFill>
-                  <a:schemeClr val="accent1"/>
-                </a:solidFill>
-              </a14:hiddenFill>
-            </a:ext>
-            <a:ext uri="{91240B29-F687-4F45-9708-019B960494DF}">
-              <a14:hiddenLine xmlns:a14="http://schemas.microsoft.com/office/drawing/2010/main" w="9525">
-                <a:solidFill>
-                  <a:schemeClr val="tx1"/>
-                </a:solidFill>
-                <a:miter lim="800000"/>
-                <a:headEnd/>
-                <a:tailEnd/>
-              </a14:hiddenLine>
-            </a:ext>
-            <a:ext uri="{AF507438-7753-43E0-B8FC-AC1667EBCBE1}">
-              <a14:hiddenEffects xmlns:a14="http://schemas.microsoft.com/office/drawing/2010/main">
-                <a:effectLst>
-                  <a:outerShdw dist="35921" dir="2700000" algn="ctr" rotWithShape="0">
-                    <a:schemeClr val="bg2"/>
-                  </a:outerShdw>
-                </a:effectLst>
-              </a14:hiddenEffects>
-            </a:ext>
-          </a:extLst>
-        </p:spPr>
-      </p:pic>
-      <p:sp>
-        <p:nvSpPr>
-          <p:cNvPr id="3" name="灯片编号占位符 2"/>
-          <p:cNvSpPr>
-            <a:spLocks noGrp="1"/>
-          </p:cNvSpPr>
-          <p:nvPr>
-            <p:ph type="sldNum" sz="quarter" idx="11"/>
-          </p:nvPr>
-        </p:nvSpPr>
-        <p:spPr/>
-        <p:txBody>
-          <a:bodyPr/>
-          <a:lstStyle/>
-          <a:p>
-            <a:fld id="{C76E37F9-B586-484A-A7DE-14715ACABBC7}" type="slidenum">
-              <a:rPr lang="zh-CN" altLang="en-US" smtClean="0"/>
-              <a:t>2</a:t>
-            </a:fld>
-            <a:endParaRPr lang="zh-CN" altLang="en-US"/>
-          </a:p>
-        </p:txBody>
-      </p:sp>
-      <p:sp>
-        <p:nvSpPr>
-          <p:cNvPr id="4" name="页脚占位符 3"/>
-          <p:cNvSpPr>
-            <a:spLocks noGrp="1"/>
-          </p:cNvSpPr>
-          <p:nvPr>
-            <p:ph type="ftr" sz="quarter" idx="10"/>
-          </p:nvPr>
-        </p:nvSpPr>
-        <p:spPr/>
-        <p:txBody>
-          <a:bodyPr/>
-          <a:lstStyle/>
-          <a:p>
-            <a:r>
-              <a:rPr lang="en-US" altLang="zh-CN" smtClean="0"/>
-              <a:t>C</a:t>
-            </a:r>
-            <a:r>
-              <a:rPr lang="zh-CN" altLang="en-US" smtClean="0"/>
-              <a:t>语言课程设计</a:t>
-            </a:r>
-            <a:endParaRPr lang="zh-CN" altLang="en-US"/>
-          </a:p>
-        </p:txBody>
-      </p:sp>
-      <p:sp>
-        <p:nvSpPr>
-          <p:cNvPr id="5" name="日期占位符 4"/>
-          <p:cNvSpPr>
-            <a:spLocks noGrp="1"/>
-          </p:cNvSpPr>
-          <p:nvPr>
-            <p:ph type="dt" sz="half" idx="12"/>
-          </p:nvPr>
-        </p:nvSpPr>
-        <p:spPr/>
-        <p:txBody>
-          <a:bodyPr/>
-          <a:lstStyle/>
-          <a:p>
-            <a:fld id="{27B67446-34F8-4747-A347-013A8B8DA8E4}" type="datetime10">
-              <a:rPr lang="zh-CN" altLang="en-US" smtClean="0"/>
-              <a:t>11:04</a:t>
-            </a:fld>
-            <a:endParaRPr lang="zh-CN" altLang="en-US"/>
-          </a:p>
-        </p:txBody>
-      </p:sp>
-    </p:spTree>
-    <p:extLst>
-      <p:ext uri="{BB962C8B-B14F-4D97-AF65-F5344CB8AC3E}">
-        <p14:creationId xmlns:p14="http://schemas.microsoft.com/office/powerpoint/2010/main" val="81398567"/>
-      </p:ext>
-    </p:extLst>
-  </p:cSld>
-  <p:clrMapOvr>
-    <a:masterClrMapping/>
-  </p:clrMapOvr>
-  <mc:AlternateContent xmlns:mc="http://schemas.openxmlformats.org/markup-compatibility/2006" xmlns:p14="http://schemas.microsoft.com/office/powerpoint/2010/main">
-    <mc:Choice Requires="p14">
-      <p:transition spd="slow" p14:dur="1500">
-        <p:split orient="vert"/>
-      </p:transition>
-    </mc:Choice>
-    <mc:Fallback xmlns="">
-      <p:transition spd="slow">
-        <p:split orient="vert"/>
-      </p:transition>
-    </mc:Fallback>
-  </mc:AlternateContent>
-  <p:timing>
-    <p:tnLst>
-      <p:par>
-        <p:cTn id="1" dur="indefinite" restart="never" nodeType="tmRoot"/>
-      </p:par>
-    </p:tnLst>
-  </p:timing>
-</p:sld>
-</file>
-
-<file path=ppt/slides/slide3.xml><?xml version="1.0" encoding="utf-8"?>
-<p:sld xmlns:a="http://schemas.openxmlformats.org/drawingml/2006/main" xmlns:r="http://schemas.openxmlformats.org/officeDocument/2006/relationships" xmlns:p="http://schemas.openxmlformats.org/presentationml/2006/main">
-  <p:cSld>
-    <p:spTree>
-      <p:nvGrpSpPr>
-        <p:cNvPr id="1" name=""/>
-        <p:cNvGrpSpPr/>
-        <p:nvPr/>
-      </p:nvGrpSpPr>
-      <p:grpSpPr>
-        <a:xfrm>
-          <a:off x="0" y="0"/>
-          <a:ext cx="0" cy="0"/>
-          <a:chOff x="0" y="0"/>
-          <a:chExt cx="0" cy="0"/>
-        </a:xfrm>
-      </p:grpSpPr>
-      <p:sp>
-        <p:nvSpPr>
-          <p:cNvPr id="2" name="标题 1"/>
-          <p:cNvSpPr>
-            <a:spLocks noGrp="1"/>
-          </p:cNvSpPr>
-          <p:nvPr>
-            <p:ph type="title"/>
-          </p:nvPr>
-        </p:nvSpPr>
-        <p:spPr/>
-        <p:txBody>
-          <a:bodyPr/>
-          <a:lstStyle/>
-          <a:p>
-            <a:r>
-              <a:rPr lang="en-US" altLang="zh-CN" dirty="0" smtClean="0"/>
-              <a:t>Visual Studio</a:t>
-            </a:r>
-            <a:r>
-              <a:rPr lang="zh-CN" altLang="en-US" dirty="0" smtClean="0"/>
-              <a:t>典型程序类型</a:t>
-            </a:r>
-            <a:endParaRPr lang="zh-CN" altLang="en-US" dirty="0"/>
-          </a:p>
-        </p:txBody>
-      </p:sp>
-      <p:sp>
-        <p:nvSpPr>
-          <p:cNvPr id="3" name="页脚占位符 2"/>
-          <p:cNvSpPr>
-            <a:spLocks noGrp="1"/>
-          </p:cNvSpPr>
-          <p:nvPr>
-            <p:ph type="ftr" sz="quarter" idx="10"/>
-          </p:nvPr>
-        </p:nvSpPr>
-        <p:spPr/>
-        <p:txBody>
-          <a:bodyPr/>
-          <a:lstStyle/>
-          <a:p>
-            <a:pPr algn="l"/>
-            <a:r>
-              <a:rPr lang="en-US" altLang="zh-CN" smtClean="0"/>
-              <a:t>C</a:t>
-            </a:r>
-            <a:r>
-              <a:rPr lang="zh-CN" altLang="en-US" smtClean="0"/>
-              <a:t>语言课程设计</a:t>
-            </a:r>
-            <a:endParaRPr lang="zh-CN" altLang="en-US" dirty="0"/>
-          </a:p>
-        </p:txBody>
-      </p:sp>
-      <p:sp>
-        <p:nvSpPr>
-          <p:cNvPr id="4" name="灯片编号占位符 3"/>
-          <p:cNvSpPr>
-            <a:spLocks noGrp="1"/>
-          </p:cNvSpPr>
-          <p:nvPr>
-            <p:ph type="sldNum" sz="quarter" idx="11"/>
-          </p:nvPr>
-        </p:nvSpPr>
-        <p:spPr/>
-        <p:txBody>
-          <a:bodyPr/>
-          <a:lstStyle/>
-          <a:p>
-            <a:fld id="{C76E37F9-B586-484A-A7DE-14715ACABBC7}" type="slidenum">
-              <a:rPr lang="zh-CN" altLang="en-US" smtClean="0"/>
-              <a:t>3</a:t>
-            </a:fld>
-            <a:endParaRPr lang="zh-CN" altLang="en-US"/>
-          </a:p>
-        </p:txBody>
-      </p:sp>
-      <p:sp>
-        <p:nvSpPr>
-          <p:cNvPr id="5" name="日期占位符 4"/>
-          <p:cNvSpPr>
-            <a:spLocks noGrp="1"/>
-          </p:cNvSpPr>
-          <p:nvPr>
-            <p:ph type="dt" sz="half" idx="12"/>
-          </p:nvPr>
-        </p:nvSpPr>
-        <p:spPr/>
-        <p:txBody>
-          <a:bodyPr/>
-          <a:lstStyle/>
-          <a:p>
-            <a:fld id="{027287E7-C195-4956-AB5F-C5E4FB6E648D}" type="datetime10">
-              <a:rPr lang="zh-CN" altLang="en-US" smtClean="0"/>
-              <a:t>11:26</a:t>
-            </a:fld>
-            <a:endParaRPr lang="zh-CN" altLang="en-US"/>
-          </a:p>
-        </p:txBody>
-      </p:sp>
-      <p:sp>
-        <p:nvSpPr>
-          <p:cNvPr id="6" name="TextBox 5"/>
-          <p:cNvSpPr txBox="1"/>
-          <p:nvPr/>
-        </p:nvSpPr>
-        <p:spPr>
-          <a:xfrm>
-            <a:off x="1043608" y="1916832"/>
-            <a:ext cx="7416824" cy="2308324"/>
-          </a:xfrm>
-          <a:prstGeom prst="rect">
-            <a:avLst/>
-          </a:prstGeom>
-          <a:noFill/>
-        </p:spPr>
-        <p:txBody>
-          <a:bodyPr wrap="square" rtlCol="0">
-            <a:spAutoFit/>
-          </a:bodyPr>
-          <a:lstStyle/>
-          <a:p>
-            <a:pPr marL="342900" indent="-342900">
-              <a:lnSpc>
-                <a:spcPct val="150000"/>
-              </a:lnSpc>
-              <a:buFont typeface="Wingdings" pitchFamily="2" charset="2"/>
-              <a:buChar char="Ø"/>
-            </a:pPr>
-            <a:r>
-              <a:rPr lang="en-US" altLang="zh-CN" sz="2400" dirty="0" smtClean="0"/>
-              <a:t>Win32 Console Application</a:t>
-            </a:r>
-          </a:p>
-          <a:p>
-            <a:pPr marL="800100" lvl="1" indent="-342900">
-              <a:lnSpc>
-                <a:spcPct val="150000"/>
-              </a:lnSpc>
-              <a:buFont typeface="Arial" pitchFamily="34" charset="0"/>
-              <a:buChar char="•"/>
-            </a:pPr>
-            <a:r>
-              <a:rPr lang="zh-CN" altLang="en-US" sz="2400" dirty="0" smtClean="0"/>
-              <a:t>非图形化应用程序，控制台应用程序</a:t>
-            </a:r>
-            <a:endParaRPr lang="en-US" altLang="zh-CN" sz="2400" dirty="0" smtClean="0"/>
-          </a:p>
-          <a:p>
-            <a:pPr marL="342900" indent="-342900">
-              <a:lnSpc>
-                <a:spcPct val="150000"/>
-              </a:lnSpc>
-              <a:buFont typeface="Wingdings" pitchFamily="2" charset="2"/>
-              <a:buChar char="Ø"/>
-            </a:pPr>
-            <a:r>
-              <a:rPr lang="en-US" altLang="zh-CN" sz="2400" dirty="0" smtClean="0"/>
-              <a:t>MFC Application</a:t>
-            </a:r>
-          </a:p>
-          <a:p>
-            <a:pPr marL="800100" lvl="1" indent="-342900">
-              <a:lnSpc>
-                <a:spcPct val="150000"/>
-              </a:lnSpc>
-              <a:buFont typeface="Arial" pitchFamily="34" charset="0"/>
-              <a:buChar char="•"/>
-            </a:pPr>
-            <a:r>
-              <a:rPr lang="zh-CN" altLang="en-US" sz="2400" dirty="0" smtClean="0"/>
-              <a:t>窗口界面应用程序</a:t>
-            </a:r>
-            <a:endParaRPr lang="zh-CN" altLang="en-US" sz="2400" dirty="0"/>
-          </a:p>
-        </p:txBody>
-      </p:sp>
-    </p:spTree>
-    <p:extLst>
-      <p:ext uri="{BB962C8B-B14F-4D97-AF65-F5344CB8AC3E}">
-        <p14:creationId xmlns:p14="http://schemas.microsoft.com/office/powerpoint/2010/main" val="2589489017"/>
-      </p:ext>
-    </p:extLst>
-  </p:cSld>
-  <p:clrMapOvr>
-    <a:masterClrMapping/>
-  </p:clrMapOvr>
-  <p:transition>
-    <p:random/>
-  </p:transition>
-</p:sld>
-</file>
-
-<file path=ppt/slides/slide4.xml><?xml version="1.0" encoding="utf-8"?>
-<p:sld xmlns:a="http://schemas.openxmlformats.org/drawingml/2006/main" xmlns:r="http://schemas.openxmlformats.org/officeDocument/2006/relationships" xmlns:p="http://schemas.openxmlformats.org/presentationml/2006/main">
-  <p:cSld>
-    <p:spTree>
-      <p:nvGrpSpPr>
-        <p:cNvPr id="1" name=""/>
-        <p:cNvGrpSpPr/>
-        <p:nvPr/>
-      </p:nvGrpSpPr>
-      <p:grpSpPr>
-        <a:xfrm>
-          <a:off x="0" y="0"/>
-          <a:ext cx="0" cy="0"/>
-          <a:chOff x="0" y="0"/>
-          <a:chExt cx="0" cy="0"/>
-        </a:xfrm>
-      </p:grpSpPr>
-      <p:sp>
-        <p:nvSpPr>
-          <p:cNvPr id="2" name="标题 1"/>
-          <p:cNvSpPr>
-            <a:spLocks noGrp="1"/>
-          </p:cNvSpPr>
-          <p:nvPr>
-            <p:ph type="title"/>
-          </p:nvPr>
-        </p:nvSpPr>
-        <p:spPr/>
-        <p:txBody>
-          <a:bodyPr/>
-          <a:lstStyle/>
-          <a:p>
-            <a:r>
-              <a:rPr lang="en-US" altLang="zh-CN" dirty="0" smtClean="0"/>
-              <a:t>Visual Studio</a:t>
-            </a:r>
-            <a:r>
-              <a:rPr lang="zh-CN" altLang="en-US" dirty="0" smtClean="0"/>
-              <a:t>程序的组织</a:t>
-            </a:r>
-            <a:endParaRPr lang="zh-CN" altLang="en-US" dirty="0"/>
-          </a:p>
-        </p:txBody>
-      </p:sp>
-      <p:sp>
-        <p:nvSpPr>
-          <p:cNvPr id="3" name="页脚占位符 2"/>
-          <p:cNvSpPr>
-            <a:spLocks noGrp="1"/>
-          </p:cNvSpPr>
-          <p:nvPr>
-            <p:ph type="ftr" sz="quarter" idx="10"/>
-          </p:nvPr>
-        </p:nvSpPr>
-        <p:spPr/>
-        <p:txBody>
-          <a:bodyPr/>
-          <a:lstStyle/>
-          <a:p>
-            <a:pPr algn="l"/>
-            <a:r>
-              <a:rPr lang="en-US" altLang="zh-CN" smtClean="0"/>
-              <a:t>C</a:t>
-            </a:r>
-            <a:r>
-              <a:rPr lang="zh-CN" altLang="en-US" smtClean="0"/>
-              <a:t>语言课程设计</a:t>
-            </a:r>
-            <a:endParaRPr lang="zh-CN" altLang="en-US" dirty="0"/>
-          </a:p>
-        </p:txBody>
-      </p:sp>
-      <p:sp>
-        <p:nvSpPr>
-          <p:cNvPr id="4" name="灯片编号占位符 3"/>
-          <p:cNvSpPr>
-            <a:spLocks noGrp="1"/>
-          </p:cNvSpPr>
-          <p:nvPr>
-            <p:ph type="sldNum" sz="quarter" idx="11"/>
-          </p:nvPr>
-        </p:nvSpPr>
-        <p:spPr/>
-        <p:txBody>
-          <a:bodyPr/>
-          <a:lstStyle/>
-          <a:p>
-            <a:fld id="{C76E37F9-B586-484A-A7DE-14715ACABBC7}" type="slidenum">
-              <a:rPr lang="zh-CN" altLang="en-US" smtClean="0"/>
-              <a:t>4</a:t>
-            </a:fld>
-            <a:endParaRPr lang="zh-CN" altLang="en-US"/>
-          </a:p>
-        </p:txBody>
-      </p:sp>
-      <p:sp>
-        <p:nvSpPr>
-          <p:cNvPr id="5" name="日期占位符 4"/>
-          <p:cNvSpPr>
-            <a:spLocks noGrp="1"/>
-          </p:cNvSpPr>
-          <p:nvPr>
-            <p:ph type="dt" sz="half" idx="12"/>
-          </p:nvPr>
-        </p:nvSpPr>
-        <p:spPr/>
-        <p:txBody>
-          <a:bodyPr/>
-          <a:lstStyle/>
-          <a:p>
-            <a:fld id="{027287E7-C195-4956-AB5F-C5E4FB6E648D}" type="datetime10">
-              <a:rPr lang="zh-CN" altLang="en-US" smtClean="0"/>
-              <a:t>11:43</a:t>
-            </a:fld>
-            <a:endParaRPr lang="zh-CN" altLang="en-US"/>
-          </a:p>
-        </p:txBody>
-      </p:sp>
-      <p:sp>
-        <p:nvSpPr>
-          <p:cNvPr id="6" name="TextBox 5"/>
-          <p:cNvSpPr txBox="1"/>
-          <p:nvPr/>
-        </p:nvSpPr>
-        <p:spPr>
-          <a:xfrm>
-            <a:off x="179512" y="2060848"/>
-            <a:ext cx="7416824" cy="2308324"/>
-          </a:xfrm>
-          <a:prstGeom prst="rect">
-            <a:avLst/>
-          </a:prstGeom>
-          <a:noFill/>
-        </p:spPr>
-        <p:txBody>
-          <a:bodyPr wrap="square" rtlCol="0">
-            <a:spAutoFit/>
-          </a:bodyPr>
-          <a:lstStyle/>
-          <a:p>
-            <a:pPr marL="342900" indent="-342900">
-              <a:lnSpc>
-                <a:spcPct val="150000"/>
-              </a:lnSpc>
-              <a:buFont typeface="Wingdings" pitchFamily="2" charset="2"/>
-              <a:buChar char="Ø"/>
-            </a:pPr>
-            <a:r>
-              <a:rPr lang="en-US" altLang="zh-CN" sz="2400" dirty="0" smtClean="0"/>
-              <a:t>Solution</a:t>
-            </a:r>
-          </a:p>
-          <a:p>
-            <a:pPr marL="800100" lvl="1" indent="-342900">
-              <a:lnSpc>
-                <a:spcPct val="150000"/>
-              </a:lnSpc>
-              <a:buFont typeface="Wingdings" pitchFamily="2" charset="2"/>
-              <a:buChar char="Ø"/>
-            </a:pPr>
-            <a:r>
-              <a:rPr lang="en-US" altLang="zh-CN" sz="2400" dirty="0" smtClean="0"/>
-              <a:t>Project</a:t>
-            </a:r>
-          </a:p>
-          <a:p>
-            <a:pPr marL="1257300" lvl="2" indent="-342900">
-              <a:lnSpc>
-                <a:spcPct val="150000"/>
-              </a:lnSpc>
-              <a:buFont typeface="Arial" pitchFamily="34" charset="0"/>
-              <a:buChar char="•"/>
-            </a:pPr>
-            <a:r>
-              <a:rPr lang="en-US" altLang="zh-CN" sz="2400" dirty="0" smtClean="0"/>
-              <a:t>Win32 Console Application</a:t>
-            </a:r>
-          </a:p>
-          <a:p>
-            <a:pPr marL="1257300" lvl="2" indent="-342900">
-              <a:lnSpc>
-                <a:spcPct val="150000"/>
-              </a:lnSpc>
-              <a:buFont typeface="Arial" pitchFamily="34" charset="0"/>
-              <a:buChar char="•"/>
-            </a:pPr>
-            <a:r>
-              <a:rPr lang="en-US" altLang="zh-CN" sz="2400" dirty="0" smtClean="0"/>
-              <a:t>MFC Application</a:t>
-            </a:r>
-          </a:p>
-        </p:txBody>
-      </p:sp>
-      <p:sp>
-        <p:nvSpPr>
-          <p:cNvPr id="7" name="TextBox 6"/>
-          <p:cNvSpPr txBox="1"/>
-          <p:nvPr/>
-        </p:nvSpPr>
-        <p:spPr>
-          <a:xfrm>
-            <a:off x="539552" y="4869160"/>
-            <a:ext cx="6552728" cy="1200329"/>
-          </a:xfrm>
-          <a:prstGeom prst="rect">
-            <a:avLst/>
-          </a:prstGeom>
-          <a:noFill/>
-        </p:spPr>
-        <p:txBody>
-          <a:bodyPr wrap="square" rtlCol="0">
-            <a:spAutoFit/>
-          </a:bodyPr>
-          <a:lstStyle/>
-          <a:p>
-            <a:pPr>
-              <a:lnSpc>
-                <a:spcPct val="150000"/>
-              </a:lnSpc>
-            </a:pPr>
-            <a:r>
-              <a:rPr lang="zh-CN" altLang="en-US" sz="2400" b="1" dirty="0" smtClean="0"/>
-              <a:t>顶级组织：解决方案</a:t>
-            </a:r>
-            <a:r>
-              <a:rPr lang="en-US" altLang="zh-CN" sz="2400" b="1" dirty="0" smtClean="0"/>
-              <a:t>(Solution)</a:t>
-            </a:r>
-            <a:endParaRPr lang="en-US" altLang="zh-CN" sz="2400" b="1" dirty="0"/>
-          </a:p>
-          <a:p>
-            <a:pPr>
-              <a:lnSpc>
-                <a:spcPct val="150000"/>
-              </a:lnSpc>
-            </a:pPr>
-            <a:r>
-              <a:rPr lang="zh-CN" altLang="en-US" sz="2400" b="1" dirty="0" smtClean="0"/>
-              <a:t>一个解决方案中可以管理多个项目</a:t>
-            </a:r>
-            <a:r>
-              <a:rPr lang="en-US" altLang="zh-CN" sz="2400" b="1" dirty="0" smtClean="0"/>
-              <a:t>(Project)</a:t>
-            </a:r>
-          </a:p>
-        </p:txBody>
-      </p:sp>
-      <p:sp>
-        <p:nvSpPr>
-          <p:cNvPr id="8" name="TextBox 7"/>
-          <p:cNvSpPr txBox="1"/>
-          <p:nvPr/>
-        </p:nvSpPr>
-        <p:spPr>
-          <a:xfrm>
-            <a:off x="5310336" y="2060848"/>
-            <a:ext cx="3563888" cy="3046988"/>
-          </a:xfrm>
-          <a:prstGeom prst="rect">
-            <a:avLst/>
-          </a:prstGeom>
-          <a:solidFill>
-            <a:srgbClr val="FFFF00"/>
-          </a:solidFill>
-        </p:spPr>
-        <p:txBody>
-          <a:bodyPr wrap="square" rtlCol="0">
-            <a:spAutoFit/>
-          </a:bodyPr>
-          <a:lstStyle/>
-          <a:p>
-            <a:r>
-              <a:rPr lang="en-US" altLang="zh-CN" sz="2400" dirty="0" smtClean="0"/>
-              <a:t>File</a:t>
-            </a:r>
-            <a:r>
-              <a:rPr lang="zh-CN" altLang="en-US" sz="2400" dirty="0" smtClean="0"/>
-              <a:t>菜单选择新建项目</a:t>
-            </a:r>
-            <a:endParaRPr lang="en-US" altLang="zh-CN" sz="2400" dirty="0" smtClean="0"/>
-          </a:p>
-          <a:p>
-            <a:r>
-              <a:rPr lang="zh-CN" altLang="en-US" sz="2400" dirty="0" smtClean="0"/>
-              <a:t>选择项目类型</a:t>
-            </a:r>
-            <a:endParaRPr lang="en-US" altLang="zh-CN" sz="2400" dirty="0" smtClean="0"/>
-          </a:p>
-          <a:p>
-            <a:r>
-              <a:rPr lang="en-US" altLang="zh-CN" sz="2400" dirty="0" smtClean="0"/>
-              <a:t>Name</a:t>
-            </a:r>
-            <a:r>
-              <a:rPr lang="zh-CN" altLang="en-US" sz="2400" dirty="0" smtClean="0"/>
-              <a:t>：项目名称</a:t>
-            </a:r>
-            <a:endParaRPr lang="en-US" altLang="zh-CN" sz="2400" dirty="0" smtClean="0"/>
-          </a:p>
-          <a:p>
-            <a:r>
-              <a:rPr lang="en-US" altLang="zh-CN" sz="2400" dirty="0" smtClean="0"/>
-              <a:t>Location: </a:t>
-            </a:r>
-            <a:r>
-              <a:rPr lang="zh-CN" altLang="en-US" sz="2400" dirty="0" smtClean="0"/>
-              <a:t>存储路径</a:t>
-            </a:r>
-            <a:endParaRPr lang="en-US" altLang="zh-CN" sz="2400" dirty="0" smtClean="0"/>
-          </a:p>
-          <a:p>
-            <a:r>
-              <a:rPr lang="en-US" altLang="zh-CN" sz="2400" dirty="0" smtClean="0"/>
-              <a:t>Solution: </a:t>
-            </a:r>
-            <a:r>
-              <a:rPr lang="zh-CN" altLang="en-US" sz="2400" dirty="0" smtClean="0"/>
-              <a:t>选择新建或添加到已有解决方案</a:t>
-            </a:r>
-            <a:endParaRPr lang="en-US" altLang="zh-CN" sz="2400" dirty="0"/>
-          </a:p>
-          <a:p>
-            <a:r>
-              <a:rPr lang="en-US" altLang="zh-CN" sz="2400" dirty="0" smtClean="0"/>
-              <a:t>Solution </a:t>
-            </a:r>
-            <a:r>
-              <a:rPr lang="en-US" altLang="zh-CN" sz="2400" dirty="0"/>
-              <a:t>name: </a:t>
-            </a:r>
-            <a:r>
-              <a:rPr lang="zh-CN" altLang="en-US" sz="2400" dirty="0" smtClean="0"/>
-              <a:t>解决方案名称</a:t>
-            </a:r>
-            <a:endParaRPr lang="zh-CN" altLang="en-US" sz="2400" dirty="0"/>
-          </a:p>
-        </p:txBody>
-      </p:sp>
-    </p:spTree>
-    <p:extLst>
-      <p:ext uri="{BB962C8B-B14F-4D97-AF65-F5344CB8AC3E}">
-        <p14:creationId xmlns:p14="http://schemas.microsoft.com/office/powerpoint/2010/main" val="2643245021"/>
-      </p:ext>
-    </p:extLst>
-  </p:cSld>
-  <p:clrMapOvr>
-    <a:masterClrMapping/>
-  </p:clrMapOvr>
-  <p:transition>
-    <p:random/>
-  </p:transition>
-</p:sld>
-</file>
-
-<file path=ppt/slides/slide5.xml><?xml version="1.0" encoding="utf-8"?>
-<p:sld xmlns:a="http://schemas.openxmlformats.org/drawingml/2006/main" xmlns:r="http://schemas.openxmlformats.org/officeDocument/2006/relationships" xmlns:p="http://schemas.openxmlformats.org/presentationml/2006/main">
-  <p:cSld>
-    <p:spTree>
-      <p:nvGrpSpPr>
-        <p:cNvPr id="1" name=""/>
-        <p:cNvGrpSpPr/>
-        <p:nvPr/>
-      </p:nvGrpSpPr>
-      <p:grpSpPr>
-        <a:xfrm>
-          <a:off x="0" y="0"/>
-          <a:ext cx="0" cy="0"/>
-          <a:chOff x="0" y="0"/>
-          <a:chExt cx="0" cy="0"/>
-        </a:xfrm>
-      </p:grpSpPr>
-      <p:sp>
-        <p:nvSpPr>
-          <p:cNvPr id="2" name="标题 1"/>
-          <p:cNvSpPr>
-            <a:spLocks noGrp="1"/>
-          </p:cNvSpPr>
-          <p:nvPr>
-            <p:ph type="title"/>
-          </p:nvPr>
-        </p:nvSpPr>
-        <p:spPr>
-          <a:xfrm>
-            <a:off x="0" y="620688"/>
-            <a:ext cx="8612188" cy="998538"/>
-          </a:xfrm>
-        </p:spPr>
-        <p:txBody>
-          <a:bodyPr/>
-          <a:lstStyle/>
-          <a:p>
-            <a:r>
-              <a:rPr lang="zh-CN" altLang="en-US" dirty="0" smtClean="0"/>
-              <a:t>控制台应用程序</a:t>
-            </a:r>
-            <a:r>
-              <a:rPr lang="en-US" altLang="zh-CN" dirty="0" smtClean="0"/>
-              <a:t>(Console Application)</a:t>
-            </a:r>
-            <a:endParaRPr lang="zh-CN" altLang="en-US" dirty="0"/>
-          </a:p>
-        </p:txBody>
-      </p:sp>
-      <p:sp>
-        <p:nvSpPr>
-          <p:cNvPr id="3" name="页脚占位符 2"/>
-          <p:cNvSpPr>
-            <a:spLocks noGrp="1"/>
-          </p:cNvSpPr>
-          <p:nvPr>
-            <p:ph type="ftr" sz="quarter" idx="10"/>
-          </p:nvPr>
-        </p:nvSpPr>
-        <p:spPr/>
-        <p:txBody>
-          <a:bodyPr/>
-          <a:lstStyle/>
-          <a:p>
-            <a:pPr algn="l"/>
-            <a:r>
-              <a:rPr lang="en-US" altLang="zh-CN" smtClean="0"/>
-              <a:t>C</a:t>
-            </a:r>
-            <a:r>
-              <a:rPr lang="zh-CN" altLang="en-US" smtClean="0"/>
-              <a:t>语言课程设计</a:t>
-            </a:r>
-            <a:endParaRPr lang="zh-CN" altLang="en-US" dirty="0"/>
-          </a:p>
-        </p:txBody>
-      </p:sp>
-      <p:sp>
-        <p:nvSpPr>
-          <p:cNvPr id="4" name="灯片编号占位符 3"/>
-          <p:cNvSpPr>
-            <a:spLocks noGrp="1"/>
-          </p:cNvSpPr>
-          <p:nvPr>
-            <p:ph type="sldNum" sz="quarter" idx="11"/>
-          </p:nvPr>
-        </p:nvSpPr>
-        <p:spPr/>
-        <p:txBody>
-          <a:bodyPr/>
-          <a:lstStyle/>
-          <a:p>
-            <a:fld id="{C76E37F9-B586-484A-A7DE-14715ACABBC7}" type="slidenum">
-              <a:rPr lang="zh-CN" altLang="en-US" smtClean="0"/>
-              <a:t>5</a:t>
-            </a:fld>
-            <a:endParaRPr lang="zh-CN" altLang="en-US"/>
-          </a:p>
-        </p:txBody>
-      </p:sp>
-      <p:sp>
-        <p:nvSpPr>
-          <p:cNvPr id="5" name="日期占位符 4"/>
-          <p:cNvSpPr>
-            <a:spLocks noGrp="1"/>
-          </p:cNvSpPr>
-          <p:nvPr>
-            <p:ph type="dt" sz="half" idx="12"/>
-          </p:nvPr>
-        </p:nvSpPr>
-        <p:spPr/>
-        <p:txBody>
-          <a:bodyPr/>
-          <a:lstStyle/>
-          <a:p>
-            <a:fld id="{027287E7-C195-4956-AB5F-C5E4FB6E648D}" type="datetime10">
-              <a:rPr lang="zh-CN" altLang="en-US" smtClean="0"/>
-              <a:t>11:25</a:t>
-            </a:fld>
-            <a:endParaRPr lang="zh-CN" altLang="en-US"/>
-          </a:p>
-        </p:txBody>
-      </p:sp>
-      <p:pic>
-        <p:nvPicPr>
-          <p:cNvPr id="1026" name="Picture 2"/>
-          <p:cNvPicPr>
-            <a:picLocks noChangeAspect="1" noChangeArrowheads="1"/>
-          </p:cNvPicPr>
-          <p:nvPr/>
-        </p:nvPicPr>
-        <p:blipFill>
-          <a:blip r:embed="rId2">
-            <a:extLst>
-              <a:ext uri="{28A0092B-C50C-407E-A947-70E740481C1C}">
-                <a14:useLocalDpi xmlns:a14="http://schemas.microsoft.com/office/drawing/2010/main" val="0"/>
-              </a:ext>
-            </a:extLst>
-          </a:blip>
-          <a:srcRect/>
-          <a:stretch>
-            <a:fillRect/>
-          </a:stretch>
-        </p:blipFill>
-        <p:spPr bwMode="auto">
-          <a:xfrm>
-            <a:off x="683568" y="1559832"/>
-            <a:ext cx="7776864" cy="4948136"/>
-          </a:xfrm>
-          <a:prstGeom prst="rect">
-            <a:avLst/>
-          </a:prstGeom>
-          <a:noFill/>
-          <a:ln>
-            <a:noFill/>
-          </a:ln>
-          <a:effectLst/>
-          <a:extLst>
-            <a:ext uri="{909E8E84-426E-40DD-AFC4-6F175D3DCCD1}">
-              <a14:hiddenFill xmlns:a14="http://schemas.microsoft.com/office/drawing/2010/main">
-                <a:solidFill>
-                  <a:schemeClr val="accent1"/>
-                </a:solidFill>
-              </a14:hiddenFill>
-            </a:ext>
-            <a:ext uri="{91240B29-F687-4F45-9708-019B960494DF}">
-              <a14:hiddenLine xmlns:a14="http://schemas.microsoft.com/office/drawing/2010/main" w="9525">
-                <a:solidFill>
-                  <a:schemeClr val="tx1"/>
-                </a:solidFill>
-                <a:miter lim="800000"/>
-                <a:headEnd/>
-                <a:tailEnd/>
-              </a14:hiddenLine>
-            </a:ext>
-            <a:ext uri="{AF507438-7753-43E0-B8FC-AC1667EBCBE1}">
-              <a14:hiddenEffects xmlns:a14="http://schemas.microsoft.com/office/drawing/2010/main">
-                <a:effectLst>
-                  <a:outerShdw dist="35921" dir="2700000" algn="ctr" rotWithShape="0">
-                    <a:schemeClr val="bg2"/>
-                  </a:outerShdw>
-                </a:effectLst>
-              </a14:hiddenEffects>
-            </a:ext>
-          </a:extLst>
-        </p:spPr>
-      </p:pic>
-    </p:spTree>
-    <p:extLst>
-      <p:ext uri="{BB962C8B-B14F-4D97-AF65-F5344CB8AC3E}">
-        <p14:creationId xmlns:p14="http://schemas.microsoft.com/office/powerpoint/2010/main" val="3034228836"/>
-      </p:ext>
-    </p:extLst>
-  </p:cSld>
-  <p:clrMapOvr>
-    <a:masterClrMapping/>
-  </p:clrMapOvr>
-  <p:transition>
-    <p:random/>
-  </p:transition>
-</p:sld>
-</file>
-
-<file path=ppt/slides/slide6.xml><?xml version="1.0" encoding="utf-8"?>
-<p:sld xmlns:a="http://schemas.openxmlformats.org/drawingml/2006/main" xmlns:r="http://schemas.openxmlformats.org/officeDocument/2006/relationships" xmlns:p="http://schemas.openxmlformats.org/presentationml/2006/main">
-  <p:cSld>
-    <p:spTree>
-      <p:nvGrpSpPr>
-        <p:cNvPr id="1" name=""/>
-        <p:cNvGrpSpPr/>
-        <p:nvPr/>
-      </p:nvGrpSpPr>
-      <p:grpSpPr>
-        <a:xfrm>
-          <a:off x="0" y="0"/>
-          <a:ext cx="0" cy="0"/>
-          <a:chOff x="0" y="0"/>
-          <a:chExt cx="0" cy="0"/>
-        </a:xfrm>
-      </p:grpSpPr>
-      <p:sp>
-        <p:nvSpPr>
-          <p:cNvPr id="2" name="标题 1"/>
-          <p:cNvSpPr>
-            <a:spLocks noGrp="1"/>
-          </p:cNvSpPr>
-          <p:nvPr>
-            <p:ph type="title"/>
-          </p:nvPr>
-        </p:nvSpPr>
-        <p:spPr/>
-        <p:txBody>
-          <a:bodyPr/>
-          <a:lstStyle/>
-          <a:p>
-            <a:r>
-              <a:rPr lang="zh-CN" altLang="en-US" dirty="0" smtClean="0"/>
-              <a:t>控制台应用程序框架</a:t>
-            </a:r>
-            <a:endParaRPr lang="zh-CN" altLang="en-US" dirty="0"/>
-          </a:p>
-        </p:txBody>
-      </p:sp>
-      <p:sp>
-        <p:nvSpPr>
-          <p:cNvPr id="3" name="页脚占位符 2"/>
-          <p:cNvSpPr>
-            <a:spLocks noGrp="1"/>
-          </p:cNvSpPr>
-          <p:nvPr>
-            <p:ph type="ftr" sz="quarter" idx="10"/>
-          </p:nvPr>
-        </p:nvSpPr>
-        <p:spPr/>
-        <p:txBody>
-          <a:bodyPr/>
-          <a:lstStyle/>
-          <a:p>
-            <a:pPr algn="l"/>
-            <a:r>
-              <a:rPr lang="en-US" altLang="zh-CN" smtClean="0"/>
-              <a:t>C</a:t>
-            </a:r>
-            <a:r>
-              <a:rPr lang="zh-CN" altLang="en-US" smtClean="0"/>
-              <a:t>语言课程设计</a:t>
-            </a:r>
-            <a:endParaRPr lang="zh-CN" altLang="en-US" dirty="0"/>
-          </a:p>
-        </p:txBody>
-      </p:sp>
-      <p:sp>
-        <p:nvSpPr>
-          <p:cNvPr id="4" name="灯片编号占位符 3"/>
-          <p:cNvSpPr>
-            <a:spLocks noGrp="1"/>
-          </p:cNvSpPr>
-          <p:nvPr>
-            <p:ph type="sldNum" sz="quarter" idx="11"/>
-          </p:nvPr>
-        </p:nvSpPr>
-        <p:spPr/>
-        <p:txBody>
-          <a:bodyPr/>
-          <a:lstStyle/>
-          <a:p>
-            <a:fld id="{C76E37F9-B586-484A-A7DE-14715ACABBC7}" type="slidenum">
-              <a:rPr lang="zh-CN" altLang="en-US" smtClean="0"/>
-              <a:t>6</a:t>
-            </a:fld>
-            <a:endParaRPr lang="zh-CN" altLang="en-US"/>
-          </a:p>
-        </p:txBody>
-      </p:sp>
-      <p:sp>
-        <p:nvSpPr>
-          <p:cNvPr id="5" name="日期占位符 4"/>
-          <p:cNvSpPr>
-            <a:spLocks noGrp="1"/>
-          </p:cNvSpPr>
-          <p:nvPr>
-            <p:ph type="dt" sz="half" idx="12"/>
-          </p:nvPr>
-        </p:nvSpPr>
-        <p:spPr/>
-        <p:txBody>
-          <a:bodyPr/>
-          <a:lstStyle/>
-          <a:p>
-            <a:fld id="{027287E7-C195-4956-AB5F-C5E4FB6E648D}" type="datetime10">
-              <a:rPr lang="zh-CN" altLang="en-US" smtClean="0"/>
-              <a:t>11:55</a:t>
-            </a:fld>
-            <a:endParaRPr lang="zh-CN" altLang="en-US"/>
-          </a:p>
-        </p:txBody>
-      </p:sp>
-      <p:sp>
-        <p:nvSpPr>
-          <p:cNvPr id="6" name="TextBox 5"/>
-          <p:cNvSpPr txBox="1"/>
-          <p:nvPr/>
-        </p:nvSpPr>
-        <p:spPr>
-          <a:xfrm>
-            <a:off x="755576" y="2204864"/>
-            <a:ext cx="6984776" cy="2031325"/>
-          </a:xfrm>
-          <a:prstGeom prst="rect">
-            <a:avLst/>
-          </a:prstGeom>
-          <a:noFill/>
-        </p:spPr>
-        <p:txBody>
-          <a:bodyPr wrap="square" rtlCol="0">
-            <a:spAutoFit/>
-          </a:bodyPr>
-          <a:lstStyle/>
-          <a:p>
-            <a:r>
-              <a:rPr lang="en-US" altLang="zh-CN" dirty="0"/>
-              <a:t>#include "</a:t>
-            </a:r>
-            <a:r>
-              <a:rPr lang="en-US" altLang="zh-CN" dirty="0" err="1"/>
-              <a:t>stdafx.h</a:t>
-            </a:r>
-            <a:r>
-              <a:rPr lang="en-US" altLang="zh-CN" dirty="0"/>
-              <a:t>"</a:t>
-            </a:r>
-          </a:p>
-          <a:p>
-            <a:r>
-              <a:rPr lang="en-US" altLang="zh-CN" dirty="0" err="1" smtClean="0"/>
-              <a:t>int</a:t>
-            </a:r>
-            <a:r>
-              <a:rPr lang="en-US" altLang="zh-CN" dirty="0" smtClean="0"/>
-              <a:t> </a:t>
-            </a:r>
-            <a:r>
-              <a:rPr lang="en-US" altLang="zh-CN" dirty="0"/>
-              <a:t>_</a:t>
-            </a:r>
-            <a:r>
-              <a:rPr lang="en-US" altLang="zh-CN" dirty="0" err="1"/>
-              <a:t>tmain</a:t>
-            </a:r>
-            <a:r>
-              <a:rPr lang="en-US" altLang="zh-CN" dirty="0"/>
-              <a:t>(</a:t>
-            </a:r>
-            <a:r>
-              <a:rPr lang="en-US" altLang="zh-CN" dirty="0" err="1"/>
-              <a:t>int</a:t>
-            </a:r>
-            <a:r>
-              <a:rPr lang="en-US" altLang="zh-CN" dirty="0"/>
-              <a:t> </a:t>
-            </a:r>
-            <a:r>
-              <a:rPr lang="en-US" altLang="zh-CN" dirty="0" err="1"/>
-              <a:t>argc</a:t>
-            </a:r>
-            <a:r>
-              <a:rPr lang="en-US" altLang="zh-CN" dirty="0"/>
-              <a:t>, _TCHAR* </a:t>
-            </a:r>
-            <a:r>
-              <a:rPr lang="en-US" altLang="zh-CN" dirty="0" err="1"/>
-              <a:t>argv</a:t>
-            </a:r>
-            <a:r>
-              <a:rPr lang="en-US" altLang="zh-CN" dirty="0"/>
-              <a:t>[])</a:t>
-            </a:r>
-          </a:p>
-          <a:p>
-            <a:r>
-              <a:rPr lang="en-US" altLang="zh-CN" dirty="0"/>
-              <a:t>{</a:t>
-            </a:r>
-          </a:p>
-          <a:p>
-            <a:r>
-              <a:rPr lang="en-US" altLang="zh-CN" dirty="0" smtClean="0"/>
-              <a:t>       </a:t>
-            </a:r>
-            <a:r>
-              <a:rPr lang="en-US" altLang="zh-CN" dirty="0" err="1" smtClean="0"/>
-              <a:t>printf</a:t>
-            </a:r>
-            <a:r>
-              <a:rPr lang="en-US" altLang="zh-CN" dirty="0"/>
-              <a:t>("Hello world</a:t>
-            </a:r>
-            <a:r>
-              <a:rPr lang="zh-CN" altLang="en-US" dirty="0"/>
-              <a:t>！</a:t>
-            </a:r>
-            <a:r>
-              <a:rPr lang="en-US" altLang="zh-CN" dirty="0"/>
-              <a:t>");</a:t>
-            </a:r>
-          </a:p>
-          <a:p>
-            <a:r>
-              <a:rPr lang="en-US" altLang="zh-CN" dirty="0" smtClean="0"/>
-              <a:t>       </a:t>
-            </a:r>
-            <a:r>
-              <a:rPr lang="en-US" altLang="zh-CN" dirty="0" err="1" smtClean="0"/>
-              <a:t>getchar</a:t>
-            </a:r>
-            <a:r>
-              <a:rPr lang="en-US" altLang="zh-CN" dirty="0"/>
-              <a:t>();</a:t>
-            </a:r>
-          </a:p>
-          <a:p>
-            <a:r>
-              <a:rPr lang="en-US" altLang="zh-CN" dirty="0" smtClean="0"/>
-              <a:t>       return </a:t>
-            </a:r>
-            <a:r>
-              <a:rPr lang="en-US" altLang="zh-CN" dirty="0"/>
-              <a:t>0;</a:t>
-            </a:r>
-          </a:p>
-          <a:p>
-            <a:r>
-              <a:rPr lang="en-US" altLang="zh-CN" dirty="0"/>
-              <a:t>}</a:t>
-            </a:r>
-            <a:endParaRPr lang="zh-CN" altLang="en-US" dirty="0"/>
-          </a:p>
-        </p:txBody>
-      </p:sp>
-      <p:pic>
-        <p:nvPicPr>
-          <p:cNvPr id="2050" name="Picture 2"/>
-          <p:cNvPicPr>
-            <a:picLocks noChangeAspect="1" noChangeArrowheads="1"/>
-          </p:cNvPicPr>
-          <p:nvPr/>
-        </p:nvPicPr>
-        <p:blipFill>
-          <a:blip r:embed="rId2">
-            <a:extLst>
-              <a:ext uri="{28A0092B-C50C-407E-A947-70E740481C1C}">
-                <a14:useLocalDpi xmlns:a14="http://schemas.microsoft.com/office/drawing/2010/main" val="0"/>
-              </a:ext>
-            </a:extLst>
-          </a:blip>
-          <a:srcRect/>
-          <a:stretch>
-            <a:fillRect/>
-          </a:stretch>
-        </p:blipFill>
-        <p:spPr bwMode="auto">
-          <a:xfrm>
-            <a:off x="5220072" y="1700808"/>
-            <a:ext cx="3424039" cy="4580654"/>
-          </a:xfrm>
-          <a:prstGeom prst="rect">
-            <a:avLst/>
-          </a:prstGeom>
-          <a:noFill/>
-          <a:ln>
-            <a:noFill/>
-          </a:ln>
-          <a:effectLst/>
-          <a:extLst>
-            <a:ext uri="{909E8E84-426E-40DD-AFC4-6F175D3DCCD1}">
-              <a14:hiddenFill xmlns:a14="http://schemas.microsoft.com/office/drawing/2010/main">
-                <a:solidFill>
-                  <a:schemeClr val="accent1"/>
-                </a:solidFill>
-              </a14:hiddenFill>
-            </a:ext>
-            <a:ext uri="{91240B29-F687-4F45-9708-019B960494DF}">
-              <a14:hiddenLine xmlns:a14="http://schemas.microsoft.com/office/drawing/2010/main" w="9525">
-                <a:solidFill>
-                  <a:schemeClr val="tx1"/>
-                </a:solidFill>
-                <a:miter lim="800000"/>
-                <a:headEnd/>
-                <a:tailEnd/>
-              </a14:hiddenLine>
-            </a:ext>
-            <a:ext uri="{AF507438-7753-43E0-B8FC-AC1667EBCBE1}">
-              <a14:hiddenEffects xmlns:a14="http://schemas.microsoft.com/office/drawing/2010/main">
-                <a:effectLst>
-                  <a:outerShdw dist="35921" dir="2700000" algn="ctr" rotWithShape="0">
-                    <a:schemeClr val="bg2"/>
-                  </a:outerShdw>
-                </a:effectLst>
-              </a14:hiddenEffects>
-            </a:ext>
-          </a:extLst>
-        </p:spPr>
-      </p:pic>
-    </p:spTree>
-    <p:extLst>
-      <p:ext uri="{BB962C8B-B14F-4D97-AF65-F5344CB8AC3E}">
-        <p14:creationId xmlns:p14="http://schemas.microsoft.com/office/powerpoint/2010/main" val="1227864384"/>
-      </p:ext>
-    </p:extLst>
-  </p:cSld>
-  <p:clrMapOvr>
-    <a:masterClrMapping/>
-  </p:clrMapOvr>
-  <p:transition>
-    <p:random/>
-  </p:transition>
-</p:sld>
-</file>
-
-<file path=ppt/slides/slide7.xml><?xml version="1.0" encoding="utf-8"?>
-<p:sld xmlns:a="http://schemas.openxmlformats.org/drawingml/2006/main" xmlns:r="http://schemas.openxmlformats.org/officeDocument/2006/relationships" xmlns:p="http://schemas.openxmlformats.org/presentationml/2006/main">
-  <p:cSld>
-    <p:spTree>
-      <p:nvGrpSpPr>
-        <p:cNvPr id="1" name=""/>
-        <p:cNvGrpSpPr/>
-        <p:nvPr/>
-      </p:nvGrpSpPr>
-      <p:grpSpPr>
-        <a:xfrm>
-          <a:off x="0" y="0"/>
-          <a:ext cx="0" cy="0"/>
-          <a:chOff x="0" y="0"/>
-          <a:chExt cx="0" cy="0"/>
-        </a:xfrm>
-      </p:grpSpPr>
-      <p:sp>
-        <p:nvSpPr>
-          <p:cNvPr id="2" name="标题 1"/>
-          <p:cNvSpPr>
-            <a:spLocks noGrp="1"/>
-          </p:cNvSpPr>
-          <p:nvPr>
-            <p:ph type="title"/>
-          </p:nvPr>
-        </p:nvSpPr>
-        <p:spPr>
-          <a:xfrm>
-            <a:off x="352425" y="-243408"/>
-            <a:ext cx="8612188" cy="998538"/>
-          </a:xfrm>
-        </p:spPr>
-        <p:txBody>
-          <a:bodyPr/>
-          <a:lstStyle/>
-          <a:p>
-            <a:r>
-              <a:rPr lang="en-US" altLang="zh-CN" sz="3600" dirty="0" smtClean="0">
-                <a:solidFill>
-                  <a:schemeClr val="bg1"/>
-                </a:solidFill>
-              </a:rPr>
-              <a:t>Microsoft Visual Studio</a:t>
-            </a:r>
-            <a:endParaRPr lang="zh-CN" altLang="en-US" sz="3600" dirty="0">
-              <a:solidFill>
-                <a:schemeClr val="bg1"/>
-              </a:solidFill>
-            </a:endParaRPr>
-          </a:p>
-        </p:txBody>
-      </p:sp>
-      <p:sp>
-        <p:nvSpPr>
-          <p:cNvPr id="3" name="TextBox 2"/>
-          <p:cNvSpPr txBox="1"/>
-          <p:nvPr/>
-        </p:nvSpPr>
-        <p:spPr>
-          <a:xfrm>
-            <a:off x="157126" y="836712"/>
-            <a:ext cx="4228510" cy="4662815"/>
-          </a:xfrm>
-          <a:prstGeom prst="rect">
-            <a:avLst/>
-          </a:prstGeom>
-          <a:noFill/>
-        </p:spPr>
-        <p:txBody>
-          <a:bodyPr wrap="square" rtlCol="0">
-            <a:spAutoFit/>
-          </a:bodyPr>
-          <a:lstStyle/>
-          <a:p>
-            <a:pPr marL="285750" indent="-285750">
-              <a:lnSpc>
-                <a:spcPct val="150000"/>
-              </a:lnSpc>
-              <a:buFont typeface="Wingdings" panose="05000000000000000000" pitchFamily="2" charset="2"/>
-              <a:buChar char="u"/>
-            </a:pPr>
-            <a:r>
-              <a:rPr lang="zh-CN" altLang="en-US" dirty="0"/>
-              <a:t>解决</a:t>
-            </a:r>
-            <a:r>
-              <a:rPr lang="zh-CN" altLang="en-US" dirty="0" smtClean="0"/>
-              <a:t>方案文件：</a:t>
-            </a:r>
-            <a:endParaRPr lang="en-US" altLang="zh-CN" dirty="0" smtClean="0"/>
-          </a:p>
-          <a:p>
-            <a:pPr lvl="1">
-              <a:lnSpc>
-                <a:spcPct val="150000"/>
-              </a:lnSpc>
-            </a:pPr>
-            <a:r>
-              <a:rPr lang="en-US" altLang="zh-CN" dirty="0" smtClean="0"/>
-              <a:t>Garage_mfc.sln</a:t>
-            </a:r>
-            <a:r>
-              <a:rPr lang="zh-CN" altLang="en-US" dirty="0" smtClean="0"/>
-              <a:t>（双击按文件，打开</a:t>
-            </a:r>
-            <a:r>
-              <a:rPr lang="en-US" altLang="zh-CN" dirty="0" smtClean="0"/>
-              <a:t>VS2013</a:t>
-            </a:r>
-            <a:r>
-              <a:rPr lang="zh-CN" altLang="en-US" dirty="0" smtClean="0"/>
-              <a:t>）</a:t>
-            </a:r>
-            <a:endParaRPr lang="en-US" altLang="zh-CN" dirty="0" smtClean="0"/>
-          </a:p>
-          <a:p>
-            <a:pPr marL="285750" indent="-285750">
-              <a:lnSpc>
-                <a:spcPct val="150000"/>
-              </a:lnSpc>
-              <a:buFont typeface="Wingdings" panose="05000000000000000000" pitchFamily="2" charset="2"/>
-              <a:buChar char="u"/>
-            </a:pPr>
-            <a:r>
-              <a:rPr lang="zh-CN" altLang="en-US" dirty="0"/>
-              <a:t>两</a:t>
-            </a:r>
-            <a:r>
-              <a:rPr lang="zh-CN" altLang="en-US" dirty="0" smtClean="0"/>
-              <a:t>个项目</a:t>
-            </a:r>
-            <a:r>
-              <a:rPr lang="en-US" altLang="zh-CN" dirty="0" smtClean="0"/>
-              <a:t>:</a:t>
-            </a:r>
-          </a:p>
-          <a:p>
-            <a:pPr marL="742950" lvl="1" indent="-285750">
-              <a:lnSpc>
-                <a:spcPct val="150000"/>
-              </a:lnSpc>
-              <a:buFont typeface="Wingdings" panose="05000000000000000000" pitchFamily="2" charset="2"/>
-              <a:buChar char="Ø"/>
-            </a:pPr>
-            <a:r>
-              <a:rPr lang="en-US" altLang="zh-CN" dirty="0" err="1" smtClean="0"/>
-              <a:t>Garage_dialog</a:t>
-            </a:r>
-            <a:r>
-              <a:rPr lang="en-US" altLang="zh-CN" dirty="0" smtClean="0"/>
-              <a:t> </a:t>
-            </a:r>
-            <a:r>
-              <a:rPr lang="zh-CN" altLang="en-US" dirty="0" smtClean="0"/>
-              <a:t>车库门</a:t>
-            </a:r>
-            <a:endParaRPr lang="en-US" altLang="zh-CN" dirty="0" smtClean="0"/>
-          </a:p>
-          <a:p>
-            <a:pPr lvl="2">
-              <a:lnSpc>
-                <a:spcPct val="150000"/>
-              </a:lnSpc>
-            </a:pPr>
-            <a:r>
-              <a:rPr lang="en-US" altLang="zh-CN" dirty="0" err="1" smtClean="0"/>
-              <a:t>GarageLib.h</a:t>
-            </a:r>
-            <a:r>
-              <a:rPr lang="en-US" altLang="zh-CN" dirty="0" smtClean="0"/>
-              <a:t> </a:t>
-            </a:r>
-            <a:r>
-              <a:rPr lang="zh-CN" altLang="en-US" dirty="0" smtClean="0"/>
-              <a:t>库函数说明</a:t>
-            </a:r>
-            <a:r>
-              <a:rPr lang="en-US" altLang="zh-CN" dirty="0" smtClean="0"/>
-              <a:t>garage.cpp </a:t>
-            </a:r>
-            <a:r>
-              <a:rPr lang="zh-CN" altLang="en-US" dirty="0" smtClean="0"/>
-              <a:t>状态机代码</a:t>
-            </a:r>
-            <a:endParaRPr lang="en-US" altLang="zh-CN" dirty="0" smtClean="0"/>
-          </a:p>
-          <a:p>
-            <a:pPr marL="742950" lvl="1" indent="-285750">
-              <a:lnSpc>
-                <a:spcPct val="150000"/>
-              </a:lnSpc>
-              <a:buFont typeface="Wingdings" panose="05000000000000000000" pitchFamily="2" charset="2"/>
-              <a:buChar char="Ø"/>
-            </a:pPr>
-            <a:r>
-              <a:rPr lang="en-US" altLang="zh-CN" dirty="0" err="1" smtClean="0"/>
-              <a:t>Elevator_dialog</a:t>
-            </a:r>
-            <a:r>
-              <a:rPr lang="en-US" altLang="zh-CN" dirty="0" smtClean="0"/>
-              <a:t> </a:t>
-            </a:r>
-            <a:r>
-              <a:rPr lang="zh-CN" altLang="en-US" dirty="0" smtClean="0"/>
-              <a:t>电梯</a:t>
-            </a:r>
-            <a:endParaRPr lang="en-US" altLang="zh-CN" dirty="0" smtClean="0"/>
-          </a:p>
-          <a:p>
-            <a:pPr lvl="2">
-              <a:lnSpc>
-                <a:spcPct val="150000"/>
-              </a:lnSpc>
-            </a:pPr>
-            <a:r>
-              <a:rPr lang="en-US" altLang="zh-CN" dirty="0" err="1" smtClean="0"/>
-              <a:t>ElevatorLib.h</a:t>
-            </a:r>
-            <a:r>
-              <a:rPr lang="zh-CN" altLang="en-US" dirty="0" smtClean="0"/>
-              <a:t>库函数说明</a:t>
-            </a:r>
-            <a:endParaRPr lang="en-US" altLang="zh-CN" dirty="0" smtClean="0"/>
-          </a:p>
-          <a:p>
-            <a:pPr lvl="2">
-              <a:lnSpc>
-                <a:spcPct val="150000"/>
-              </a:lnSpc>
-            </a:pPr>
-            <a:r>
-              <a:rPr lang="en-US" altLang="zh-CN" dirty="0" smtClean="0"/>
-              <a:t>elevator.cpp</a:t>
-            </a:r>
-            <a:r>
-              <a:rPr lang="zh-CN" altLang="en-US" dirty="0" smtClean="0"/>
-              <a:t>状态机代码</a:t>
-            </a:r>
-            <a:endParaRPr lang="en-US" altLang="zh-CN" dirty="0" smtClean="0"/>
-          </a:p>
-          <a:p>
-            <a:pPr marL="285750" indent="-285750">
-              <a:lnSpc>
-                <a:spcPct val="150000"/>
-              </a:lnSpc>
-              <a:buFont typeface="Wingdings" panose="05000000000000000000" pitchFamily="2" charset="2"/>
-              <a:buChar char="u"/>
-            </a:pPr>
-            <a:endParaRPr lang="en-US" altLang="zh-CN" dirty="0"/>
-          </a:p>
-        </p:txBody>
-      </p:sp>
-      <p:pic>
-        <p:nvPicPr>
-          <p:cNvPr id="7170" name="Picture 2"/>
-          <p:cNvPicPr>
-            <a:picLocks noChangeAspect="1" noChangeArrowheads="1"/>
-          </p:cNvPicPr>
-          <p:nvPr/>
-        </p:nvPicPr>
-        <p:blipFill>
-          <a:blip r:embed="rId3">
-            <a:extLst>
-              <a:ext uri="{28A0092B-C50C-407E-A947-70E740481C1C}">
-                <a14:useLocalDpi xmlns:a14="http://schemas.microsoft.com/office/drawing/2010/main" val="0"/>
-              </a:ext>
-            </a:extLst>
-          </a:blip>
-          <a:srcRect/>
-          <a:stretch>
-            <a:fillRect/>
-          </a:stretch>
-        </p:blipFill>
-        <p:spPr bwMode="auto">
-          <a:xfrm>
-            <a:off x="5364088" y="546013"/>
-            <a:ext cx="2736304" cy="5979331"/>
-          </a:xfrm>
-          <a:prstGeom prst="rect">
-            <a:avLst/>
-          </a:prstGeom>
-          <a:noFill/>
-          <a:ln>
-            <a:noFill/>
-          </a:ln>
-          <a:effectLst/>
-          <a:extLst>
-            <a:ext uri="{909E8E84-426E-40DD-AFC4-6F175D3DCCD1}">
-              <a14:hiddenFill xmlns:a14="http://schemas.microsoft.com/office/drawing/2010/main">
-                <a:solidFill>
-                  <a:schemeClr val="accent1"/>
-                </a:solidFill>
-              </a14:hiddenFill>
-            </a:ext>
-            <a:ext uri="{91240B29-F687-4F45-9708-019B960494DF}">
-              <a14:hiddenLine xmlns:a14="http://schemas.microsoft.com/office/drawing/2010/main" w="9525">
-                <a:solidFill>
-                  <a:schemeClr val="tx1"/>
-                </a:solidFill>
-                <a:miter lim="800000"/>
-                <a:headEnd/>
-                <a:tailEnd/>
-              </a14:hiddenLine>
-            </a:ext>
-            <a:ext uri="{AF507438-7753-43E0-B8FC-AC1667EBCBE1}">
-              <a14:hiddenEffects xmlns:a14="http://schemas.microsoft.com/office/drawing/2010/main">
-                <a:effectLst>
-                  <a:outerShdw dist="35921" dir="2700000" algn="ctr" rotWithShape="0">
-                    <a:schemeClr val="bg2"/>
-                  </a:outerShdw>
-                </a:effectLst>
-              </a14:hiddenEffects>
-            </a:ext>
-          </a:extLst>
-        </p:spPr>
-      </p:pic>
-      <p:sp>
-        <p:nvSpPr>
-          <p:cNvPr id="4" name="灯片编号占位符 3"/>
-          <p:cNvSpPr>
-            <a:spLocks noGrp="1"/>
-          </p:cNvSpPr>
-          <p:nvPr>
-            <p:ph type="sldNum" sz="quarter" idx="11"/>
-          </p:nvPr>
-        </p:nvSpPr>
-        <p:spPr/>
-        <p:txBody>
-          <a:bodyPr/>
-          <a:lstStyle/>
-          <a:p>
-            <a:fld id="{C76E37F9-B586-484A-A7DE-14715ACABBC7}" type="slidenum">
-              <a:rPr lang="zh-CN" altLang="en-US" smtClean="0"/>
-              <a:t>7</a:t>
-            </a:fld>
-            <a:endParaRPr lang="zh-CN" altLang="en-US"/>
-          </a:p>
-        </p:txBody>
-      </p:sp>
-      <p:sp>
-        <p:nvSpPr>
-          <p:cNvPr id="5" name="页脚占位符 4"/>
-          <p:cNvSpPr>
-            <a:spLocks noGrp="1"/>
-          </p:cNvSpPr>
-          <p:nvPr>
-            <p:ph type="ftr" sz="quarter" idx="10"/>
-          </p:nvPr>
-        </p:nvSpPr>
-        <p:spPr/>
-        <p:txBody>
-          <a:bodyPr/>
-          <a:lstStyle/>
-          <a:p>
-            <a:r>
-              <a:rPr lang="en-US" altLang="zh-CN" smtClean="0"/>
-              <a:t>C</a:t>
-            </a:r>
-            <a:r>
-              <a:rPr lang="zh-CN" altLang="en-US" smtClean="0"/>
-              <a:t>语言课程设计</a:t>
-            </a:r>
-            <a:endParaRPr lang="zh-CN" altLang="en-US"/>
-          </a:p>
-        </p:txBody>
-      </p:sp>
-      <p:sp>
-        <p:nvSpPr>
-          <p:cNvPr id="6" name="日期占位符 5"/>
-          <p:cNvSpPr>
-            <a:spLocks noGrp="1"/>
-          </p:cNvSpPr>
-          <p:nvPr>
-            <p:ph type="dt" sz="half" idx="12"/>
-          </p:nvPr>
-        </p:nvSpPr>
-        <p:spPr/>
-        <p:txBody>
-          <a:bodyPr/>
-          <a:lstStyle/>
-          <a:p>
-            <a:fld id="{8D1F04B0-10ED-43F8-837A-0961035CB7FD}" type="datetime10">
-              <a:rPr lang="zh-CN" altLang="en-US" smtClean="0"/>
-              <a:t>11:04</a:t>
-            </a:fld>
-            <a:endParaRPr lang="zh-CN" altLang="en-US"/>
-          </a:p>
-        </p:txBody>
-      </p:sp>
-    </p:spTree>
-    <p:extLst>
-      <p:ext uri="{BB962C8B-B14F-4D97-AF65-F5344CB8AC3E}">
-        <p14:creationId xmlns:p14="http://schemas.microsoft.com/office/powerpoint/2010/main" val="231546088"/>
-      </p:ext>
-    </p:extLst>
-  </p:cSld>
-  <p:clrMapOvr>
-    <a:masterClrMapping/>
-  </p:clrMapOvr>
-  <mc:AlternateContent xmlns:mc="http://schemas.openxmlformats.org/markup-compatibility/2006" xmlns:p14="http://schemas.microsoft.com/office/powerpoint/2010/main">
-    <mc:Choice Requires="p14">
-      <p:transition spd="slow" p14:dur="1500">
-        <p:split orient="vert"/>
-      </p:transition>
-    </mc:Choice>
-    <mc:Fallback xmlns="">
-      <p:transition spd="slow">
-        <p:split orient="vert"/>
-      </p:transition>
-    </mc:Fallback>
-  </mc:AlternateContent>
-  <p:timing>
-    <p:tnLst>
-      <p:par>
-        <p:cTn id="1" dur="indefinite" restart="never" nodeType="tmRoot"/>
-      </p:par>
-    </p:tnLst>
-  </p:timing>
-</p:sld>
-</file>
-
-<file path=ppt/slides/slide8.xml><?xml version="1.0" encoding="utf-8"?>
-<p:sld xmlns:a="http://schemas.openxmlformats.org/drawingml/2006/main" xmlns:r="http://schemas.openxmlformats.org/officeDocument/2006/relationships" xmlns:p="http://schemas.openxmlformats.org/presentationml/2006/main">
-  <p:cSld>
-    <p:spTree>
-      <p:nvGrpSpPr>
-        <p:cNvPr id="1" name=""/>
-        <p:cNvGrpSpPr/>
-        <p:nvPr/>
-      </p:nvGrpSpPr>
-      <p:grpSpPr>
-        <a:xfrm>
-          <a:off x="0" y="0"/>
-          <a:ext cx="0" cy="0"/>
-          <a:chOff x="0" y="0"/>
-          <a:chExt cx="0" cy="0"/>
-        </a:xfrm>
-      </p:grpSpPr>
-      <p:sp>
-        <p:nvSpPr>
-          <p:cNvPr id="2" name="标题 1"/>
-          <p:cNvSpPr>
-            <a:spLocks noGrp="1"/>
-          </p:cNvSpPr>
-          <p:nvPr>
-            <p:ph type="title"/>
-          </p:nvPr>
-        </p:nvSpPr>
-        <p:spPr>
-          <a:xfrm>
-            <a:off x="352425" y="-243408"/>
-            <a:ext cx="8612188" cy="998538"/>
-          </a:xfrm>
-        </p:spPr>
-        <p:txBody>
-          <a:bodyPr/>
-          <a:lstStyle/>
-          <a:p>
-            <a:r>
-              <a:rPr lang="en-US" altLang="zh-CN" sz="3600" dirty="0" smtClean="0">
-                <a:solidFill>
-                  <a:schemeClr val="bg1"/>
-                </a:solidFill>
-              </a:rPr>
-              <a:t>Microsoft Visual Studio</a:t>
-            </a:r>
-            <a:endParaRPr lang="zh-CN" altLang="en-US" sz="3600" dirty="0">
-              <a:solidFill>
-                <a:schemeClr val="bg1"/>
-              </a:solidFill>
-            </a:endParaRPr>
-          </a:p>
-        </p:txBody>
-      </p:sp>
-      <p:sp>
-        <p:nvSpPr>
-          <p:cNvPr id="3" name="TextBox 2"/>
-          <p:cNvSpPr txBox="1"/>
-          <p:nvPr/>
-        </p:nvSpPr>
-        <p:spPr>
-          <a:xfrm>
-            <a:off x="214350" y="1844824"/>
-            <a:ext cx="2592288" cy="1338828"/>
-          </a:xfrm>
-          <a:prstGeom prst="rect">
-            <a:avLst/>
-          </a:prstGeom>
-          <a:noFill/>
-        </p:spPr>
-        <p:txBody>
-          <a:bodyPr wrap="square" rtlCol="0">
-            <a:spAutoFit/>
-          </a:bodyPr>
-          <a:lstStyle/>
-          <a:p>
-            <a:pPr marL="285750" indent="-285750">
-              <a:lnSpc>
-                <a:spcPct val="150000"/>
-              </a:lnSpc>
-              <a:buFont typeface="Wingdings" panose="05000000000000000000" pitchFamily="2" charset="2"/>
-              <a:buChar char="u"/>
-            </a:pPr>
-            <a:r>
-              <a:rPr lang="zh-CN" altLang="en-US" dirty="0"/>
-              <a:t>设</a:t>
-            </a:r>
-            <a:r>
-              <a:rPr lang="zh-CN" altLang="en-US" dirty="0" smtClean="0"/>
-              <a:t>为启动项</a:t>
-            </a:r>
-            <a:endParaRPr lang="en-US" altLang="zh-CN" dirty="0"/>
-          </a:p>
-          <a:p>
-            <a:pPr>
-              <a:lnSpc>
-                <a:spcPct val="150000"/>
-              </a:lnSpc>
-            </a:pPr>
-            <a:r>
-              <a:rPr lang="zh-CN" altLang="en-US" dirty="0" smtClean="0"/>
-              <a:t>选择项目，右键，</a:t>
-            </a:r>
-            <a:endParaRPr lang="en-US" altLang="zh-CN" dirty="0" smtClean="0"/>
-          </a:p>
-          <a:p>
-            <a:pPr>
-              <a:lnSpc>
-                <a:spcPct val="150000"/>
-              </a:lnSpc>
-            </a:pPr>
-            <a:r>
-              <a:rPr lang="en-US" altLang="zh-CN" dirty="0" smtClean="0"/>
-              <a:t>Set</a:t>
-            </a:r>
-            <a:r>
-              <a:rPr lang="zh-CN" altLang="en-US" dirty="0"/>
-              <a:t> </a:t>
-            </a:r>
-            <a:r>
-              <a:rPr lang="en-US" altLang="zh-CN" dirty="0" smtClean="0"/>
-              <a:t>as </a:t>
-            </a:r>
-            <a:r>
-              <a:rPr lang="en-US" altLang="zh-CN" dirty="0" err="1" smtClean="0"/>
-              <a:t>StartUp</a:t>
-            </a:r>
-            <a:r>
-              <a:rPr lang="en-US" altLang="zh-CN" dirty="0" smtClean="0"/>
-              <a:t> Project</a:t>
-            </a:r>
-          </a:p>
-        </p:txBody>
-      </p:sp>
-      <p:pic>
-        <p:nvPicPr>
-          <p:cNvPr id="7170" name="Picture 2"/>
-          <p:cNvPicPr>
-            <a:picLocks noChangeAspect="1" noChangeArrowheads="1"/>
-          </p:cNvPicPr>
-          <p:nvPr/>
-        </p:nvPicPr>
-        <p:blipFill>
-          <a:blip r:embed="rId2">
-            <a:extLst>
-              <a:ext uri="{28A0092B-C50C-407E-A947-70E740481C1C}">
-                <a14:useLocalDpi xmlns:a14="http://schemas.microsoft.com/office/drawing/2010/main" val="0"/>
-              </a:ext>
-            </a:extLst>
-          </a:blip>
-          <a:srcRect/>
-          <a:stretch>
-            <a:fillRect/>
-          </a:stretch>
-        </p:blipFill>
-        <p:spPr bwMode="auto">
-          <a:xfrm>
-            <a:off x="6300192" y="476672"/>
-            <a:ext cx="2736304" cy="5979331"/>
-          </a:xfrm>
-          <a:prstGeom prst="rect">
-            <a:avLst/>
-          </a:prstGeom>
-          <a:noFill/>
-          <a:ln>
-            <a:noFill/>
-          </a:ln>
-          <a:effectLst/>
-          <a:extLst>
-            <a:ext uri="{909E8E84-426E-40DD-AFC4-6F175D3DCCD1}">
-              <a14:hiddenFill xmlns:a14="http://schemas.microsoft.com/office/drawing/2010/main">
-                <a:solidFill>
-                  <a:schemeClr val="accent1"/>
-                </a:solidFill>
-              </a14:hiddenFill>
-            </a:ext>
-            <a:ext uri="{91240B29-F687-4F45-9708-019B960494DF}">
-              <a14:hiddenLine xmlns:a14="http://schemas.microsoft.com/office/drawing/2010/main" w="9525">
-                <a:solidFill>
-                  <a:schemeClr val="tx1"/>
-                </a:solidFill>
-                <a:miter lim="800000"/>
-                <a:headEnd/>
-                <a:tailEnd/>
-              </a14:hiddenLine>
-            </a:ext>
-            <a:ext uri="{AF507438-7753-43E0-B8FC-AC1667EBCBE1}">
-              <a14:hiddenEffects xmlns:a14="http://schemas.microsoft.com/office/drawing/2010/main">
-                <a:effectLst>
-                  <a:outerShdw dist="35921" dir="2700000" algn="ctr" rotWithShape="0">
-                    <a:schemeClr val="bg2"/>
-                  </a:outerShdw>
-                </a:effectLst>
-              </a14:hiddenEffects>
-            </a:ext>
-          </a:extLst>
-        </p:spPr>
-      </p:pic>
-      <p:pic>
-        <p:nvPicPr>
-          <p:cNvPr id="7171" name="Picture 3"/>
-          <p:cNvPicPr>
-            <a:picLocks noChangeAspect="1" noChangeArrowheads="1"/>
-          </p:cNvPicPr>
-          <p:nvPr/>
-        </p:nvPicPr>
-        <p:blipFill>
-          <a:blip r:embed="rId3">
-            <a:extLst>
-              <a:ext uri="{28A0092B-C50C-407E-A947-70E740481C1C}">
-                <a14:useLocalDpi xmlns:a14="http://schemas.microsoft.com/office/drawing/2010/main" val="0"/>
-              </a:ext>
-            </a:extLst>
-          </a:blip>
-          <a:srcRect/>
-          <a:stretch>
-            <a:fillRect/>
-          </a:stretch>
-        </p:blipFill>
-        <p:spPr bwMode="auto">
-          <a:xfrm>
-            <a:off x="2987824" y="665187"/>
-            <a:ext cx="3209925" cy="5572125"/>
-          </a:xfrm>
-          <a:prstGeom prst="rect">
-            <a:avLst/>
-          </a:prstGeom>
-          <a:noFill/>
-          <a:ln>
-            <a:noFill/>
-          </a:ln>
-          <a:effectLst/>
-          <a:extLst>
-            <a:ext uri="{909E8E84-426E-40DD-AFC4-6F175D3DCCD1}">
-              <a14:hiddenFill xmlns:a14="http://schemas.microsoft.com/office/drawing/2010/main">
-                <a:solidFill>
-                  <a:schemeClr val="accent1"/>
-                </a:solidFill>
-              </a14:hiddenFill>
-            </a:ext>
-            <a:ext uri="{91240B29-F687-4F45-9708-019B960494DF}">
-              <a14:hiddenLine xmlns:a14="http://schemas.microsoft.com/office/drawing/2010/main" w="9525">
-                <a:solidFill>
-                  <a:schemeClr val="tx1"/>
-                </a:solidFill>
-                <a:miter lim="800000"/>
-                <a:headEnd/>
-                <a:tailEnd/>
-              </a14:hiddenLine>
-            </a:ext>
-            <a:ext uri="{AF507438-7753-43E0-B8FC-AC1667EBCBE1}">
-              <a14:hiddenEffects xmlns:a14="http://schemas.microsoft.com/office/drawing/2010/main">
-                <a:effectLst>
-                  <a:outerShdw dist="35921" dir="2700000" algn="ctr" rotWithShape="0">
-                    <a:schemeClr val="bg2"/>
-                  </a:outerShdw>
-                </a:effectLst>
-              </a14:hiddenEffects>
-            </a:ext>
-          </a:extLst>
-        </p:spPr>
-      </p:pic>
-      <p:sp>
-        <p:nvSpPr>
-          <p:cNvPr id="4" name="灯片编号占位符 3"/>
-          <p:cNvSpPr>
-            <a:spLocks noGrp="1"/>
-          </p:cNvSpPr>
-          <p:nvPr>
-            <p:ph type="sldNum" sz="quarter" idx="11"/>
-          </p:nvPr>
-        </p:nvSpPr>
-        <p:spPr/>
-        <p:txBody>
-          <a:bodyPr/>
-          <a:lstStyle/>
-          <a:p>
-            <a:fld id="{C76E37F9-B586-484A-A7DE-14715ACABBC7}" type="slidenum">
-              <a:rPr lang="zh-CN" altLang="en-US" smtClean="0"/>
-              <a:t>8</a:t>
-            </a:fld>
-            <a:endParaRPr lang="zh-CN" altLang="en-US"/>
-          </a:p>
-        </p:txBody>
-      </p:sp>
-      <p:sp>
-        <p:nvSpPr>
-          <p:cNvPr id="5" name="页脚占位符 4"/>
-          <p:cNvSpPr>
-            <a:spLocks noGrp="1"/>
-          </p:cNvSpPr>
-          <p:nvPr>
-            <p:ph type="ftr" sz="quarter" idx="10"/>
-          </p:nvPr>
-        </p:nvSpPr>
-        <p:spPr/>
-        <p:txBody>
-          <a:bodyPr/>
-          <a:lstStyle/>
-          <a:p>
-            <a:r>
-              <a:rPr lang="en-US" altLang="zh-CN" smtClean="0"/>
-              <a:t>C</a:t>
-            </a:r>
-            <a:r>
-              <a:rPr lang="zh-CN" altLang="en-US" smtClean="0"/>
-              <a:t>语言课程设计</a:t>
-            </a:r>
-            <a:endParaRPr lang="zh-CN" altLang="en-US"/>
-          </a:p>
-        </p:txBody>
-      </p:sp>
-      <p:sp>
-        <p:nvSpPr>
-          <p:cNvPr id="6" name="日期占位符 5"/>
-          <p:cNvSpPr>
-            <a:spLocks noGrp="1"/>
-          </p:cNvSpPr>
-          <p:nvPr>
-            <p:ph type="dt" sz="half" idx="12"/>
-          </p:nvPr>
-        </p:nvSpPr>
-        <p:spPr/>
-        <p:txBody>
-          <a:bodyPr/>
-          <a:lstStyle/>
-          <a:p>
-            <a:fld id="{B87535FB-A371-4F35-9B28-911E89E9053A}" type="datetime10">
-              <a:rPr lang="zh-CN" altLang="en-US" smtClean="0"/>
-              <a:t>11:04</a:t>
-            </a:fld>
-            <a:endParaRPr lang="zh-CN" altLang="en-US"/>
-          </a:p>
-        </p:txBody>
-      </p:sp>
-      <p:sp>
-        <p:nvSpPr>
-          <p:cNvPr id="7" name="TextBox 6"/>
-          <p:cNvSpPr txBox="1"/>
-          <p:nvPr/>
-        </p:nvSpPr>
-        <p:spPr>
-          <a:xfrm>
-            <a:off x="214350" y="665187"/>
-            <a:ext cx="2232248" cy="646331"/>
-          </a:xfrm>
-          <a:prstGeom prst="rect">
-            <a:avLst/>
-          </a:prstGeom>
-          <a:solidFill>
-            <a:srgbClr val="FFC000"/>
-          </a:solidFill>
-          <a:ln>
-            <a:solidFill>
-              <a:schemeClr val="accent1"/>
-            </a:solidFill>
-          </a:ln>
-        </p:spPr>
-        <p:txBody>
-          <a:bodyPr wrap="square" rtlCol="0">
-            <a:spAutoFit/>
-          </a:bodyPr>
-          <a:lstStyle/>
-          <a:p>
-            <a:r>
-              <a:rPr lang="zh-CN" altLang="en-US" dirty="0" smtClean="0"/>
-              <a:t>在两个项目中，进行切换的方法。</a:t>
-            </a:r>
-            <a:endParaRPr lang="zh-CN" altLang="en-US" dirty="0"/>
-          </a:p>
-        </p:txBody>
-      </p:sp>
-    </p:spTree>
-    <p:extLst>
-      <p:ext uri="{BB962C8B-B14F-4D97-AF65-F5344CB8AC3E}">
-        <p14:creationId xmlns:p14="http://schemas.microsoft.com/office/powerpoint/2010/main" val="1076909894"/>
-      </p:ext>
-    </p:extLst>
-  </p:cSld>
-  <p:clrMapOvr>
-    <a:masterClrMapping/>
-  </p:clrMapOvr>
-  <mc:AlternateContent xmlns:mc="http://schemas.openxmlformats.org/markup-compatibility/2006" xmlns:p14="http://schemas.microsoft.com/office/powerpoint/2010/main">
-    <mc:Choice Requires="p14">
-      <p:transition spd="slow" p14:dur="1500">
-        <p:split orient="vert"/>
-      </p:transition>
-    </mc:Choice>
-    <mc:Fallback xmlns="">
-      <p:transition spd="slow">
-        <p:split orient="vert"/>
-      </p:transition>
-    </mc:Fallback>
-  </mc:AlternateContent>
-  <p:timing>
-    <p:tnLst>
-      <p:par>
-        <p:cTn id="1" dur="indefinite" restart="never" nodeType="tmRoot"/>
-      </p:par>
-    </p:tnLst>
-  </p:timing>
-</p:sld>
-</file>
-
-<file path=ppt/slides/slide9.xml><?xml version="1.0" encoding="utf-8"?>
-<p:sld xmlns:a="http://schemas.openxmlformats.org/drawingml/2006/main" xmlns:r="http://schemas.openxmlformats.org/officeDocument/2006/relationships" xmlns:p="http://schemas.openxmlformats.org/presentationml/2006/main">
-  <p:cSld>
-    <p:spTree>
-      <p:nvGrpSpPr>
-        <p:cNvPr id="1" name=""/>
-        <p:cNvGrpSpPr/>
-        <p:nvPr/>
-      </p:nvGrpSpPr>
-      <p:grpSpPr>
-        <a:xfrm>
-          <a:off x="0" y="0"/>
-          <a:ext cx="0" cy="0"/>
-          <a:chOff x="0" y="0"/>
-          <a:chExt cx="0" cy="0"/>
-        </a:xfrm>
-      </p:grpSpPr>
-      <p:sp>
-        <p:nvSpPr>
-          <p:cNvPr id="2" name="标题 1"/>
-          <p:cNvSpPr>
-            <a:spLocks noGrp="1"/>
-          </p:cNvSpPr>
-          <p:nvPr>
-            <p:ph type="title"/>
-          </p:nvPr>
-        </p:nvSpPr>
-        <p:spPr>
-          <a:xfrm>
-            <a:off x="352425" y="-243408"/>
-            <a:ext cx="8612188" cy="998538"/>
-          </a:xfrm>
-        </p:spPr>
-        <p:txBody>
-          <a:bodyPr/>
-          <a:lstStyle/>
-          <a:p>
-            <a:r>
-              <a:rPr lang="en-US" altLang="zh-CN" sz="3600" dirty="0" smtClean="0">
-                <a:solidFill>
-                  <a:schemeClr val="bg1"/>
-                </a:solidFill>
-              </a:rPr>
-              <a:t>Microsoft Visual Studio</a:t>
-            </a:r>
-            <a:endParaRPr lang="zh-CN" altLang="en-US" sz="3600" dirty="0">
-              <a:solidFill>
-                <a:schemeClr val="bg1"/>
-              </a:solidFill>
-            </a:endParaRPr>
-          </a:p>
-        </p:txBody>
-      </p:sp>
-      <p:sp>
-        <p:nvSpPr>
-          <p:cNvPr id="3" name="TextBox 2"/>
-          <p:cNvSpPr txBox="1"/>
-          <p:nvPr/>
-        </p:nvSpPr>
-        <p:spPr>
-          <a:xfrm>
-            <a:off x="179512" y="675899"/>
-            <a:ext cx="1944216" cy="923330"/>
-          </a:xfrm>
-          <a:prstGeom prst="rect">
-            <a:avLst/>
-          </a:prstGeom>
-          <a:noFill/>
-        </p:spPr>
-        <p:txBody>
-          <a:bodyPr wrap="square" rtlCol="0">
-            <a:spAutoFit/>
-          </a:bodyPr>
-          <a:lstStyle/>
-          <a:p>
-            <a:pPr marL="285750" indent="-285750">
-              <a:lnSpc>
-                <a:spcPct val="150000"/>
-              </a:lnSpc>
-              <a:buFont typeface="Wingdings" panose="05000000000000000000" pitchFamily="2" charset="2"/>
-              <a:buChar char="u"/>
-            </a:pPr>
-            <a:r>
-              <a:rPr lang="zh-CN" altLang="en-US" dirty="0"/>
-              <a:t>运行</a:t>
-            </a:r>
-            <a:r>
-              <a:rPr lang="zh-CN" altLang="en-US" dirty="0" smtClean="0"/>
-              <a:t>调试</a:t>
-            </a:r>
-            <a:endParaRPr lang="en-US" altLang="zh-CN" dirty="0"/>
-          </a:p>
-          <a:p>
-            <a:pPr>
-              <a:lnSpc>
-                <a:spcPct val="150000"/>
-              </a:lnSpc>
-            </a:pPr>
-            <a:r>
-              <a:rPr lang="en-US" altLang="zh-CN" dirty="0" smtClean="0"/>
-              <a:t>Start Debugging</a:t>
-            </a:r>
-          </a:p>
-        </p:txBody>
-      </p:sp>
-      <p:pic>
-        <p:nvPicPr>
-          <p:cNvPr id="8194" name="Picture 2"/>
-          <p:cNvPicPr>
-            <a:picLocks noChangeAspect="1" noChangeArrowheads="1"/>
-          </p:cNvPicPr>
-          <p:nvPr/>
-        </p:nvPicPr>
-        <p:blipFill>
-          <a:blip r:embed="rId2">
-            <a:extLst>
-              <a:ext uri="{28A0092B-C50C-407E-A947-70E740481C1C}">
-                <a14:useLocalDpi xmlns:a14="http://schemas.microsoft.com/office/drawing/2010/main" val="0"/>
-              </a:ext>
-            </a:extLst>
-          </a:blip>
-          <a:srcRect/>
-          <a:stretch>
-            <a:fillRect/>
-          </a:stretch>
-        </p:blipFill>
-        <p:spPr bwMode="auto">
-          <a:xfrm>
-            <a:off x="2627784" y="837059"/>
-            <a:ext cx="6379898" cy="5280273"/>
-          </a:xfrm>
-          <a:prstGeom prst="rect">
-            <a:avLst/>
-          </a:prstGeom>
-          <a:noFill/>
-          <a:ln>
-            <a:noFill/>
-          </a:ln>
-          <a:effectLst/>
-          <a:extLst>
-            <a:ext uri="{909E8E84-426E-40DD-AFC4-6F175D3DCCD1}">
-              <a14:hiddenFill xmlns:a14="http://schemas.microsoft.com/office/drawing/2010/main">
-                <a:solidFill>
-                  <a:schemeClr val="accent1"/>
-                </a:solidFill>
-              </a14:hiddenFill>
-            </a:ext>
-            <a:ext uri="{91240B29-F687-4F45-9708-019B960494DF}">
-              <a14:hiddenLine xmlns:a14="http://schemas.microsoft.com/office/drawing/2010/main" w="9525">
-                <a:solidFill>
-                  <a:schemeClr val="tx1"/>
-                </a:solidFill>
-                <a:miter lim="800000"/>
-                <a:headEnd/>
-                <a:tailEnd/>
-              </a14:hiddenLine>
-            </a:ext>
-            <a:ext uri="{AF507438-7753-43E0-B8FC-AC1667EBCBE1}">
-              <a14:hiddenEffects xmlns:a14="http://schemas.microsoft.com/office/drawing/2010/main">
-                <a:effectLst>
-                  <a:outerShdw dist="35921" dir="2700000" algn="ctr" rotWithShape="0">
-                    <a:schemeClr val="bg2"/>
-                  </a:outerShdw>
-                </a:effectLst>
-              </a14:hiddenEffects>
-            </a:ext>
-          </a:extLst>
-        </p:spPr>
-      </p:pic>
-      <p:sp>
-        <p:nvSpPr>
-          <p:cNvPr id="4" name="灯片编号占位符 3"/>
-          <p:cNvSpPr>
-            <a:spLocks noGrp="1"/>
-          </p:cNvSpPr>
-          <p:nvPr>
-            <p:ph type="sldNum" sz="quarter" idx="11"/>
-          </p:nvPr>
-        </p:nvSpPr>
-        <p:spPr/>
-        <p:txBody>
-          <a:bodyPr/>
-          <a:lstStyle/>
-          <a:p>
-            <a:fld id="{C76E37F9-B586-484A-A7DE-14715ACABBC7}" type="slidenum">
-              <a:rPr lang="zh-CN" altLang="en-US" smtClean="0"/>
-              <a:t>9</a:t>
-            </a:fld>
-            <a:endParaRPr lang="zh-CN" altLang="en-US"/>
-          </a:p>
-        </p:txBody>
-      </p:sp>
-      <p:sp>
-        <p:nvSpPr>
-          <p:cNvPr id="5" name="页脚占位符 4"/>
-          <p:cNvSpPr>
-            <a:spLocks noGrp="1"/>
-          </p:cNvSpPr>
-          <p:nvPr>
-            <p:ph type="ftr" sz="quarter" idx="10"/>
-          </p:nvPr>
-        </p:nvSpPr>
-        <p:spPr/>
-        <p:txBody>
-          <a:bodyPr/>
-          <a:lstStyle/>
-          <a:p>
-            <a:r>
-              <a:rPr lang="en-US" altLang="zh-CN" smtClean="0"/>
-              <a:t>C</a:t>
-            </a:r>
-            <a:r>
-              <a:rPr lang="zh-CN" altLang="en-US" smtClean="0"/>
-              <a:t>语言课程设计</a:t>
-            </a:r>
-            <a:endParaRPr lang="zh-CN" altLang="en-US"/>
-          </a:p>
-        </p:txBody>
-      </p:sp>
-      <p:sp>
-        <p:nvSpPr>
-          <p:cNvPr id="6" name="日期占位符 5"/>
-          <p:cNvSpPr>
-            <a:spLocks noGrp="1"/>
-          </p:cNvSpPr>
-          <p:nvPr>
-            <p:ph type="dt" sz="half" idx="12"/>
-          </p:nvPr>
-        </p:nvSpPr>
-        <p:spPr/>
-        <p:txBody>
-          <a:bodyPr/>
-          <a:lstStyle/>
-          <a:p>
-            <a:fld id="{806108C5-AE88-47AA-BB8B-5FD69F4B1CCD}" type="datetime10">
-              <a:rPr lang="zh-CN" altLang="en-US" smtClean="0"/>
-              <a:t>11:04</a:t>
-            </a:fld>
-            <a:endParaRPr lang="zh-CN" altLang="en-US"/>
-          </a:p>
-        </p:txBody>
-      </p:sp>
-    </p:spTree>
-    <p:extLst>
-      <p:ext uri="{BB962C8B-B14F-4D97-AF65-F5344CB8AC3E}">
-        <p14:creationId xmlns:p14="http://schemas.microsoft.com/office/powerpoint/2010/main" val="2399724989"/>
       </p:ext>
     </p:extLst>
   </p:cSld>
